--- a/Planejamento/PP Ficha Limpa.pptx
+++ b/Planejamento/PP Ficha Limpa.pptx
@@ -11,7 +11,10 @@
     <p:sldId id="259" r:id="rId5"/>
     <p:sldId id="260" r:id="rId6"/>
     <p:sldId id="261" r:id="rId7"/>
-    <p:sldId id="262" r:id="rId8"/>
+    <p:sldId id="263" r:id="rId8"/>
+    <p:sldId id="264" r:id="rId9"/>
+    <p:sldId id="265" r:id="rId10"/>
+    <p:sldId id="262" r:id="rId11"/>
   </p:sldIdLst>
   <p:sldSz cx="12192000" cy="6858000"/>
   <p:notesSz cx="6858000" cy="9144000"/>
@@ -265,7 +268,7 @@
           <a:p>
             <a:fld id="{9DD98169-B8BD-45CA-ADE4-115027D2ECAC}" type="datetimeFigureOut">
               <a:rPr lang="pt-BR" smtClean="0"/>
-              <a:t>03/04/2018</a:t>
+              <a:t>08/04/2018</a:t>
             </a:fld>
             <a:endParaRPr lang="pt-BR"/>
           </a:p>
@@ -463,7 +466,7 @@
           <a:p>
             <a:fld id="{9DD98169-B8BD-45CA-ADE4-115027D2ECAC}" type="datetimeFigureOut">
               <a:rPr lang="pt-BR" smtClean="0"/>
-              <a:t>03/04/2018</a:t>
+              <a:t>08/04/2018</a:t>
             </a:fld>
             <a:endParaRPr lang="pt-BR"/>
           </a:p>
@@ -671,7 +674,7 @@
           <a:p>
             <a:fld id="{9DD98169-B8BD-45CA-ADE4-115027D2ECAC}" type="datetimeFigureOut">
               <a:rPr lang="pt-BR" smtClean="0"/>
-              <a:t>03/04/2018</a:t>
+              <a:t>08/04/2018</a:t>
             </a:fld>
             <a:endParaRPr lang="pt-BR"/>
           </a:p>
@@ -869,7 +872,7 @@
           <a:p>
             <a:fld id="{9DD98169-B8BD-45CA-ADE4-115027D2ECAC}" type="datetimeFigureOut">
               <a:rPr lang="pt-BR" smtClean="0"/>
-              <a:t>03/04/2018</a:t>
+              <a:t>08/04/2018</a:t>
             </a:fld>
             <a:endParaRPr lang="pt-BR"/>
           </a:p>
@@ -1144,7 +1147,7 @@
           <a:p>
             <a:fld id="{9DD98169-B8BD-45CA-ADE4-115027D2ECAC}" type="datetimeFigureOut">
               <a:rPr lang="pt-BR" smtClean="0"/>
-              <a:t>03/04/2018</a:t>
+              <a:t>08/04/2018</a:t>
             </a:fld>
             <a:endParaRPr lang="pt-BR"/>
           </a:p>
@@ -1409,7 +1412,7 @@
           <a:p>
             <a:fld id="{9DD98169-B8BD-45CA-ADE4-115027D2ECAC}" type="datetimeFigureOut">
               <a:rPr lang="pt-BR" smtClean="0"/>
-              <a:t>03/04/2018</a:t>
+              <a:t>08/04/2018</a:t>
             </a:fld>
             <a:endParaRPr lang="pt-BR"/>
           </a:p>
@@ -1821,7 +1824,7 @@
           <a:p>
             <a:fld id="{9DD98169-B8BD-45CA-ADE4-115027D2ECAC}" type="datetimeFigureOut">
               <a:rPr lang="pt-BR" smtClean="0"/>
-              <a:t>03/04/2018</a:t>
+              <a:t>08/04/2018</a:t>
             </a:fld>
             <a:endParaRPr lang="pt-BR"/>
           </a:p>
@@ -1962,7 +1965,7 @@
           <a:p>
             <a:fld id="{9DD98169-B8BD-45CA-ADE4-115027D2ECAC}" type="datetimeFigureOut">
               <a:rPr lang="pt-BR" smtClean="0"/>
-              <a:t>03/04/2018</a:t>
+              <a:t>08/04/2018</a:t>
             </a:fld>
             <a:endParaRPr lang="pt-BR"/>
           </a:p>
@@ -2075,7 +2078,7 @@
           <a:p>
             <a:fld id="{9DD98169-B8BD-45CA-ADE4-115027D2ECAC}" type="datetimeFigureOut">
               <a:rPr lang="pt-BR" smtClean="0"/>
-              <a:t>03/04/2018</a:t>
+              <a:t>08/04/2018</a:t>
             </a:fld>
             <a:endParaRPr lang="pt-BR"/>
           </a:p>
@@ -2386,7 +2389,7 @@
           <a:p>
             <a:fld id="{9DD98169-B8BD-45CA-ADE4-115027D2ECAC}" type="datetimeFigureOut">
               <a:rPr lang="pt-BR" smtClean="0"/>
-              <a:t>03/04/2018</a:t>
+              <a:t>08/04/2018</a:t>
             </a:fld>
             <a:endParaRPr lang="pt-BR"/>
           </a:p>
@@ -2674,7 +2677,7 @@
           <a:p>
             <a:fld id="{9DD98169-B8BD-45CA-ADE4-115027D2ECAC}" type="datetimeFigureOut">
               <a:rPr lang="pt-BR" smtClean="0"/>
-              <a:t>03/04/2018</a:t>
+              <a:t>08/04/2018</a:t>
             </a:fld>
             <a:endParaRPr lang="pt-BR"/>
           </a:p>
@@ -2915,7 +2918,7 @@
           <a:p>
             <a:fld id="{9DD98169-B8BD-45CA-ADE4-115027D2ECAC}" type="datetimeFigureOut">
               <a:rPr lang="pt-BR" smtClean="0"/>
-              <a:t>03/04/2018</a:t>
+              <a:t>08/04/2018</a:t>
             </a:fld>
             <a:endParaRPr lang="pt-BR"/>
           </a:p>
@@ -3538,7 +3541,7 @@
                 <a:latin typeface="Times New Roman" panose="02020603050405020304" pitchFamily="18" charset="0"/>
                 <a:cs typeface="Times New Roman" panose="02020603050405020304" pitchFamily="18" charset="0"/>
               </a:rPr>
-              <a:t>Bruno </a:t>
+              <a:t>Bruno Henrique</a:t>
             </a:r>
           </a:p>
           <a:p>
@@ -3560,6 +3563,39 @@
               </a:rPr>
               <a:t>Gabriel </a:t>
             </a:r>
+            <a:r>
+              <a:rPr lang="pt-BR" dirty="0" err="1">
+                <a:ln w="0"/>
+                <a:solidFill>
+                  <a:schemeClr val="tx1"/>
+                </a:solidFill>
+                <a:effectLst>
+                  <a:outerShdw blurRad="38100" dist="19050" dir="2700000" algn="tl" rotWithShape="0">
+                    <a:schemeClr val="dk1">
+                      <a:alpha val="40000"/>
+                    </a:schemeClr>
+                  </a:outerShdw>
+                </a:effectLst>
+                <a:latin typeface="Times New Roman" panose="02020603050405020304" pitchFamily="18" charset="0"/>
+                <a:cs typeface="Times New Roman" panose="02020603050405020304" pitchFamily="18" charset="0"/>
+              </a:rPr>
+              <a:t>Deina</a:t>
+            </a:r>
+            <a:endParaRPr lang="pt-BR" dirty="0">
+              <a:ln w="0"/>
+              <a:solidFill>
+                <a:schemeClr val="tx1"/>
+              </a:solidFill>
+              <a:effectLst>
+                <a:outerShdw blurRad="38100" dist="19050" dir="2700000" algn="tl" rotWithShape="0">
+                  <a:schemeClr val="dk1">
+                    <a:alpha val="40000"/>
+                  </a:schemeClr>
+                </a:outerShdw>
+              </a:effectLst>
+              <a:latin typeface="Times New Roman" panose="02020603050405020304" pitchFamily="18" charset="0"/>
+              <a:cs typeface="Times New Roman" panose="02020603050405020304" pitchFamily="18" charset="0"/>
+            </a:endParaRPr>
           </a:p>
           <a:p>
             <a:r>
@@ -3631,7 +3667,7 @@
                 <a:latin typeface="Times New Roman" panose="02020603050405020304" pitchFamily="18" charset="0"/>
                 <a:cs typeface="Times New Roman" panose="02020603050405020304" pitchFamily="18" charset="0"/>
               </a:rPr>
-              <a:t>Pedro </a:t>
+              <a:t>Pedro Saad	</a:t>
             </a:r>
           </a:p>
           <a:p>
@@ -3651,10 +3687,26 @@
                 <a:latin typeface="Times New Roman" panose="02020603050405020304" pitchFamily="18" charset="0"/>
                 <a:cs typeface="Times New Roman" panose="02020603050405020304" pitchFamily="18" charset="0"/>
               </a:rPr>
-              <a:t>Rafael</a:t>
-            </a:r>
-          </a:p>
-          <a:p>
+              <a:t>Rafael </a:t>
+            </a:r>
+            <a:r>
+              <a:rPr lang="pt-BR" dirty="0" err="1">
+                <a:ln w="0"/>
+                <a:solidFill>
+                  <a:schemeClr val="tx1"/>
+                </a:solidFill>
+                <a:effectLst>
+                  <a:outerShdw blurRad="38100" dist="19050" dir="2700000" algn="tl" rotWithShape="0">
+                    <a:schemeClr val="dk1">
+                      <a:alpha val="40000"/>
+                    </a:schemeClr>
+                  </a:outerShdw>
+                </a:effectLst>
+                <a:latin typeface="Times New Roman" panose="02020603050405020304" pitchFamily="18" charset="0"/>
+                <a:cs typeface="Times New Roman" panose="02020603050405020304" pitchFamily="18" charset="0"/>
+              </a:rPr>
+              <a:t>Yon</a:t>
+            </a:r>
             <a:r>
               <a:rPr lang="pt-BR" dirty="0">
                 <a:ln w="0"/>
@@ -3671,8 +3723,43 @@
                 <a:latin typeface="Times New Roman" panose="02020603050405020304" pitchFamily="18" charset="0"/>
                 <a:cs typeface="Times New Roman" panose="02020603050405020304" pitchFamily="18" charset="0"/>
               </a:rPr>
-              <a:t>Renato</a:t>
-            </a:r>
+              <a:t>	</a:t>
+            </a:r>
+          </a:p>
+          <a:p>
+            <a:r>
+              <a:rPr lang="pt-BR">
+                <a:ln w="0"/>
+                <a:solidFill>
+                  <a:schemeClr val="tx1"/>
+                </a:solidFill>
+                <a:effectLst>
+                  <a:outerShdw blurRad="38100" dist="19050" dir="2700000" algn="tl" rotWithShape="0">
+                    <a:schemeClr val="dk1">
+                      <a:alpha val="40000"/>
+                    </a:schemeClr>
+                  </a:outerShdw>
+                </a:effectLst>
+                <a:latin typeface="Times New Roman" panose="02020603050405020304" pitchFamily="18" charset="0"/>
+                <a:cs typeface="Times New Roman" panose="02020603050405020304" pitchFamily="18" charset="0"/>
+              </a:rPr>
+              <a:t>Renato de Paula</a:t>
+            </a:r>
+            <a:endParaRPr lang="pt-BR" dirty="0">
+              <a:ln w="0"/>
+              <a:solidFill>
+                <a:schemeClr val="tx1"/>
+              </a:solidFill>
+              <a:effectLst>
+                <a:outerShdw blurRad="38100" dist="19050" dir="2700000" algn="tl" rotWithShape="0">
+                  <a:schemeClr val="dk1">
+                    <a:alpha val="40000"/>
+                  </a:schemeClr>
+                </a:outerShdw>
+              </a:effectLst>
+              <a:latin typeface="Times New Roman" panose="02020603050405020304" pitchFamily="18" charset="0"/>
+              <a:cs typeface="Times New Roman" panose="02020603050405020304" pitchFamily="18" charset="0"/>
+            </a:endParaRPr>
           </a:p>
         </p:txBody>
       </p:sp>
@@ -3689,7 +3776,7 @@
 </p:sld>
 </file>
 
-<file path=ppt/slides/slide2.xml><?xml version="1.0" encoding="utf-8"?>
+<file path=ppt/slides/slide10.xml><?xml version="1.0" encoding="utf-8"?>
 <p:sld xmlns:a="http://schemas.openxmlformats.org/drawingml/2006/main" xmlns:r="http://schemas.openxmlformats.org/officeDocument/2006/relationships" xmlns:p="http://schemas.openxmlformats.org/presentationml/2006/main">
   <p:cSld>
     <p:spTree>
@@ -3711,7 +3798,7 @@
           <p:cNvPr id="2" name="Título 1">
             <a:extLst>
               <a:ext uri="{FF2B5EF4-FFF2-40B4-BE49-F238E27FC236}">
-                <a16:creationId xmlns:a16="http://schemas.microsoft.com/office/drawing/2014/main" id="{E5960394-BFD3-436D-A26D-140C5226B43F}"/>
+                <a16:creationId xmlns:a16="http://schemas.microsoft.com/office/drawing/2014/main" id="{4F05F5BE-7D4D-42B7-804E-AC34012D6CBC}"/>
               </a:ext>
             </a:extLst>
           </p:cNvPr>
@@ -3736,7 +3823,7 @@
           <p:cNvPr id="3" name="Espaço Reservado para Conteúdo 2">
             <a:extLst>
               <a:ext uri="{FF2B5EF4-FFF2-40B4-BE49-F238E27FC236}">
-                <a16:creationId xmlns:a16="http://schemas.microsoft.com/office/drawing/2014/main" id="{279D0A98-F18E-4608-8761-37CD1AF61EAB}"/>
+                <a16:creationId xmlns:a16="http://schemas.microsoft.com/office/drawing/2014/main" id="{DC4AD8FB-D80C-4682-A847-A9F6B3080C02}"/>
               </a:ext>
             </a:extLst>
           </p:cNvPr>
@@ -3758,10 +3845,10 @@
       </p:sp>
       <p:pic>
         <p:nvPicPr>
-          <p:cNvPr id="6" name="Picture 2" descr="Imagem relacionada">
-            <a:extLst>
-              <a:ext uri="{FF2B5EF4-FFF2-40B4-BE49-F238E27FC236}">
-                <a16:creationId xmlns:a16="http://schemas.microsoft.com/office/drawing/2014/main" id="{224A2165-8B7F-494B-ACC9-B8DD8354E31F}"/>
+          <p:cNvPr id="4" name="Picture 2" descr="Imagem relacionada">
+            <a:extLst>
+              <a:ext uri="{FF2B5EF4-FFF2-40B4-BE49-F238E27FC236}">
+                <a16:creationId xmlns:a16="http://schemas.microsoft.com/office/drawing/2014/main" id="{D9FFC1EB-DAF9-4298-A2D6-87186544151F}"/>
               </a:ext>
             </a:extLst>
           </p:cNvPr>
@@ -3814,57 +3901,10 @@
       </p:pic>
       <p:sp>
         <p:nvSpPr>
-          <p:cNvPr id="7" name="CaixaDeTexto 6">
-            <a:extLst>
-              <a:ext uri="{FF2B5EF4-FFF2-40B4-BE49-F238E27FC236}">
-                <a16:creationId xmlns:a16="http://schemas.microsoft.com/office/drawing/2014/main" id="{14726EC7-8DC6-434E-AE54-A841F9A431BD}"/>
-              </a:ext>
-            </a:extLst>
-          </p:cNvPr>
-          <p:cNvSpPr txBox="1"/>
-          <p:nvPr/>
-        </p:nvSpPr>
-        <p:spPr>
-          <a:xfrm>
-            <a:off x="3521340" y="196909"/>
-            <a:ext cx="5149319" cy="830997"/>
-          </a:xfrm>
-          <a:prstGeom prst="rect">
-            <a:avLst/>
-          </a:prstGeom>
-          <a:noFill/>
-        </p:spPr>
-        <p:txBody>
-          <a:bodyPr wrap="square" rtlCol="0">
-            <a:spAutoFit/>
-          </a:bodyPr>
-          <a:lstStyle/>
-          <a:p>
-            <a:pPr algn="ctr"/>
-            <a:r>
-              <a:rPr lang="pt-BR" sz="4800" u="sng" dirty="0">
-                <a:effectLst>
-                  <a:outerShdw blurRad="38100" dist="38100" dir="2700000" algn="tl">
-                    <a:srgbClr val="000000">
-                      <a:alpha val="43137"/>
-                    </a:srgbClr>
-                  </a:outerShdw>
-                </a:effectLst>
-                <a:latin typeface="Times New Roman" panose="02020603050405020304" pitchFamily="18" charset="0"/>
-                <a:cs typeface="Times New Roman" panose="02020603050405020304" pitchFamily="18" charset="0"/>
-              </a:rPr>
-              <a:t>PLANEJAMENTO</a:t>
-            </a:r>
-          </a:p>
-        </p:txBody>
-      </p:sp>
-      <p:sp>
-        <p:nvSpPr>
-          <p:cNvPr id="4" name="Fluxograma: Processo Alternativo 3">
-            <a:hlinkClick r:id="rId4" action="ppaction://hlinksldjump"/>
-            <a:extLst>
-              <a:ext uri="{FF2B5EF4-FFF2-40B4-BE49-F238E27FC236}">
-                <a16:creationId xmlns:a16="http://schemas.microsoft.com/office/drawing/2014/main" id="{D58C6868-81FF-406D-A996-47AEE7FA80BC}"/>
+          <p:cNvPr id="5" name="Fluxograma: Processo Alternativo 4">
+            <a:extLst>
+              <a:ext uri="{FF2B5EF4-FFF2-40B4-BE49-F238E27FC236}">
+                <a16:creationId xmlns:a16="http://schemas.microsoft.com/office/drawing/2014/main" id="{6F559118-EE49-4F09-9F57-26D56DBF2B9E}"/>
               </a:ext>
             </a:extLst>
           </p:cNvPr>
@@ -3873,36 +3913,41 @@
         </p:nvSpPr>
         <p:spPr>
           <a:xfrm>
-            <a:off x="2172032" y="1825625"/>
-            <a:ext cx="3116911" cy="896310"/>
+            <a:off x="1499482" y="476312"/>
+            <a:ext cx="2121529" cy="458836"/>
           </a:xfrm>
           <a:prstGeom prst="flowChartAlternateProcess">
             <a:avLst/>
           </a:prstGeom>
           <a:solidFill>
-            <a:schemeClr val="accent4">
-              <a:lumMod val="40000"/>
-              <a:lumOff val="60000"/>
-            </a:schemeClr>
+            <a:srgbClr val="8CD0F6"/>
           </a:solidFill>
-          <a:ln w="28575">
+          <a:ln w="9525">
             <a:solidFill>
-              <a:schemeClr val="accent4">
-                <a:lumMod val="50000"/>
+              <a:schemeClr val="tx1">
+                <a:lumMod val="95000"/>
+                <a:lumOff val="5000"/>
               </a:schemeClr>
             </a:solidFill>
           </a:ln>
-          <a:effectLst/>
+          <a:effectLst>
+            <a:outerShdw blurRad="107950" dist="12700" dir="5400000" algn="ctr">
+              <a:srgbClr val="000000"/>
+            </a:outerShdw>
+          </a:effectLst>
           <a:scene3d>
             <a:camera prst="orthographicFront">
               <a:rot lat="0" lon="0" rev="0"/>
             </a:camera>
-            <a:lightRig rig="glow" dir="t">
-              <a:rot lat="0" lon="0" rev="14100000"/>
+            <a:lightRig rig="soft" dir="t">
+              <a:rot lat="0" lon="0" rev="0"/>
             </a:lightRig>
           </a:scene3d>
-          <a:sp3d prstMaterial="softEdge">
-            <a:bevelT w="127000" prst="artDeco"/>
+          <a:sp3d contourW="44450" prstMaterial="matte">
+            <a:bevelT w="63500" h="63500" prst="artDeco"/>
+            <a:contourClr>
+              <a:schemeClr val="tx1"/>
+            </a:contourClr>
           </a:sp3d>
         </p:spPr>
         <p:style>
@@ -3927,32 +3972,24 @@
           <a:p>
             <a:pPr algn="ctr"/>
             <a:r>
-              <a:rPr lang="pt-BR" sz="2800" dirty="0">
+              <a:rPr lang="pt-BR" sz="2600" dirty="0">
                 <a:solidFill>
                   <a:schemeClr val="tx1"/>
                 </a:solidFill>
-                <a:effectLst>
-                  <a:outerShdw blurRad="38100" dist="38100" dir="2700000" algn="tl">
-                    <a:srgbClr val="000000">
-                      <a:alpha val="43137"/>
-                    </a:srgbClr>
-                  </a:outerShdw>
-                </a:effectLst>
                 <a:latin typeface="Times New Roman" panose="02020603050405020304" pitchFamily="18" charset="0"/>
                 <a:cs typeface="Times New Roman" panose="02020603050405020304" pitchFamily="18" charset="0"/>
               </a:rPr>
-              <a:t>Termo de Abertura</a:t>
-            </a:r>
-          </a:p>
-        </p:txBody>
-      </p:sp>
-      <p:sp>
-        <p:nvSpPr>
-          <p:cNvPr id="8" name="Fluxograma: Processo Alternativo 7">
-            <a:hlinkClick r:id="rId5" action="ppaction://hlinksldjump"/>
-            <a:extLst>
-              <a:ext uri="{FF2B5EF4-FFF2-40B4-BE49-F238E27FC236}">
-                <a16:creationId xmlns:a16="http://schemas.microsoft.com/office/drawing/2014/main" id="{87A051A3-4217-499C-A309-C0AFAF2F7C30}"/>
+              <a:t>Planejamento</a:t>
+            </a:r>
+          </a:p>
+        </p:txBody>
+      </p:sp>
+      <p:sp>
+        <p:nvSpPr>
+          <p:cNvPr id="7" name="Fluxograma: Processo Alternativo 6">
+            <a:extLst>
+              <a:ext uri="{FF2B5EF4-FFF2-40B4-BE49-F238E27FC236}">
+                <a16:creationId xmlns:a16="http://schemas.microsoft.com/office/drawing/2014/main" id="{B670E2F5-F5AD-4984-B55F-1ECD8F10F1BC}"/>
               </a:ext>
             </a:extLst>
           </p:cNvPr>
@@ -3961,36 +3998,41 @@
         </p:nvSpPr>
         <p:spPr>
           <a:xfrm>
-            <a:off x="2172032" y="3081192"/>
-            <a:ext cx="3116911" cy="896310"/>
+            <a:off x="3621010" y="1631251"/>
+            <a:ext cx="2121529" cy="458836"/>
           </a:xfrm>
           <a:prstGeom prst="flowChartAlternateProcess">
             <a:avLst/>
           </a:prstGeom>
           <a:solidFill>
-            <a:schemeClr val="accent4">
-              <a:lumMod val="40000"/>
-              <a:lumOff val="60000"/>
-            </a:schemeClr>
+            <a:srgbClr val="8CD0F6"/>
           </a:solidFill>
-          <a:ln w="28575">
+          <a:ln w="9525">
             <a:solidFill>
-              <a:schemeClr val="accent4">
-                <a:lumMod val="50000"/>
+              <a:schemeClr val="tx1">
+                <a:lumMod val="95000"/>
+                <a:lumOff val="5000"/>
               </a:schemeClr>
             </a:solidFill>
           </a:ln>
-          <a:effectLst/>
+          <a:effectLst>
+            <a:outerShdw blurRad="107950" dist="12700" dir="5400000" algn="ctr">
+              <a:srgbClr val="000000"/>
+            </a:outerShdw>
+          </a:effectLst>
           <a:scene3d>
             <a:camera prst="orthographicFront">
               <a:rot lat="0" lon="0" rev="0"/>
             </a:camera>
-            <a:lightRig rig="glow" dir="t">
-              <a:rot lat="0" lon="0" rev="14100000"/>
+            <a:lightRig rig="soft" dir="t">
+              <a:rot lat="0" lon="0" rev="0"/>
             </a:lightRig>
           </a:scene3d>
-          <a:sp3d prstMaterial="softEdge">
-            <a:bevelT w="127000" prst="artDeco"/>
+          <a:sp3d contourW="44450" prstMaterial="matte">
+            <a:bevelT w="63500" h="63500" prst="artDeco"/>
+            <a:contourClr>
+              <a:schemeClr val="tx1"/>
+            </a:contourClr>
           </a:sp3d>
         </p:spPr>
         <p:style>
@@ -4015,31 +4057,24 @@
           <a:p>
             <a:pPr algn="ctr"/>
             <a:r>
-              <a:rPr lang="pt-BR" sz="2800" dirty="0">
+              <a:rPr lang="pt-BR" sz="2600" dirty="0">
                 <a:solidFill>
                   <a:schemeClr val="tx1"/>
                 </a:solidFill>
-                <a:effectLst>
-                  <a:outerShdw blurRad="38100" dist="38100" dir="2700000" algn="tl">
-                    <a:srgbClr val="000000">
-                      <a:alpha val="43137"/>
-                    </a:srgbClr>
-                  </a:outerShdw>
-                </a:effectLst>
                 <a:latin typeface="Times New Roman" panose="02020603050405020304" pitchFamily="18" charset="0"/>
                 <a:cs typeface="Times New Roman" panose="02020603050405020304" pitchFamily="18" charset="0"/>
               </a:rPr>
-              <a:t>Tempo</a:t>
-            </a:r>
-          </a:p>
-        </p:txBody>
-      </p:sp>
-      <p:sp>
-        <p:nvSpPr>
-          <p:cNvPr id="9" name="Fluxograma: Processo Alternativo 8">
-            <a:extLst>
-              <a:ext uri="{FF2B5EF4-FFF2-40B4-BE49-F238E27FC236}">
-                <a16:creationId xmlns:a16="http://schemas.microsoft.com/office/drawing/2014/main" id="{98346E36-17A1-4A8D-BAB4-B3DD55A52E8D}"/>
+              <a:t>Elaboração</a:t>
+            </a:r>
+          </a:p>
+        </p:txBody>
+      </p:sp>
+      <p:sp>
+        <p:nvSpPr>
+          <p:cNvPr id="8" name="Fluxograma: Processo Alternativo 7">
+            <a:extLst>
+              <a:ext uri="{FF2B5EF4-FFF2-40B4-BE49-F238E27FC236}">
+                <a16:creationId xmlns:a16="http://schemas.microsoft.com/office/drawing/2014/main" id="{F71AAEF8-2132-4A7D-AC65-BBA8F1A35306}"/>
               </a:ext>
             </a:extLst>
           </p:cNvPr>
@@ -4048,36 +4083,41 @@
         </p:nvSpPr>
         <p:spPr>
           <a:xfrm>
-            <a:off x="2172032" y="4344711"/>
-            <a:ext cx="3116911" cy="896310"/>
+            <a:off x="5742541" y="2770614"/>
+            <a:ext cx="2121529" cy="458836"/>
           </a:xfrm>
           <a:prstGeom prst="flowChartAlternateProcess">
             <a:avLst/>
           </a:prstGeom>
           <a:solidFill>
-            <a:schemeClr val="accent4">
-              <a:lumMod val="40000"/>
-              <a:lumOff val="60000"/>
-            </a:schemeClr>
+            <a:srgbClr val="8CD0F6"/>
           </a:solidFill>
-          <a:ln w="28575">
+          <a:ln w="9525">
             <a:solidFill>
-              <a:schemeClr val="accent4">
-                <a:lumMod val="50000"/>
+              <a:schemeClr val="tx1">
+                <a:lumMod val="95000"/>
+                <a:lumOff val="5000"/>
               </a:schemeClr>
             </a:solidFill>
           </a:ln>
-          <a:effectLst/>
+          <a:effectLst>
+            <a:outerShdw blurRad="107950" dist="12700" dir="5400000" algn="ctr">
+              <a:srgbClr val="000000"/>
+            </a:outerShdw>
+          </a:effectLst>
           <a:scene3d>
             <a:camera prst="orthographicFront">
               <a:rot lat="0" lon="0" rev="0"/>
             </a:camera>
-            <a:lightRig rig="glow" dir="t">
-              <a:rot lat="0" lon="0" rev="14100000"/>
+            <a:lightRig rig="soft" dir="t">
+              <a:rot lat="0" lon="0" rev="0"/>
             </a:lightRig>
           </a:scene3d>
-          <a:sp3d prstMaterial="softEdge">
-            <a:bevelT w="127000" prst="artDeco"/>
+          <a:sp3d contourW="44450" prstMaterial="matte">
+            <a:bevelT w="63500" h="63500" prst="artDeco"/>
+            <a:contourClr>
+              <a:schemeClr val="tx1"/>
+            </a:contourClr>
           </a:sp3d>
         </p:spPr>
         <p:style>
@@ -4102,31 +4142,24 @@
           <a:p>
             <a:pPr algn="ctr"/>
             <a:r>
-              <a:rPr lang="pt-BR" sz="2800" dirty="0">
+              <a:rPr lang="pt-BR" sz="2600" dirty="0">
                 <a:solidFill>
                   <a:schemeClr val="tx1"/>
                 </a:solidFill>
-                <a:effectLst>
-                  <a:outerShdw blurRad="38100" dist="38100" dir="2700000" algn="tl">
-                    <a:srgbClr val="000000">
-                      <a:alpha val="43137"/>
-                    </a:srgbClr>
-                  </a:outerShdw>
-                </a:effectLst>
                 <a:latin typeface="Times New Roman" panose="02020603050405020304" pitchFamily="18" charset="0"/>
                 <a:cs typeface="Times New Roman" panose="02020603050405020304" pitchFamily="18" charset="0"/>
               </a:rPr>
-              <a:t>Custos</a:t>
-            </a:r>
-          </a:p>
-        </p:txBody>
-      </p:sp>
-      <p:sp>
-        <p:nvSpPr>
-          <p:cNvPr id="10" name="Fluxograma: Processo Alternativo 9">
-            <a:extLst>
-              <a:ext uri="{FF2B5EF4-FFF2-40B4-BE49-F238E27FC236}">
-                <a16:creationId xmlns:a16="http://schemas.microsoft.com/office/drawing/2014/main" id="{205975EC-D830-4AA9-901E-35175F05B1A9}"/>
+              <a:t>Construção</a:t>
+            </a:r>
+          </a:p>
+        </p:txBody>
+      </p:sp>
+      <p:sp>
+        <p:nvSpPr>
+          <p:cNvPr id="9" name="Fluxograma: Processo Alternativo 8">
+            <a:extLst>
+              <a:ext uri="{FF2B5EF4-FFF2-40B4-BE49-F238E27FC236}">
+                <a16:creationId xmlns:a16="http://schemas.microsoft.com/office/drawing/2014/main" id="{0836454F-52A1-4BA3-950E-3C024924D7D3}"/>
               </a:ext>
             </a:extLst>
           </p:cNvPr>
@@ -4135,36 +4168,41 @@
         </p:nvSpPr>
         <p:spPr>
           <a:xfrm>
-            <a:off x="6903057" y="1825625"/>
-            <a:ext cx="3116911" cy="896310"/>
+            <a:off x="7864069" y="3792342"/>
+            <a:ext cx="2121529" cy="458836"/>
           </a:xfrm>
           <a:prstGeom prst="flowChartAlternateProcess">
             <a:avLst/>
           </a:prstGeom>
           <a:solidFill>
-            <a:schemeClr val="accent4">
-              <a:lumMod val="40000"/>
-              <a:lumOff val="60000"/>
-            </a:schemeClr>
+            <a:srgbClr val="8CD0F6"/>
           </a:solidFill>
-          <a:ln w="28575">
+          <a:ln w="9525">
             <a:solidFill>
-              <a:schemeClr val="accent4">
-                <a:lumMod val="50000"/>
+              <a:schemeClr val="tx1">
+                <a:lumMod val="95000"/>
+                <a:lumOff val="5000"/>
               </a:schemeClr>
             </a:solidFill>
           </a:ln>
-          <a:effectLst/>
+          <a:effectLst>
+            <a:outerShdw blurRad="107950" dist="12700" dir="5400000" algn="ctr">
+              <a:srgbClr val="000000"/>
+            </a:outerShdw>
+          </a:effectLst>
           <a:scene3d>
             <a:camera prst="orthographicFront">
               <a:rot lat="0" lon="0" rev="0"/>
             </a:camera>
-            <a:lightRig rig="glow" dir="t">
-              <a:rot lat="0" lon="0" rev="14100000"/>
+            <a:lightRig rig="soft" dir="t">
+              <a:rot lat="0" lon="0" rev="0"/>
             </a:lightRig>
           </a:scene3d>
-          <a:sp3d prstMaterial="softEdge">
-            <a:bevelT w="127000" prst="artDeco"/>
+          <a:sp3d contourW="44450" prstMaterial="matte">
+            <a:bevelT w="63500" h="63500" prst="artDeco"/>
+            <a:contourClr>
+              <a:schemeClr val="tx1"/>
+            </a:contourClr>
           </a:sp3d>
         </p:spPr>
         <p:style>
@@ -4189,31 +4227,24 @@
           <a:p>
             <a:pPr algn="ctr"/>
             <a:r>
-              <a:rPr lang="pt-BR" sz="2800" dirty="0">
+              <a:rPr lang="pt-BR" sz="2600" dirty="0">
                 <a:solidFill>
                   <a:schemeClr val="tx1"/>
                 </a:solidFill>
-                <a:effectLst>
-                  <a:outerShdw blurRad="38100" dist="38100" dir="2700000" algn="tl">
-                    <a:srgbClr val="000000">
-                      <a:alpha val="43137"/>
-                    </a:srgbClr>
-                  </a:outerShdw>
-                </a:effectLst>
                 <a:latin typeface="Times New Roman" panose="02020603050405020304" pitchFamily="18" charset="0"/>
                 <a:cs typeface="Times New Roman" panose="02020603050405020304" pitchFamily="18" charset="0"/>
               </a:rPr>
-              <a:t>Monitoramento</a:t>
-            </a:r>
-          </a:p>
-        </p:txBody>
-      </p:sp>
-      <p:sp>
-        <p:nvSpPr>
-          <p:cNvPr id="11" name="Fluxograma: Processo Alternativo 10">
-            <a:extLst>
-              <a:ext uri="{FF2B5EF4-FFF2-40B4-BE49-F238E27FC236}">
-                <a16:creationId xmlns:a16="http://schemas.microsoft.com/office/drawing/2014/main" id="{8283D823-73E7-48B0-8CF8-D1598A3949FF}"/>
+              <a:t>Encerramento</a:t>
+            </a:r>
+          </a:p>
+        </p:txBody>
+      </p:sp>
+      <p:sp>
+        <p:nvSpPr>
+          <p:cNvPr id="10" name="Fluxograma: Processo Alternativo 9">
+            <a:extLst>
+              <a:ext uri="{FF2B5EF4-FFF2-40B4-BE49-F238E27FC236}">
+                <a16:creationId xmlns:a16="http://schemas.microsoft.com/office/drawing/2014/main" id="{9DAAE329-CFF1-45B1-85CB-C97230E61CC0}"/>
               </a:ext>
             </a:extLst>
           </p:cNvPr>
@@ -4222,36 +4253,41 @@
         </p:nvSpPr>
         <p:spPr>
           <a:xfrm>
-            <a:off x="6903056" y="3085168"/>
-            <a:ext cx="3116911" cy="896310"/>
+            <a:off x="1499479" y="3792342"/>
+            <a:ext cx="2415292" cy="458836"/>
           </a:xfrm>
           <a:prstGeom prst="flowChartAlternateProcess">
             <a:avLst/>
           </a:prstGeom>
           <a:solidFill>
-            <a:schemeClr val="accent4">
-              <a:lumMod val="40000"/>
-              <a:lumOff val="60000"/>
-            </a:schemeClr>
+            <a:srgbClr val="8CD0F6"/>
           </a:solidFill>
-          <a:ln w="28575">
+          <a:ln w="9525">
             <a:solidFill>
-              <a:schemeClr val="accent4">
-                <a:lumMod val="50000"/>
+              <a:schemeClr val="tx1">
+                <a:lumMod val="95000"/>
+                <a:lumOff val="5000"/>
               </a:schemeClr>
             </a:solidFill>
           </a:ln>
-          <a:effectLst/>
+          <a:effectLst>
+            <a:outerShdw blurRad="107950" dist="12700" dir="5400000" algn="ctr">
+              <a:srgbClr val="000000"/>
+            </a:outerShdw>
+          </a:effectLst>
           <a:scene3d>
             <a:camera prst="orthographicFront">
               <a:rot lat="0" lon="0" rev="0"/>
             </a:camera>
-            <a:lightRig rig="glow" dir="t">
-              <a:rot lat="0" lon="0" rev="14100000"/>
+            <a:lightRig rig="soft" dir="t">
+              <a:rot lat="0" lon="0" rev="0"/>
             </a:lightRig>
           </a:scene3d>
-          <a:sp3d prstMaterial="softEdge">
-            <a:bevelT w="127000" prst="artDeco"/>
+          <a:sp3d contourW="44450" prstMaterial="matte">
+            <a:bevelT w="63500" h="63500" prst="artDeco"/>
+            <a:contourClr>
+              <a:schemeClr val="tx1"/>
+            </a:contourClr>
           </a:sp3d>
         </p:spPr>
         <p:style>
@@ -4276,31 +4312,328 @@
           <a:p>
             <a:pPr algn="ctr"/>
             <a:r>
-              <a:rPr lang="pt-BR" sz="2800" dirty="0">
+              <a:rPr lang="pt-BR" sz="2600" dirty="0">
                 <a:solidFill>
                   <a:schemeClr val="tx1"/>
                 </a:solidFill>
-                <a:effectLst>
-                  <a:outerShdw blurRad="38100" dist="38100" dir="2700000" algn="tl">
-                    <a:srgbClr val="000000">
-                      <a:alpha val="43137"/>
-                    </a:srgbClr>
-                  </a:outerShdw>
-                </a:effectLst>
                 <a:latin typeface="Times New Roman" panose="02020603050405020304" pitchFamily="18" charset="0"/>
                 <a:cs typeface="Times New Roman" panose="02020603050405020304" pitchFamily="18" charset="0"/>
               </a:rPr>
-              <a:t>Qualidade</a:t>
-            </a:r>
-          </a:p>
-        </p:txBody>
-      </p:sp>
-      <p:sp>
-        <p:nvSpPr>
-          <p:cNvPr id="12" name="Fluxograma: Processo Alternativo 11">
-            <a:extLst>
-              <a:ext uri="{FF2B5EF4-FFF2-40B4-BE49-F238E27FC236}">
-                <a16:creationId xmlns:a16="http://schemas.microsoft.com/office/drawing/2014/main" id="{42485404-EF0C-4A08-8192-E0877EFB6D99}"/>
+              <a:t>Monitoramento</a:t>
+            </a:r>
+          </a:p>
+        </p:txBody>
+      </p:sp>
+      <p:cxnSp>
+        <p:nvCxnSpPr>
+          <p:cNvPr id="12" name="Conector: Angulado 11">
+            <a:extLst>
+              <a:ext uri="{FF2B5EF4-FFF2-40B4-BE49-F238E27FC236}">
+                <a16:creationId xmlns:a16="http://schemas.microsoft.com/office/drawing/2014/main" id="{E01E0FDB-E680-4460-A56B-92F4F14D3AAE}"/>
+              </a:ext>
+            </a:extLst>
+          </p:cNvPr>
+          <p:cNvCxnSpPr>
+            <a:cxnSpLocks/>
+          </p:cNvCxnSpPr>
+          <p:nvPr/>
+        </p:nvCxnSpPr>
+        <p:spPr>
+          <a:xfrm>
+            <a:off x="3621011" y="730699"/>
+            <a:ext cx="1060764" cy="764396"/>
+          </a:xfrm>
+          <a:prstGeom prst="bentConnector3">
+            <a:avLst>
+              <a:gd name="adj1" fmla="val 100285"/>
+            </a:avLst>
+          </a:prstGeom>
+          <a:ln w="28575">
+            <a:solidFill>
+              <a:schemeClr val="tx1"/>
+            </a:solidFill>
+            <a:tailEnd type="triangle"/>
+          </a:ln>
+        </p:spPr>
+        <p:style>
+          <a:lnRef idx="1">
+            <a:schemeClr val="dk1"/>
+          </a:lnRef>
+          <a:fillRef idx="0">
+            <a:schemeClr val="dk1"/>
+          </a:fillRef>
+          <a:effectRef idx="0">
+            <a:schemeClr val="dk1"/>
+          </a:effectRef>
+          <a:fontRef idx="minor">
+            <a:schemeClr val="tx1"/>
+          </a:fontRef>
+        </p:style>
+      </p:cxnSp>
+      <p:cxnSp>
+        <p:nvCxnSpPr>
+          <p:cNvPr id="18" name="Conector: Angulado 17">
+            <a:extLst>
+              <a:ext uri="{FF2B5EF4-FFF2-40B4-BE49-F238E27FC236}">
+                <a16:creationId xmlns:a16="http://schemas.microsoft.com/office/drawing/2014/main" id="{CEE39E13-F93E-4548-BB36-23DCA842DBAB}"/>
+              </a:ext>
+            </a:extLst>
+          </p:cNvPr>
+          <p:cNvCxnSpPr>
+            <a:cxnSpLocks/>
+          </p:cNvCxnSpPr>
+          <p:nvPr/>
+        </p:nvCxnSpPr>
+        <p:spPr>
+          <a:xfrm>
+            <a:off x="5742539" y="1868437"/>
+            <a:ext cx="1060764" cy="764396"/>
+          </a:xfrm>
+          <a:prstGeom prst="bentConnector3">
+            <a:avLst>
+              <a:gd name="adj1" fmla="val 100285"/>
+            </a:avLst>
+          </a:prstGeom>
+          <a:ln w="28575">
+            <a:solidFill>
+              <a:schemeClr val="tx1"/>
+            </a:solidFill>
+            <a:tailEnd type="triangle"/>
+          </a:ln>
+        </p:spPr>
+        <p:style>
+          <a:lnRef idx="1">
+            <a:schemeClr val="dk1"/>
+          </a:lnRef>
+          <a:fillRef idx="0">
+            <a:schemeClr val="dk1"/>
+          </a:fillRef>
+          <a:effectRef idx="0">
+            <a:schemeClr val="dk1"/>
+          </a:effectRef>
+          <a:fontRef idx="minor">
+            <a:schemeClr val="tx1"/>
+          </a:fontRef>
+        </p:style>
+      </p:cxnSp>
+      <p:cxnSp>
+        <p:nvCxnSpPr>
+          <p:cNvPr id="19" name="Conector: Angulado 18">
+            <a:extLst>
+              <a:ext uri="{FF2B5EF4-FFF2-40B4-BE49-F238E27FC236}">
+                <a16:creationId xmlns:a16="http://schemas.microsoft.com/office/drawing/2014/main" id="{F7A9D8C8-6F8A-47E7-848E-DDBD0EABBA44}"/>
+              </a:ext>
+            </a:extLst>
+          </p:cNvPr>
+          <p:cNvCxnSpPr>
+            <a:cxnSpLocks/>
+          </p:cNvCxnSpPr>
+          <p:nvPr/>
+        </p:nvCxnSpPr>
+        <p:spPr>
+          <a:xfrm>
+            <a:off x="7864070" y="2982189"/>
+            <a:ext cx="1060764" cy="764396"/>
+          </a:xfrm>
+          <a:prstGeom prst="bentConnector3">
+            <a:avLst>
+              <a:gd name="adj1" fmla="val 100285"/>
+            </a:avLst>
+          </a:prstGeom>
+          <a:ln w="28575">
+            <a:solidFill>
+              <a:schemeClr val="tx1"/>
+            </a:solidFill>
+            <a:tailEnd type="triangle"/>
+          </a:ln>
+        </p:spPr>
+        <p:style>
+          <a:lnRef idx="1">
+            <a:schemeClr val="dk1"/>
+          </a:lnRef>
+          <a:fillRef idx="0">
+            <a:schemeClr val="dk1"/>
+          </a:fillRef>
+          <a:effectRef idx="0">
+            <a:schemeClr val="dk1"/>
+          </a:effectRef>
+          <a:fontRef idx="minor">
+            <a:schemeClr val="tx1"/>
+          </a:fontRef>
+        </p:style>
+      </p:cxnSp>
+      <p:cxnSp>
+        <p:nvCxnSpPr>
+          <p:cNvPr id="21" name="Conector de Seta Reta 20">
+            <a:extLst>
+              <a:ext uri="{FF2B5EF4-FFF2-40B4-BE49-F238E27FC236}">
+                <a16:creationId xmlns:a16="http://schemas.microsoft.com/office/drawing/2014/main" id="{B764D1B7-02C3-47AB-AA28-9128829ADD13}"/>
+              </a:ext>
+            </a:extLst>
+          </p:cNvPr>
+          <p:cNvCxnSpPr>
+            <a:cxnSpLocks/>
+          </p:cNvCxnSpPr>
+          <p:nvPr/>
+        </p:nvCxnSpPr>
+        <p:spPr>
+          <a:xfrm flipH="1">
+            <a:off x="2560246" y="1027906"/>
+            <a:ext cx="7546" cy="2648744"/>
+          </a:xfrm>
+          <a:prstGeom prst="straightConnector1">
+            <a:avLst/>
+          </a:prstGeom>
+          <a:ln w="28575">
+            <a:headEnd type="triangle"/>
+            <a:tailEnd type="triangle"/>
+          </a:ln>
+        </p:spPr>
+        <p:style>
+          <a:lnRef idx="1">
+            <a:schemeClr val="dk1"/>
+          </a:lnRef>
+          <a:fillRef idx="0">
+            <a:schemeClr val="dk1"/>
+          </a:fillRef>
+          <a:effectRef idx="0">
+            <a:schemeClr val="dk1"/>
+          </a:effectRef>
+          <a:fontRef idx="minor">
+            <a:schemeClr val="tx1"/>
+          </a:fontRef>
+        </p:style>
+      </p:cxnSp>
+      <p:cxnSp>
+        <p:nvCxnSpPr>
+          <p:cNvPr id="25" name="Conector de Seta Reta 24">
+            <a:extLst>
+              <a:ext uri="{FF2B5EF4-FFF2-40B4-BE49-F238E27FC236}">
+                <a16:creationId xmlns:a16="http://schemas.microsoft.com/office/drawing/2014/main" id="{5D705DA7-BC52-46C9-9603-82C9BB6A6341}"/>
+              </a:ext>
+            </a:extLst>
+          </p:cNvPr>
+          <p:cNvCxnSpPr>
+            <a:cxnSpLocks/>
+          </p:cNvCxnSpPr>
+          <p:nvPr/>
+        </p:nvCxnSpPr>
+        <p:spPr>
+          <a:xfrm>
+            <a:off x="3990975" y="4001294"/>
+            <a:ext cx="3752850" cy="0"/>
+          </a:xfrm>
+          <a:prstGeom prst="straightConnector1">
+            <a:avLst/>
+          </a:prstGeom>
+          <a:ln w="28575">
+            <a:headEnd type="triangle"/>
+            <a:tailEnd type="triangle"/>
+          </a:ln>
+        </p:spPr>
+        <p:style>
+          <a:lnRef idx="1">
+            <a:schemeClr val="dk1"/>
+          </a:lnRef>
+          <a:fillRef idx="0">
+            <a:schemeClr val="dk1"/>
+          </a:fillRef>
+          <a:effectRef idx="0">
+            <a:schemeClr val="dk1"/>
+          </a:effectRef>
+          <a:fontRef idx="minor">
+            <a:schemeClr val="tx1"/>
+          </a:fontRef>
+        </p:style>
+      </p:cxnSp>
+      <p:cxnSp>
+        <p:nvCxnSpPr>
+          <p:cNvPr id="28" name="Conector de Seta Reta 27">
+            <a:extLst>
+              <a:ext uri="{FF2B5EF4-FFF2-40B4-BE49-F238E27FC236}">
+                <a16:creationId xmlns:a16="http://schemas.microsoft.com/office/drawing/2014/main" id="{CB383F12-0598-421C-9E30-1DCF3BF480F9}"/>
+              </a:ext>
+            </a:extLst>
+          </p:cNvPr>
+          <p:cNvCxnSpPr>
+            <a:cxnSpLocks/>
+          </p:cNvCxnSpPr>
+          <p:nvPr/>
+        </p:nvCxnSpPr>
+        <p:spPr>
+          <a:xfrm flipV="1">
+            <a:off x="6803303" y="3364387"/>
+            <a:ext cx="0" cy="652526"/>
+          </a:xfrm>
+          <a:prstGeom prst="straightConnector1">
+            <a:avLst/>
+          </a:prstGeom>
+          <a:ln w="28575">
+            <a:tailEnd type="triangle"/>
+          </a:ln>
+        </p:spPr>
+        <p:style>
+          <a:lnRef idx="1">
+            <a:schemeClr val="dk1"/>
+          </a:lnRef>
+          <a:fillRef idx="0">
+            <a:schemeClr val="dk1"/>
+          </a:fillRef>
+          <a:effectRef idx="0">
+            <a:schemeClr val="dk1"/>
+          </a:effectRef>
+          <a:fontRef idx="minor">
+            <a:schemeClr val="tx1"/>
+          </a:fontRef>
+        </p:style>
+      </p:cxnSp>
+      <p:cxnSp>
+        <p:nvCxnSpPr>
+          <p:cNvPr id="29" name="Conector de Seta Reta 28">
+            <a:extLst>
+              <a:ext uri="{FF2B5EF4-FFF2-40B4-BE49-F238E27FC236}">
+                <a16:creationId xmlns:a16="http://schemas.microsoft.com/office/drawing/2014/main" id="{7C0B8395-4682-43C1-81D2-5F5D0B9464F0}"/>
+              </a:ext>
+            </a:extLst>
+          </p:cNvPr>
+          <p:cNvCxnSpPr>
+            <a:cxnSpLocks/>
+          </p:cNvCxnSpPr>
+          <p:nvPr/>
+        </p:nvCxnSpPr>
+        <p:spPr>
+          <a:xfrm flipV="1">
+            <a:off x="4681774" y="2181226"/>
+            <a:ext cx="0" cy="1835687"/>
+          </a:xfrm>
+          <a:prstGeom prst="straightConnector1">
+            <a:avLst/>
+          </a:prstGeom>
+          <a:ln w="28575">
+            <a:tailEnd type="triangle"/>
+          </a:ln>
+        </p:spPr>
+        <p:style>
+          <a:lnRef idx="1">
+            <a:schemeClr val="dk1"/>
+          </a:lnRef>
+          <a:fillRef idx="0">
+            <a:schemeClr val="dk1"/>
+          </a:fillRef>
+          <a:effectRef idx="0">
+            <a:schemeClr val="dk1"/>
+          </a:effectRef>
+          <a:fontRef idx="minor">
+            <a:schemeClr val="tx1"/>
+          </a:fontRef>
+        </p:style>
+      </p:cxnSp>
+      <p:sp>
+        <p:nvSpPr>
+          <p:cNvPr id="34" name="Retângulo: Cantos Arredondados 33">
+            <a:extLst>
+              <a:ext uri="{FF2B5EF4-FFF2-40B4-BE49-F238E27FC236}">
+                <a16:creationId xmlns:a16="http://schemas.microsoft.com/office/drawing/2014/main" id="{630366FA-3833-409A-A12B-1E5A492F665C}"/>
               </a:ext>
             </a:extLst>
           </p:cNvPr>
@@ -4309,37 +4642,22 @@
         </p:nvSpPr>
         <p:spPr>
           <a:xfrm>
-            <a:off x="6903056" y="4344711"/>
-            <a:ext cx="3116911" cy="896310"/>
-          </a:xfrm>
-          <a:prstGeom prst="flowChartAlternateProcess">
+            <a:off x="619126" y="4931705"/>
+            <a:ext cx="10201274" cy="1726585"/>
+          </a:xfrm>
+          <a:prstGeom prst="roundRect">
             <a:avLst/>
           </a:prstGeom>
           <a:solidFill>
-            <a:schemeClr val="accent4">
-              <a:lumMod val="40000"/>
-              <a:lumOff val="60000"/>
+            <a:schemeClr val="bg1">
+              <a:alpha val="44000"/>
             </a:schemeClr>
           </a:solidFill>
-          <a:ln w="28575">
+          <a:ln w="25400">
             <a:solidFill>
-              <a:schemeClr val="accent4">
-                <a:lumMod val="50000"/>
-              </a:schemeClr>
+              <a:schemeClr val="tx1"/>
             </a:solidFill>
           </a:ln>
-          <a:effectLst/>
-          <a:scene3d>
-            <a:camera prst="orthographicFront">
-              <a:rot lat="0" lon="0" rev="0"/>
-            </a:camera>
-            <a:lightRig rig="glow" dir="t">
-              <a:rot lat="0" lon="0" rev="14100000"/>
-            </a:lightRig>
-          </a:scene3d>
-          <a:sp3d prstMaterial="softEdge">
-            <a:bevelT w="127000" prst="artDeco"/>
-          </a:sp3d>
         </p:spPr>
         <p:style>
           <a:lnRef idx="2">
@@ -4358,173 +4676,59 @@
           </a:fontRef>
         </p:style>
         <p:txBody>
-          <a:bodyPr rtlCol="0" anchor="ctr"/>
+          <a:bodyPr rtlCol="0" anchor="t"/>
           <a:lstStyle/>
           <a:p>
-            <a:pPr algn="ctr"/>
-            <a:r>
-              <a:rPr lang="pt-BR" sz="2800" dirty="0">
+            <a:pPr algn="just"/>
+            <a:r>
+              <a:rPr lang="pt-BR" dirty="0">
+                <a:ln w="0"/>
                 <a:solidFill>
                   <a:schemeClr val="tx1"/>
                 </a:solidFill>
                 <a:effectLst>
-                  <a:outerShdw blurRad="38100" dist="38100" dir="2700000" algn="tl">
-                    <a:srgbClr val="000000">
-                      <a:alpha val="43137"/>
-                    </a:srgbClr>
+                  <a:outerShdw blurRad="38100" dist="19050" dir="2700000" algn="tl" rotWithShape="0">
+                    <a:schemeClr val="dk1">
+                      <a:alpha val="40000"/>
+                    </a:schemeClr>
                   </a:outerShdw>
                 </a:effectLst>
                 <a:latin typeface="Times New Roman" panose="02020603050405020304" pitchFamily="18" charset="0"/>
                 <a:cs typeface="Times New Roman" panose="02020603050405020304" pitchFamily="18" charset="0"/>
               </a:rPr>
-              <a:t>Comunicação</a:t>
-            </a:r>
-          </a:p>
-        </p:txBody>
-      </p:sp>
-    </p:spTree>
-    <p:extLst>
-      <p:ext uri="{BB962C8B-B14F-4D97-AF65-F5344CB8AC3E}">
-        <p14:creationId xmlns:p14="http://schemas.microsoft.com/office/powerpoint/2010/main" val="3610403360"/>
-      </p:ext>
-    </p:extLst>
-  </p:cSld>
-  <p:clrMapOvr>
-    <a:masterClrMapping/>
-  </p:clrMapOvr>
-</p:sld>
-</file>
-
-<file path=ppt/slides/slide3.xml><?xml version="1.0" encoding="utf-8"?>
-<p:sld xmlns:a="http://schemas.openxmlformats.org/drawingml/2006/main" xmlns:r="http://schemas.openxmlformats.org/officeDocument/2006/relationships" xmlns:p="http://schemas.openxmlformats.org/presentationml/2006/main">
-  <p:cSld>
-    <p:spTree>
-      <p:nvGrpSpPr>
-        <p:cNvPr id="1" name=""/>
-        <p:cNvGrpSpPr/>
-        <p:nvPr/>
-      </p:nvGrpSpPr>
-      <p:grpSpPr>
-        <a:xfrm>
-          <a:off x="0" y="0"/>
-          <a:ext cx="0" cy="0"/>
-          <a:chOff x="0" y="0"/>
-          <a:chExt cx="0" cy="0"/>
-        </a:xfrm>
-      </p:grpSpPr>
-      <p:sp>
-        <p:nvSpPr>
-          <p:cNvPr id="2" name="Título 1">
-            <a:extLst>
-              <a:ext uri="{FF2B5EF4-FFF2-40B4-BE49-F238E27FC236}">
-                <a16:creationId xmlns:a16="http://schemas.microsoft.com/office/drawing/2014/main" id="{FAC98EFD-7C40-4CE4-8DC8-38C4C03E4B16}"/>
-              </a:ext>
-            </a:extLst>
-          </p:cNvPr>
-          <p:cNvSpPr>
-            <a:spLocks noGrp="1"/>
-          </p:cNvSpPr>
-          <p:nvPr>
-            <p:ph type="title"/>
-          </p:nvPr>
-        </p:nvSpPr>
-        <p:spPr/>
-        <p:txBody>
-          <a:bodyPr/>
-          <a:lstStyle/>
-          <a:p>
-            <a:endParaRPr lang="pt-BR"/>
-          </a:p>
-        </p:txBody>
-      </p:sp>
-      <p:sp>
-        <p:nvSpPr>
-          <p:cNvPr id="3" name="Espaço Reservado para Conteúdo 2">
-            <a:extLst>
-              <a:ext uri="{FF2B5EF4-FFF2-40B4-BE49-F238E27FC236}">
-                <a16:creationId xmlns:a16="http://schemas.microsoft.com/office/drawing/2014/main" id="{EFDAD515-817A-43E1-B816-70AE6420448B}"/>
-              </a:ext>
-            </a:extLst>
-          </p:cNvPr>
-          <p:cNvSpPr>
-            <a:spLocks noGrp="1"/>
-          </p:cNvSpPr>
-          <p:nvPr>
-            <p:ph idx="1"/>
-          </p:nvPr>
-        </p:nvSpPr>
-        <p:spPr/>
-        <p:txBody>
-          <a:bodyPr/>
-          <a:lstStyle/>
-          <a:p>
-            <a:endParaRPr lang="pt-BR"/>
+              <a:t>Justificativa:</a:t>
+            </a:r>
+          </a:p>
+          <a:p>
+            <a:pPr algn="just"/>
+            <a:r>
+              <a:rPr lang="pt-BR" dirty="0">
+                <a:ln w="0"/>
+                <a:solidFill>
+                  <a:schemeClr val="tx1"/>
+                </a:solidFill>
+                <a:effectLst>
+                  <a:outerShdw blurRad="38100" dist="19050" dir="2700000" algn="tl" rotWithShape="0">
+                    <a:schemeClr val="dk1">
+                      <a:alpha val="40000"/>
+                    </a:schemeClr>
+                  </a:outerShdw>
+                </a:effectLst>
+                <a:latin typeface="Times New Roman" panose="02020603050405020304" pitchFamily="18" charset="0"/>
+                <a:cs typeface="Times New Roman" panose="02020603050405020304" pitchFamily="18" charset="0"/>
+              </a:rPr>
+              <a:t>Escolhemos um ciclo de vida que lembra o Cascata, no entanto, a mudança feita neste modelo, foi o controle de cada fase e a modificação das mesmas, por meio de uma etapa paralela às demais, a Fase de Monitoramento. Uma vez que, o projeto será realizado em um curto período de tempo. Além disso, a equipe domina a tecnologia e o escopo é bem definido, isto é, possui metas bem estabelecidas.</a:t>
+            </a:r>
           </a:p>
         </p:txBody>
       </p:sp>
       <p:pic>
         <p:nvPicPr>
-          <p:cNvPr id="6" name="Picture 2" descr="Imagem relacionada">
-            <a:extLst>
-              <a:ext uri="{FF2B5EF4-FFF2-40B4-BE49-F238E27FC236}">
-                <a16:creationId xmlns:a16="http://schemas.microsoft.com/office/drawing/2014/main" id="{43D00C6B-D31C-4E12-AB4A-EF98AFFF122B}"/>
-              </a:ext>
-            </a:extLst>
-          </p:cNvPr>
-          <p:cNvPicPr>
-            <a:picLocks noChangeAspect="1" noChangeArrowheads="1"/>
-          </p:cNvPicPr>
-          <p:nvPr/>
-        </p:nvPicPr>
-        <p:blipFill>
-          <a:blip r:embed="rId2">
-            <a:extLst>
-              <a:ext uri="{BEBA8EAE-BF5A-486C-A8C5-ECC9F3942E4B}">
-                <a14:imgProps xmlns:a14="http://schemas.microsoft.com/office/drawing/2010/main">
-                  <a14:imgLayer r:embed="rId3">
-                    <a14:imgEffect>
-                      <a14:brightnessContrast bright="-25000" contrast="-10000"/>
-                    </a14:imgEffect>
-                  </a14:imgLayer>
-                </a14:imgProps>
-              </a:ext>
-              <a:ext uri="{28A0092B-C50C-407E-A947-70E740481C1C}">
-                <a14:useLocalDpi xmlns:a14="http://schemas.microsoft.com/office/drawing/2010/main" val="0"/>
-              </a:ext>
-            </a:extLst>
-          </a:blip>
-          <a:srcRect/>
-          <a:stretch>
-            <a:fillRect/>
-          </a:stretch>
-        </p:blipFill>
-        <p:spPr bwMode="auto">
-          <a:xfrm>
-            <a:off x="0" y="0"/>
-            <a:ext cx="12192000" cy="6858000"/>
-          </a:xfrm>
-          <a:prstGeom prst="rect">
-            <a:avLst/>
-          </a:prstGeom>
-          <a:noFill/>
-          <a:extLst>
-            <a:ext uri="{909E8E84-426E-40DD-AFC4-6F175D3DCCD1}">
-              <a14:hiddenFill xmlns:a14="http://schemas.microsoft.com/office/drawing/2010/main">
-                <a:solidFill>
-                  <a:srgbClr val="FFFFFF"/>
-                </a:solidFill>
-              </a14:hiddenFill>
-            </a:ext>
-          </a:extLst>
-        </p:spPr>
-      </p:pic>
-      <p:pic>
-        <p:nvPicPr>
-          <p:cNvPr id="1026" name="Picture 2" descr="Imagem relacionada">
+          <p:cNvPr id="35" name="Picture 2" descr="Imagem relacionada">
             <a:hlinkClick r:id="rId4" action="ppaction://hlinksldjump"/>
             <a:extLst>
               <a:ext uri="{FF2B5EF4-FFF2-40B4-BE49-F238E27FC236}">
-                <a16:creationId xmlns:a16="http://schemas.microsoft.com/office/drawing/2014/main" id="{61257A6D-A367-4522-B0E0-E055D6493DEB}"/>
+                <a16:creationId xmlns:a16="http://schemas.microsoft.com/office/drawing/2014/main" id="{E6FC42F8-6BCC-4BCE-BEBC-3A4D1D11EED4}"/>
               </a:ext>
             </a:extLst>
           </p:cNvPr>
@@ -4594,12 +4798,1271 @@
           </a:extLst>
         </p:spPr>
       </p:pic>
+      <p:sp>
+        <p:nvSpPr>
+          <p:cNvPr id="6" name="Estrela: 7 Pontas 5">
+            <a:extLst>
+              <a:ext uri="{FF2B5EF4-FFF2-40B4-BE49-F238E27FC236}">
+                <a16:creationId xmlns:a16="http://schemas.microsoft.com/office/drawing/2014/main" id="{F7A29DEC-98B3-4DE2-86E8-C098300D336D}"/>
+              </a:ext>
+            </a:extLst>
+          </p:cNvPr>
+          <p:cNvSpPr/>
+          <p:nvPr/>
+        </p:nvSpPr>
+        <p:spPr>
+          <a:xfrm>
+            <a:off x="4681774" y="499252"/>
+            <a:ext cx="230588" cy="215829"/>
+          </a:xfrm>
+          <a:prstGeom prst="star7">
+            <a:avLst>
+              <a:gd name="adj" fmla="val 31967"/>
+              <a:gd name="hf" fmla="val 102572"/>
+              <a:gd name="vf" fmla="val 105210"/>
+            </a:avLst>
+          </a:prstGeom>
+          <a:solidFill>
+            <a:srgbClr val="F2DA7C"/>
+          </a:solidFill>
+          <a:ln>
+            <a:solidFill>
+              <a:schemeClr val="tx1"/>
+            </a:solidFill>
+          </a:ln>
+        </p:spPr>
+        <p:style>
+          <a:lnRef idx="2">
+            <a:schemeClr val="accent4">
+              <a:shade val="50000"/>
+            </a:schemeClr>
+          </a:lnRef>
+          <a:fillRef idx="1">
+            <a:schemeClr val="accent4"/>
+          </a:fillRef>
+          <a:effectRef idx="0">
+            <a:schemeClr val="accent4"/>
+          </a:effectRef>
+          <a:fontRef idx="minor">
+            <a:schemeClr val="lt1"/>
+          </a:fontRef>
+        </p:style>
+        <p:txBody>
+          <a:bodyPr rtlCol="0" anchor="ctr"/>
+          <a:lstStyle/>
+          <a:p>
+            <a:pPr algn="ctr"/>
+            <a:endParaRPr lang="pt-BR">
+              <a:ln>
+                <a:solidFill>
+                  <a:schemeClr val="tx1"/>
+                </a:solidFill>
+              </a:ln>
+            </a:endParaRPr>
+          </a:p>
+        </p:txBody>
+      </p:sp>
+      <p:sp>
+        <p:nvSpPr>
+          <p:cNvPr id="20" name="Estrela: 7 Pontas 19">
+            <a:extLst>
+              <a:ext uri="{FF2B5EF4-FFF2-40B4-BE49-F238E27FC236}">
+                <a16:creationId xmlns:a16="http://schemas.microsoft.com/office/drawing/2014/main" id="{815CB500-67D2-44FD-9D07-4DE20D7F3C61}"/>
+              </a:ext>
+            </a:extLst>
+          </p:cNvPr>
+          <p:cNvSpPr/>
+          <p:nvPr/>
+        </p:nvSpPr>
+        <p:spPr>
+          <a:xfrm>
+            <a:off x="6795757" y="1644840"/>
+            <a:ext cx="230588" cy="215829"/>
+          </a:xfrm>
+          <a:prstGeom prst="star7">
+            <a:avLst>
+              <a:gd name="adj" fmla="val 31967"/>
+              <a:gd name="hf" fmla="val 102572"/>
+              <a:gd name="vf" fmla="val 105210"/>
+            </a:avLst>
+          </a:prstGeom>
+          <a:solidFill>
+            <a:srgbClr val="F2DA7C"/>
+          </a:solidFill>
+          <a:ln>
+            <a:solidFill>
+              <a:schemeClr val="tx1"/>
+            </a:solidFill>
+          </a:ln>
+        </p:spPr>
+        <p:style>
+          <a:lnRef idx="2">
+            <a:schemeClr val="accent4">
+              <a:shade val="50000"/>
+            </a:schemeClr>
+          </a:lnRef>
+          <a:fillRef idx="1">
+            <a:schemeClr val="accent4"/>
+          </a:fillRef>
+          <a:effectRef idx="0">
+            <a:schemeClr val="accent4"/>
+          </a:effectRef>
+          <a:fontRef idx="minor">
+            <a:schemeClr val="lt1"/>
+          </a:fontRef>
+        </p:style>
+        <p:txBody>
+          <a:bodyPr rtlCol="0" anchor="ctr"/>
+          <a:lstStyle/>
+          <a:p>
+            <a:pPr algn="ctr"/>
+            <a:endParaRPr lang="pt-BR">
+              <a:ln>
+                <a:solidFill>
+                  <a:schemeClr val="tx1"/>
+                </a:solidFill>
+              </a:ln>
+            </a:endParaRPr>
+          </a:p>
+        </p:txBody>
+      </p:sp>
+      <p:sp>
+        <p:nvSpPr>
+          <p:cNvPr id="22" name="Estrela: 7 Pontas 21">
+            <a:extLst>
+              <a:ext uri="{FF2B5EF4-FFF2-40B4-BE49-F238E27FC236}">
+                <a16:creationId xmlns:a16="http://schemas.microsoft.com/office/drawing/2014/main" id="{5078CDAA-0601-4E9B-A943-5697C3DD554C}"/>
+              </a:ext>
+            </a:extLst>
+          </p:cNvPr>
+          <p:cNvSpPr/>
+          <p:nvPr/>
+        </p:nvSpPr>
+        <p:spPr>
+          <a:xfrm>
+            <a:off x="8924833" y="2782833"/>
+            <a:ext cx="230588" cy="215829"/>
+          </a:xfrm>
+          <a:prstGeom prst="star7">
+            <a:avLst>
+              <a:gd name="adj" fmla="val 31967"/>
+              <a:gd name="hf" fmla="val 102572"/>
+              <a:gd name="vf" fmla="val 105210"/>
+            </a:avLst>
+          </a:prstGeom>
+          <a:solidFill>
+            <a:srgbClr val="F2DA7C"/>
+          </a:solidFill>
+          <a:ln>
+            <a:solidFill>
+              <a:schemeClr val="tx1"/>
+            </a:solidFill>
+          </a:ln>
+        </p:spPr>
+        <p:style>
+          <a:lnRef idx="2">
+            <a:schemeClr val="accent4">
+              <a:shade val="50000"/>
+            </a:schemeClr>
+          </a:lnRef>
+          <a:fillRef idx="1">
+            <a:schemeClr val="accent4"/>
+          </a:fillRef>
+          <a:effectRef idx="0">
+            <a:schemeClr val="accent4"/>
+          </a:effectRef>
+          <a:fontRef idx="minor">
+            <a:schemeClr val="lt1"/>
+          </a:fontRef>
+        </p:style>
+        <p:txBody>
+          <a:bodyPr rtlCol="0" anchor="ctr"/>
+          <a:lstStyle/>
+          <a:p>
+            <a:pPr algn="ctr"/>
+            <a:endParaRPr lang="pt-BR">
+              <a:ln>
+                <a:solidFill>
+                  <a:schemeClr val="tx1"/>
+                </a:solidFill>
+              </a:ln>
+            </a:endParaRPr>
+          </a:p>
+        </p:txBody>
+      </p:sp>
+    </p:spTree>
+    <p:extLst>
+      <p:ext uri="{BB962C8B-B14F-4D97-AF65-F5344CB8AC3E}">
+        <p14:creationId xmlns:p14="http://schemas.microsoft.com/office/powerpoint/2010/main" val="2624816643"/>
+      </p:ext>
+    </p:extLst>
+  </p:cSld>
+  <p:clrMapOvr>
+    <a:masterClrMapping/>
+  </p:clrMapOvr>
+</p:sld>
+</file>
+
+<file path=ppt/slides/slide2.xml><?xml version="1.0" encoding="utf-8"?>
+<p:sld xmlns:a="http://schemas.openxmlformats.org/drawingml/2006/main" xmlns:r="http://schemas.openxmlformats.org/officeDocument/2006/relationships" xmlns:p="http://schemas.openxmlformats.org/presentationml/2006/main">
+  <p:cSld>
+    <p:spTree>
+      <p:nvGrpSpPr>
+        <p:cNvPr id="1" name=""/>
+        <p:cNvGrpSpPr/>
+        <p:nvPr/>
+      </p:nvGrpSpPr>
+      <p:grpSpPr>
+        <a:xfrm>
+          <a:off x="0" y="0"/>
+          <a:ext cx="0" cy="0"/>
+          <a:chOff x="0" y="0"/>
+          <a:chExt cx="0" cy="0"/>
+        </a:xfrm>
+      </p:grpSpPr>
+      <p:sp>
+        <p:nvSpPr>
+          <p:cNvPr id="2" name="Título 1">
+            <a:extLst>
+              <a:ext uri="{FF2B5EF4-FFF2-40B4-BE49-F238E27FC236}">
+                <a16:creationId xmlns:a16="http://schemas.microsoft.com/office/drawing/2014/main" id="{E5960394-BFD3-436D-A26D-140C5226B43F}"/>
+              </a:ext>
+            </a:extLst>
+          </p:cNvPr>
+          <p:cNvSpPr>
+            <a:spLocks noGrp="1"/>
+          </p:cNvSpPr>
+          <p:nvPr>
+            <p:ph type="title"/>
+          </p:nvPr>
+        </p:nvSpPr>
+        <p:spPr/>
+        <p:txBody>
+          <a:bodyPr/>
+          <a:lstStyle/>
+          <a:p>
+            <a:endParaRPr lang="pt-BR"/>
+          </a:p>
+        </p:txBody>
+      </p:sp>
+      <p:sp>
+        <p:nvSpPr>
+          <p:cNvPr id="3" name="Espaço Reservado para Conteúdo 2">
+            <a:extLst>
+              <a:ext uri="{FF2B5EF4-FFF2-40B4-BE49-F238E27FC236}">
+                <a16:creationId xmlns:a16="http://schemas.microsoft.com/office/drawing/2014/main" id="{279D0A98-F18E-4608-8761-37CD1AF61EAB}"/>
+              </a:ext>
+            </a:extLst>
+          </p:cNvPr>
+          <p:cNvSpPr>
+            <a:spLocks noGrp="1"/>
+          </p:cNvSpPr>
+          <p:nvPr>
+            <p:ph idx="1"/>
+          </p:nvPr>
+        </p:nvSpPr>
+        <p:spPr/>
+        <p:txBody>
+          <a:bodyPr/>
+          <a:lstStyle/>
+          <a:p>
+            <a:endParaRPr lang="pt-BR"/>
+          </a:p>
+        </p:txBody>
+      </p:sp>
       <p:pic>
         <p:nvPicPr>
-          <p:cNvPr id="9" name="Imagem 8">
-            <a:extLst>
-              <a:ext uri="{FF2B5EF4-FFF2-40B4-BE49-F238E27FC236}">
-                <a16:creationId xmlns:a16="http://schemas.microsoft.com/office/drawing/2014/main" id="{D5548CBD-51D8-4100-BA05-D3D8D9856997}"/>
+          <p:cNvPr id="6" name="Picture 2" descr="Imagem relacionada">
+            <a:extLst>
+              <a:ext uri="{FF2B5EF4-FFF2-40B4-BE49-F238E27FC236}">
+                <a16:creationId xmlns:a16="http://schemas.microsoft.com/office/drawing/2014/main" id="{224A2165-8B7F-494B-ACC9-B8DD8354E31F}"/>
+              </a:ext>
+            </a:extLst>
+          </p:cNvPr>
+          <p:cNvPicPr>
+            <a:picLocks noChangeAspect="1" noChangeArrowheads="1"/>
+          </p:cNvPicPr>
+          <p:nvPr/>
+        </p:nvPicPr>
+        <p:blipFill>
+          <a:blip r:embed="rId2">
+            <a:extLst>
+              <a:ext uri="{BEBA8EAE-BF5A-486C-A8C5-ECC9F3942E4B}">
+                <a14:imgProps xmlns:a14="http://schemas.microsoft.com/office/drawing/2010/main">
+                  <a14:imgLayer r:embed="rId3">
+                    <a14:imgEffect>
+                      <a14:brightnessContrast bright="-25000" contrast="-10000"/>
+                    </a14:imgEffect>
+                  </a14:imgLayer>
+                </a14:imgProps>
+              </a:ext>
+              <a:ext uri="{28A0092B-C50C-407E-A947-70E740481C1C}">
+                <a14:useLocalDpi xmlns:a14="http://schemas.microsoft.com/office/drawing/2010/main" val="0"/>
+              </a:ext>
+            </a:extLst>
+          </a:blip>
+          <a:srcRect/>
+          <a:stretch>
+            <a:fillRect/>
+          </a:stretch>
+        </p:blipFill>
+        <p:spPr bwMode="auto">
+          <a:xfrm>
+            <a:off x="0" y="0"/>
+            <a:ext cx="12192000" cy="6858000"/>
+          </a:xfrm>
+          <a:prstGeom prst="rect">
+            <a:avLst/>
+          </a:prstGeom>
+          <a:noFill/>
+          <a:extLst>
+            <a:ext uri="{909E8E84-426E-40DD-AFC4-6F175D3DCCD1}">
+              <a14:hiddenFill xmlns:a14="http://schemas.microsoft.com/office/drawing/2010/main">
+                <a:solidFill>
+                  <a:srgbClr val="FFFFFF"/>
+                </a:solidFill>
+              </a14:hiddenFill>
+            </a:ext>
+          </a:extLst>
+        </p:spPr>
+      </p:pic>
+      <p:sp>
+        <p:nvSpPr>
+          <p:cNvPr id="7" name="CaixaDeTexto 6">
+            <a:extLst>
+              <a:ext uri="{FF2B5EF4-FFF2-40B4-BE49-F238E27FC236}">
+                <a16:creationId xmlns:a16="http://schemas.microsoft.com/office/drawing/2014/main" id="{14726EC7-8DC6-434E-AE54-A841F9A431BD}"/>
+              </a:ext>
+            </a:extLst>
+          </p:cNvPr>
+          <p:cNvSpPr txBox="1"/>
+          <p:nvPr/>
+        </p:nvSpPr>
+        <p:spPr>
+          <a:xfrm>
+            <a:off x="3521340" y="196909"/>
+            <a:ext cx="5149319" cy="830997"/>
+          </a:xfrm>
+          <a:prstGeom prst="rect">
+            <a:avLst/>
+          </a:prstGeom>
+          <a:noFill/>
+        </p:spPr>
+        <p:txBody>
+          <a:bodyPr wrap="square" rtlCol="0">
+            <a:spAutoFit/>
+          </a:bodyPr>
+          <a:lstStyle/>
+          <a:p>
+            <a:pPr algn="ctr"/>
+            <a:r>
+              <a:rPr lang="pt-BR" sz="4800" u="sng" dirty="0">
+                <a:effectLst>
+                  <a:outerShdw blurRad="38100" dist="38100" dir="2700000" algn="tl">
+                    <a:srgbClr val="000000">
+                      <a:alpha val="43137"/>
+                    </a:srgbClr>
+                  </a:outerShdw>
+                </a:effectLst>
+                <a:latin typeface="Times New Roman" panose="02020603050405020304" pitchFamily="18" charset="0"/>
+                <a:cs typeface="Times New Roman" panose="02020603050405020304" pitchFamily="18" charset="0"/>
+              </a:rPr>
+              <a:t>PLANEJAMENTO</a:t>
+            </a:r>
+          </a:p>
+        </p:txBody>
+      </p:sp>
+      <p:sp>
+        <p:nvSpPr>
+          <p:cNvPr id="4" name="Fluxograma: Processo Alternativo 3">
+            <a:hlinkClick r:id="rId4" action="ppaction://hlinksldjump"/>
+            <a:extLst>
+              <a:ext uri="{FF2B5EF4-FFF2-40B4-BE49-F238E27FC236}">
+                <a16:creationId xmlns:a16="http://schemas.microsoft.com/office/drawing/2014/main" id="{D58C6868-81FF-406D-A996-47AEE7FA80BC}"/>
+              </a:ext>
+            </a:extLst>
+          </p:cNvPr>
+          <p:cNvSpPr/>
+          <p:nvPr/>
+        </p:nvSpPr>
+        <p:spPr>
+          <a:xfrm>
+            <a:off x="2172031" y="1621742"/>
+            <a:ext cx="3116911" cy="896310"/>
+          </a:xfrm>
+          <a:prstGeom prst="flowChartAlternateProcess">
+            <a:avLst/>
+          </a:prstGeom>
+          <a:solidFill>
+            <a:schemeClr val="accent4">
+              <a:lumMod val="40000"/>
+              <a:lumOff val="60000"/>
+            </a:schemeClr>
+          </a:solidFill>
+          <a:ln w="28575">
+            <a:solidFill>
+              <a:schemeClr val="accent4">
+                <a:lumMod val="50000"/>
+              </a:schemeClr>
+            </a:solidFill>
+          </a:ln>
+          <a:effectLst/>
+          <a:scene3d>
+            <a:camera prst="orthographicFront">
+              <a:rot lat="0" lon="0" rev="0"/>
+            </a:camera>
+            <a:lightRig rig="glow" dir="t">
+              <a:rot lat="0" lon="0" rev="14100000"/>
+            </a:lightRig>
+          </a:scene3d>
+          <a:sp3d prstMaterial="softEdge">
+            <a:bevelT w="127000" prst="artDeco"/>
+          </a:sp3d>
+        </p:spPr>
+        <p:style>
+          <a:lnRef idx="2">
+            <a:schemeClr val="accent1">
+              <a:shade val="50000"/>
+            </a:schemeClr>
+          </a:lnRef>
+          <a:fillRef idx="1">
+            <a:schemeClr val="accent1"/>
+          </a:fillRef>
+          <a:effectRef idx="0">
+            <a:schemeClr val="accent1"/>
+          </a:effectRef>
+          <a:fontRef idx="minor">
+            <a:schemeClr val="lt1"/>
+          </a:fontRef>
+        </p:style>
+        <p:txBody>
+          <a:bodyPr rtlCol="0" anchor="ctr"/>
+          <a:lstStyle/>
+          <a:p>
+            <a:pPr algn="ctr"/>
+            <a:r>
+              <a:rPr lang="pt-BR" sz="2800" dirty="0">
+                <a:solidFill>
+                  <a:schemeClr val="tx1"/>
+                </a:solidFill>
+                <a:effectLst>
+                  <a:outerShdw blurRad="38100" dist="38100" dir="2700000" algn="tl">
+                    <a:srgbClr val="000000">
+                      <a:alpha val="43137"/>
+                    </a:srgbClr>
+                  </a:outerShdw>
+                </a:effectLst>
+                <a:latin typeface="Times New Roman" panose="02020603050405020304" pitchFamily="18" charset="0"/>
+                <a:cs typeface="Times New Roman" panose="02020603050405020304" pitchFamily="18" charset="0"/>
+              </a:rPr>
+              <a:t>Termo de Abertura</a:t>
+            </a:r>
+          </a:p>
+        </p:txBody>
+      </p:sp>
+      <p:sp>
+        <p:nvSpPr>
+          <p:cNvPr id="8" name="Fluxograma: Processo Alternativo 7">
+            <a:hlinkClick r:id="rId5" action="ppaction://hlinksldjump"/>
+            <a:extLst>
+              <a:ext uri="{FF2B5EF4-FFF2-40B4-BE49-F238E27FC236}">
+                <a16:creationId xmlns:a16="http://schemas.microsoft.com/office/drawing/2014/main" id="{87A051A3-4217-499C-A309-C0AFAF2F7C30}"/>
+              </a:ext>
+            </a:extLst>
+          </p:cNvPr>
+          <p:cNvSpPr/>
+          <p:nvPr/>
+        </p:nvSpPr>
+        <p:spPr>
+          <a:xfrm>
+            <a:off x="2172030" y="2878359"/>
+            <a:ext cx="3116911" cy="896310"/>
+          </a:xfrm>
+          <a:prstGeom prst="flowChartAlternateProcess">
+            <a:avLst/>
+          </a:prstGeom>
+          <a:solidFill>
+            <a:schemeClr val="accent4">
+              <a:lumMod val="40000"/>
+              <a:lumOff val="60000"/>
+            </a:schemeClr>
+          </a:solidFill>
+          <a:ln w="28575">
+            <a:solidFill>
+              <a:schemeClr val="accent4">
+                <a:lumMod val="50000"/>
+              </a:schemeClr>
+            </a:solidFill>
+          </a:ln>
+          <a:effectLst/>
+          <a:scene3d>
+            <a:camera prst="orthographicFront">
+              <a:rot lat="0" lon="0" rev="0"/>
+            </a:camera>
+            <a:lightRig rig="glow" dir="t">
+              <a:rot lat="0" lon="0" rev="14100000"/>
+            </a:lightRig>
+          </a:scene3d>
+          <a:sp3d prstMaterial="softEdge">
+            <a:bevelT w="127000" prst="artDeco"/>
+          </a:sp3d>
+        </p:spPr>
+        <p:style>
+          <a:lnRef idx="2">
+            <a:schemeClr val="accent1">
+              <a:shade val="50000"/>
+            </a:schemeClr>
+          </a:lnRef>
+          <a:fillRef idx="1">
+            <a:schemeClr val="accent1"/>
+          </a:fillRef>
+          <a:effectRef idx="0">
+            <a:schemeClr val="accent1"/>
+          </a:effectRef>
+          <a:fontRef idx="minor">
+            <a:schemeClr val="lt1"/>
+          </a:fontRef>
+        </p:style>
+        <p:txBody>
+          <a:bodyPr rtlCol="0" anchor="ctr"/>
+          <a:lstStyle/>
+          <a:p>
+            <a:pPr algn="ctr"/>
+            <a:r>
+              <a:rPr lang="pt-BR" sz="2800" dirty="0">
+                <a:solidFill>
+                  <a:schemeClr val="tx1"/>
+                </a:solidFill>
+                <a:effectLst>
+                  <a:outerShdw blurRad="38100" dist="38100" dir="2700000" algn="tl">
+                    <a:srgbClr val="000000">
+                      <a:alpha val="43137"/>
+                    </a:srgbClr>
+                  </a:outerShdw>
+                </a:effectLst>
+                <a:latin typeface="Times New Roman" panose="02020603050405020304" pitchFamily="18" charset="0"/>
+                <a:cs typeface="Times New Roman" panose="02020603050405020304" pitchFamily="18" charset="0"/>
+              </a:rPr>
+              <a:t>Tempo</a:t>
+            </a:r>
+          </a:p>
+        </p:txBody>
+      </p:sp>
+      <p:sp>
+        <p:nvSpPr>
+          <p:cNvPr id="9" name="Fluxograma: Processo Alternativo 8">
+            <a:extLst>
+              <a:ext uri="{FF2B5EF4-FFF2-40B4-BE49-F238E27FC236}">
+                <a16:creationId xmlns:a16="http://schemas.microsoft.com/office/drawing/2014/main" id="{98346E36-17A1-4A8D-BAB4-B3DD55A52E8D}"/>
+              </a:ext>
+            </a:extLst>
+          </p:cNvPr>
+          <p:cNvSpPr/>
+          <p:nvPr/>
+        </p:nvSpPr>
+        <p:spPr>
+          <a:xfrm>
+            <a:off x="2172029" y="4134976"/>
+            <a:ext cx="3116911" cy="896310"/>
+          </a:xfrm>
+          <a:prstGeom prst="flowChartAlternateProcess">
+            <a:avLst/>
+          </a:prstGeom>
+          <a:solidFill>
+            <a:schemeClr val="accent4">
+              <a:lumMod val="40000"/>
+              <a:lumOff val="60000"/>
+            </a:schemeClr>
+          </a:solidFill>
+          <a:ln w="28575">
+            <a:solidFill>
+              <a:schemeClr val="accent4">
+                <a:lumMod val="50000"/>
+              </a:schemeClr>
+            </a:solidFill>
+          </a:ln>
+          <a:effectLst/>
+          <a:scene3d>
+            <a:camera prst="orthographicFront">
+              <a:rot lat="0" lon="0" rev="0"/>
+            </a:camera>
+            <a:lightRig rig="glow" dir="t">
+              <a:rot lat="0" lon="0" rev="14100000"/>
+            </a:lightRig>
+          </a:scene3d>
+          <a:sp3d prstMaterial="softEdge">
+            <a:bevelT w="127000" prst="artDeco"/>
+          </a:sp3d>
+        </p:spPr>
+        <p:style>
+          <a:lnRef idx="2">
+            <a:schemeClr val="accent1">
+              <a:shade val="50000"/>
+            </a:schemeClr>
+          </a:lnRef>
+          <a:fillRef idx="1">
+            <a:schemeClr val="accent1"/>
+          </a:fillRef>
+          <a:effectRef idx="0">
+            <a:schemeClr val="accent1"/>
+          </a:effectRef>
+          <a:fontRef idx="minor">
+            <a:schemeClr val="lt1"/>
+          </a:fontRef>
+        </p:style>
+        <p:txBody>
+          <a:bodyPr rtlCol="0" anchor="ctr"/>
+          <a:lstStyle/>
+          <a:p>
+            <a:pPr algn="ctr"/>
+            <a:r>
+              <a:rPr lang="pt-BR" sz="2800" dirty="0">
+                <a:solidFill>
+                  <a:schemeClr val="tx1"/>
+                </a:solidFill>
+                <a:effectLst>
+                  <a:outerShdw blurRad="38100" dist="38100" dir="2700000" algn="tl">
+                    <a:srgbClr val="000000">
+                      <a:alpha val="43137"/>
+                    </a:srgbClr>
+                  </a:outerShdw>
+                </a:effectLst>
+                <a:latin typeface="Times New Roman" panose="02020603050405020304" pitchFamily="18" charset="0"/>
+                <a:cs typeface="Times New Roman" panose="02020603050405020304" pitchFamily="18" charset="0"/>
+              </a:rPr>
+              <a:t>Custos</a:t>
+            </a:r>
+          </a:p>
+        </p:txBody>
+      </p:sp>
+      <p:sp>
+        <p:nvSpPr>
+          <p:cNvPr id="10" name="Fluxograma: Processo Alternativo 9">
+            <a:extLst>
+              <a:ext uri="{FF2B5EF4-FFF2-40B4-BE49-F238E27FC236}">
+                <a16:creationId xmlns:a16="http://schemas.microsoft.com/office/drawing/2014/main" id="{205975EC-D830-4AA9-901E-35175F05B1A9}"/>
+              </a:ext>
+            </a:extLst>
+          </p:cNvPr>
+          <p:cNvSpPr/>
+          <p:nvPr/>
+        </p:nvSpPr>
+        <p:spPr>
+          <a:xfrm>
+            <a:off x="2172028" y="5391593"/>
+            <a:ext cx="3116911" cy="896310"/>
+          </a:xfrm>
+          <a:prstGeom prst="flowChartAlternateProcess">
+            <a:avLst/>
+          </a:prstGeom>
+          <a:solidFill>
+            <a:schemeClr val="accent4">
+              <a:lumMod val="40000"/>
+              <a:lumOff val="60000"/>
+            </a:schemeClr>
+          </a:solidFill>
+          <a:ln w="28575">
+            <a:solidFill>
+              <a:schemeClr val="accent4">
+                <a:lumMod val="50000"/>
+              </a:schemeClr>
+            </a:solidFill>
+          </a:ln>
+          <a:effectLst/>
+          <a:scene3d>
+            <a:camera prst="orthographicFront">
+              <a:rot lat="0" lon="0" rev="0"/>
+            </a:camera>
+            <a:lightRig rig="glow" dir="t">
+              <a:rot lat="0" lon="0" rev="14100000"/>
+            </a:lightRig>
+          </a:scene3d>
+          <a:sp3d prstMaterial="softEdge">
+            <a:bevelT w="127000" prst="artDeco"/>
+          </a:sp3d>
+        </p:spPr>
+        <p:style>
+          <a:lnRef idx="2">
+            <a:schemeClr val="accent1">
+              <a:shade val="50000"/>
+            </a:schemeClr>
+          </a:lnRef>
+          <a:fillRef idx="1">
+            <a:schemeClr val="accent1"/>
+          </a:fillRef>
+          <a:effectRef idx="0">
+            <a:schemeClr val="accent1"/>
+          </a:effectRef>
+          <a:fontRef idx="minor">
+            <a:schemeClr val="lt1"/>
+          </a:fontRef>
+        </p:style>
+        <p:txBody>
+          <a:bodyPr rtlCol="0" anchor="ctr"/>
+          <a:lstStyle/>
+          <a:p>
+            <a:pPr algn="ctr"/>
+            <a:r>
+              <a:rPr lang="pt-BR" sz="2800" dirty="0">
+                <a:solidFill>
+                  <a:schemeClr val="tx1"/>
+                </a:solidFill>
+                <a:effectLst>
+                  <a:outerShdw blurRad="38100" dist="38100" dir="2700000" algn="tl">
+                    <a:srgbClr val="000000">
+                      <a:alpha val="43137"/>
+                    </a:srgbClr>
+                  </a:outerShdw>
+                </a:effectLst>
+                <a:latin typeface="Times New Roman" panose="02020603050405020304" pitchFamily="18" charset="0"/>
+                <a:cs typeface="Times New Roman" panose="02020603050405020304" pitchFamily="18" charset="0"/>
+              </a:rPr>
+              <a:t>Monitoramento</a:t>
+            </a:r>
+          </a:p>
+        </p:txBody>
+      </p:sp>
+      <p:sp>
+        <p:nvSpPr>
+          <p:cNvPr id="11" name="Fluxograma: Processo Alternativo 10">
+            <a:extLst>
+              <a:ext uri="{FF2B5EF4-FFF2-40B4-BE49-F238E27FC236}">
+                <a16:creationId xmlns:a16="http://schemas.microsoft.com/office/drawing/2014/main" id="{8283D823-73E7-48B0-8CF8-D1598A3949FF}"/>
+              </a:ext>
+            </a:extLst>
+          </p:cNvPr>
+          <p:cNvSpPr/>
+          <p:nvPr/>
+        </p:nvSpPr>
+        <p:spPr>
+          <a:xfrm>
+            <a:off x="6903055" y="1616979"/>
+            <a:ext cx="3116911" cy="896310"/>
+          </a:xfrm>
+          <a:prstGeom prst="flowChartAlternateProcess">
+            <a:avLst/>
+          </a:prstGeom>
+          <a:solidFill>
+            <a:schemeClr val="accent4">
+              <a:lumMod val="40000"/>
+              <a:lumOff val="60000"/>
+            </a:schemeClr>
+          </a:solidFill>
+          <a:ln w="28575">
+            <a:solidFill>
+              <a:schemeClr val="accent4">
+                <a:lumMod val="50000"/>
+              </a:schemeClr>
+            </a:solidFill>
+          </a:ln>
+          <a:effectLst/>
+          <a:scene3d>
+            <a:camera prst="orthographicFront">
+              <a:rot lat="0" lon="0" rev="0"/>
+            </a:camera>
+            <a:lightRig rig="glow" dir="t">
+              <a:rot lat="0" lon="0" rev="14100000"/>
+            </a:lightRig>
+          </a:scene3d>
+          <a:sp3d prstMaterial="softEdge">
+            <a:bevelT w="127000" prst="artDeco"/>
+          </a:sp3d>
+        </p:spPr>
+        <p:style>
+          <a:lnRef idx="2">
+            <a:schemeClr val="accent1">
+              <a:shade val="50000"/>
+            </a:schemeClr>
+          </a:lnRef>
+          <a:fillRef idx="1">
+            <a:schemeClr val="accent1"/>
+          </a:fillRef>
+          <a:effectRef idx="0">
+            <a:schemeClr val="accent1"/>
+          </a:effectRef>
+          <a:fontRef idx="minor">
+            <a:schemeClr val="lt1"/>
+          </a:fontRef>
+        </p:style>
+        <p:txBody>
+          <a:bodyPr rtlCol="0" anchor="ctr"/>
+          <a:lstStyle/>
+          <a:p>
+            <a:pPr algn="ctr"/>
+            <a:r>
+              <a:rPr lang="pt-BR" sz="2800" dirty="0">
+                <a:solidFill>
+                  <a:schemeClr val="tx1"/>
+                </a:solidFill>
+                <a:effectLst>
+                  <a:outerShdw blurRad="38100" dist="38100" dir="2700000" algn="tl">
+                    <a:srgbClr val="000000">
+                      <a:alpha val="43137"/>
+                    </a:srgbClr>
+                  </a:outerShdw>
+                </a:effectLst>
+                <a:latin typeface="Times New Roman" panose="02020603050405020304" pitchFamily="18" charset="0"/>
+                <a:cs typeface="Times New Roman" panose="02020603050405020304" pitchFamily="18" charset="0"/>
+              </a:rPr>
+              <a:t>Qualidade</a:t>
+            </a:r>
+          </a:p>
+        </p:txBody>
+      </p:sp>
+      <p:sp>
+        <p:nvSpPr>
+          <p:cNvPr id="12" name="Fluxograma: Processo Alternativo 11">
+            <a:extLst>
+              <a:ext uri="{FF2B5EF4-FFF2-40B4-BE49-F238E27FC236}">
+                <a16:creationId xmlns:a16="http://schemas.microsoft.com/office/drawing/2014/main" id="{42485404-EF0C-4A08-8192-E0877EFB6D99}"/>
+              </a:ext>
+            </a:extLst>
+          </p:cNvPr>
+          <p:cNvSpPr/>
+          <p:nvPr/>
+        </p:nvSpPr>
+        <p:spPr>
+          <a:xfrm>
+            <a:off x="6903054" y="2878359"/>
+            <a:ext cx="3116911" cy="896310"/>
+          </a:xfrm>
+          <a:prstGeom prst="flowChartAlternateProcess">
+            <a:avLst/>
+          </a:prstGeom>
+          <a:solidFill>
+            <a:schemeClr val="accent4">
+              <a:lumMod val="40000"/>
+              <a:lumOff val="60000"/>
+            </a:schemeClr>
+          </a:solidFill>
+          <a:ln w="28575">
+            <a:solidFill>
+              <a:schemeClr val="accent4">
+                <a:lumMod val="50000"/>
+              </a:schemeClr>
+            </a:solidFill>
+          </a:ln>
+          <a:effectLst/>
+          <a:scene3d>
+            <a:camera prst="orthographicFront">
+              <a:rot lat="0" lon="0" rev="0"/>
+            </a:camera>
+            <a:lightRig rig="glow" dir="t">
+              <a:rot lat="0" lon="0" rev="14100000"/>
+            </a:lightRig>
+          </a:scene3d>
+          <a:sp3d prstMaterial="softEdge">
+            <a:bevelT w="127000" prst="artDeco"/>
+          </a:sp3d>
+        </p:spPr>
+        <p:style>
+          <a:lnRef idx="2">
+            <a:schemeClr val="accent1">
+              <a:shade val="50000"/>
+            </a:schemeClr>
+          </a:lnRef>
+          <a:fillRef idx="1">
+            <a:schemeClr val="accent1"/>
+          </a:fillRef>
+          <a:effectRef idx="0">
+            <a:schemeClr val="accent1"/>
+          </a:effectRef>
+          <a:fontRef idx="minor">
+            <a:schemeClr val="lt1"/>
+          </a:fontRef>
+        </p:style>
+        <p:txBody>
+          <a:bodyPr rtlCol="0" anchor="ctr"/>
+          <a:lstStyle/>
+          <a:p>
+            <a:pPr algn="ctr"/>
+            <a:r>
+              <a:rPr lang="pt-BR" sz="2800" dirty="0">
+                <a:solidFill>
+                  <a:schemeClr val="tx1"/>
+                </a:solidFill>
+                <a:effectLst>
+                  <a:outerShdw blurRad="38100" dist="38100" dir="2700000" algn="tl">
+                    <a:srgbClr val="000000">
+                      <a:alpha val="43137"/>
+                    </a:srgbClr>
+                  </a:outerShdw>
+                </a:effectLst>
+                <a:latin typeface="Times New Roman" panose="02020603050405020304" pitchFamily="18" charset="0"/>
+                <a:cs typeface="Times New Roman" panose="02020603050405020304" pitchFamily="18" charset="0"/>
+              </a:rPr>
+              <a:t>Comunicação</a:t>
+            </a:r>
+          </a:p>
+        </p:txBody>
+      </p:sp>
+      <p:sp>
+        <p:nvSpPr>
+          <p:cNvPr id="13" name="Fluxograma: Processo Alternativo 12">
+            <a:extLst>
+              <a:ext uri="{FF2B5EF4-FFF2-40B4-BE49-F238E27FC236}">
+                <a16:creationId xmlns:a16="http://schemas.microsoft.com/office/drawing/2014/main" id="{25A10B45-D55B-4F31-A8D2-6063BF9F4B3D}"/>
+              </a:ext>
+            </a:extLst>
+          </p:cNvPr>
+          <p:cNvSpPr/>
+          <p:nvPr/>
+        </p:nvSpPr>
+        <p:spPr>
+          <a:xfrm>
+            <a:off x="6903053" y="4134976"/>
+            <a:ext cx="3116911" cy="896310"/>
+          </a:xfrm>
+          <a:prstGeom prst="flowChartAlternateProcess">
+            <a:avLst/>
+          </a:prstGeom>
+          <a:solidFill>
+            <a:schemeClr val="accent4">
+              <a:lumMod val="40000"/>
+              <a:lumOff val="60000"/>
+            </a:schemeClr>
+          </a:solidFill>
+          <a:ln w="28575">
+            <a:solidFill>
+              <a:schemeClr val="accent4">
+                <a:lumMod val="50000"/>
+              </a:schemeClr>
+            </a:solidFill>
+          </a:ln>
+          <a:effectLst/>
+          <a:scene3d>
+            <a:camera prst="orthographicFront">
+              <a:rot lat="0" lon="0" rev="0"/>
+            </a:camera>
+            <a:lightRig rig="glow" dir="t">
+              <a:rot lat="0" lon="0" rev="14100000"/>
+            </a:lightRig>
+          </a:scene3d>
+          <a:sp3d prstMaterial="softEdge">
+            <a:bevelT w="127000" prst="artDeco"/>
+          </a:sp3d>
+        </p:spPr>
+        <p:style>
+          <a:lnRef idx="2">
+            <a:schemeClr val="accent1">
+              <a:shade val="50000"/>
+            </a:schemeClr>
+          </a:lnRef>
+          <a:fillRef idx="1">
+            <a:schemeClr val="accent1"/>
+          </a:fillRef>
+          <a:effectRef idx="0">
+            <a:schemeClr val="accent1"/>
+          </a:effectRef>
+          <a:fontRef idx="minor">
+            <a:schemeClr val="lt1"/>
+          </a:fontRef>
+        </p:style>
+        <p:txBody>
+          <a:bodyPr rtlCol="0" anchor="ctr"/>
+          <a:lstStyle/>
+          <a:p>
+            <a:pPr algn="ctr"/>
+            <a:r>
+              <a:rPr lang="pt-BR" sz="2800" dirty="0">
+                <a:solidFill>
+                  <a:schemeClr val="tx1"/>
+                </a:solidFill>
+                <a:effectLst>
+                  <a:outerShdw blurRad="38100" dist="38100" dir="2700000" algn="tl">
+                    <a:srgbClr val="000000">
+                      <a:alpha val="43137"/>
+                    </a:srgbClr>
+                  </a:outerShdw>
+                </a:effectLst>
+                <a:latin typeface="Times New Roman" panose="02020603050405020304" pitchFamily="18" charset="0"/>
+                <a:cs typeface="Times New Roman" panose="02020603050405020304" pitchFamily="18" charset="0"/>
+              </a:rPr>
+              <a:t>Recursos Humanos</a:t>
+            </a:r>
+          </a:p>
+        </p:txBody>
+      </p:sp>
+      <p:sp>
+        <p:nvSpPr>
+          <p:cNvPr id="14" name="Fluxograma: Processo Alternativo 13">
+            <a:extLst>
+              <a:ext uri="{FF2B5EF4-FFF2-40B4-BE49-F238E27FC236}">
+                <a16:creationId xmlns:a16="http://schemas.microsoft.com/office/drawing/2014/main" id="{FFF6C841-1A89-4F13-B2D9-0E135B36B0FA}"/>
+              </a:ext>
+            </a:extLst>
+          </p:cNvPr>
+          <p:cNvSpPr/>
+          <p:nvPr/>
+        </p:nvSpPr>
+        <p:spPr>
+          <a:xfrm>
+            <a:off x="6903053" y="5391593"/>
+            <a:ext cx="3116911" cy="896310"/>
+          </a:xfrm>
+          <a:prstGeom prst="flowChartAlternateProcess">
+            <a:avLst/>
+          </a:prstGeom>
+          <a:solidFill>
+            <a:schemeClr val="accent4">
+              <a:lumMod val="40000"/>
+              <a:lumOff val="60000"/>
+            </a:schemeClr>
+          </a:solidFill>
+          <a:ln w="28575">
+            <a:solidFill>
+              <a:schemeClr val="accent4">
+                <a:lumMod val="50000"/>
+              </a:schemeClr>
+            </a:solidFill>
+          </a:ln>
+          <a:effectLst/>
+          <a:scene3d>
+            <a:camera prst="orthographicFront">
+              <a:rot lat="0" lon="0" rev="0"/>
+            </a:camera>
+            <a:lightRig rig="glow" dir="t">
+              <a:rot lat="0" lon="0" rev="14100000"/>
+            </a:lightRig>
+          </a:scene3d>
+          <a:sp3d prstMaterial="softEdge">
+            <a:bevelT w="127000" prst="artDeco"/>
+          </a:sp3d>
+        </p:spPr>
+        <p:style>
+          <a:lnRef idx="2">
+            <a:schemeClr val="accent1">
+              <a:shade val="50000"/>
+            </a:schemeClr>
+          </a:lnRef>
+          <a:fillRef idx="1">
+            <a:schemeClr val="accent1"/>
+          </a:fillRef>
+          <a:effectRef idx="0">
+            <a:schemeClr val="accent1"/>
+          </a:effectRef>
+          <a:fontRef idx="minor">
+            <a:schemeClr val="lt1"/>
+          </a:fontRef>
+        </p:style>
+        <p:txBody>
+          <a:bodyPr rtlCol="0" anchor="ctr"/>
+          <a:lstStyle/>
+          <a:p>
+            <a:pPr algn="ctr"/>
+            <a:r>
+              <a:rPr lang="pt-BR" sz="2800" dirty="0">
+                <a:solidFill>
+                  <a:schemeClr val="tx1"/>
+                </a:solidFill>
+                <a:effectLst>
+                  <a:outerShdw blurRad="38100" dist="38100" dir="2700000" algn="tl">
+                    <a:srgbClr val="000000">
+                      <a:alpha val="43137"/>
+                    </a:srgbClr>
+                  </a:outerShdw>
+                </a:effectLst>
+                <a:latin typeface="Times New Roman" panose="02020603050405020304" pitchFamily="18" charset="0"/>
+                <a:cs typeface="Times New Roman" panose="02020603050405020304" pitchFamily="18" charset="0"/>
+              </a:rPr>
+              <a:t>Riscos</a:t>
+            </a:r>
+          </a:p>
+        </p:txBody>
+      </p:sp>
+    </p:spTree>
+    <p:extLst>
+      <p:ext uri="{BB962C8B-B14F-4D97-AF65-F5344CB8AC3E}">
+        <p14:creationId xmlns:p14="http://schemas.microsoft.com/office/powerpoint/2010/main" val="3610403360"/>
+      </p:ext>
+    </p:extLst>
+  </p:cSld>
+  <p:clrMapOvr>
+    <a:masterClrMapping/>
+  </p:clrMapOvr>
+</p:sld>
+</file>
+
+<file path=ppt/slides/slide3.xml><?xml version="1.0" encoding="utf-8"?>
+<p:sld xmlns:a="http://schemas.openxmlformats.org/drawingml/2006/main" xmlns:r="http://schemas.openxmlformats.org/officeDocument/2006/relationships" xmlns:p="http://schemas.openxmlformats.org/presentationml/2006/main">
+  <p:cSld>
+    <p:spTree>
+      <p:nvGrpSpPr>
+        <p:cNvPr id="1" name=""/>
+        <p:cNvGrpSpPr/>
+        <p:nvPr/>
+      </p:nvGrpSpPr>
+      <p:grpSpPr>
+        <a:xfrm>
+          <a:off x="0" y="0"/>
+          <a:ext cx="0" cy="0"/>
+          <a:chOff x="0" y="0"/>
+          <a:chExt cx="0" cy="0"/>
+        </a:xfrm>
+      </p:grpSpPr>
+      <p:sp>
+        <p:nvSpPr>
+          <p:cNvPr id="2" name="Título 1">
+            <a:extLst>
+              <a:ext uri="{FF2B5EF4-FFF2-40B4-BE49-F238E27FC236}">
+                <a16:creationId xmlns:a16="http://schemas.microsoft.com/office/drawing/2014/main" id="{FAC98EFD-7C40-4CE4-8DC8-38C4C03E4B16}"/>
+              </a:ext>
+            </a:extLst>
+          </p:cNvPr>
+          <p:cNvSpPr>
+            <a:spLocks noGrp="1"/>
+          </p:cNvSpPr>
+          <p:nvPr>
+            <p:ph type="title"/>
+          </p:nvPr>
+        </p:nvSpPr>
+        <p:spPr/>
+        <p:txBody>
+          <a:bodyPr/>
+          <a:lstStyle/>
+          <a:p>
+            <a:endParaRPr lang="pt-BR"/>
+          </a:p>
+        </p:txBody>
+      </p:sp>
+      <p:pic>
+        <p:nvPicPr>
+          <p:cNvPr id="6" name="Picture 2" descr="Imagem relacionada">
+            <a:extLst>
+              <a:ext uri="{FF2B5EF4-FFF2-40B4-BE49-F238E27FC236}">
+                <a16:creationId xmlns:a16="http://schemas.microsoft.com/office/drawing/2014/main" id="{43D00C6B-D31C-4E12-AB4A-EF98AFFF122B}"/>
+              </a:ext>
+            </a:extLst>
+          </p:cNvPr>
+          <p:cNvPicPr>
+            <a:picLocks noChangeAspect="1" noChangeArrowheads="1"/>
+          </p:cNvPicPr>
+          <p:nvPr/>
+        </p:nvPicPr>
+        <p:blipFill>
+          <a:blip r:embed="rId2">
+            <a:extLst>
+              <a:ext uri="{BEBA8EAE-BF5A-486C-A8C5-ECC9F3942E4B}">
+                <a14:imgProps xmlns:a14="http://schemas.microsoft.com/office/drawing/2010/main">
+                  <a14:imgLayer r:embed="rId3">
+                    <a14:imgEffect>
+                      <a14:brightnessContrast bright="-25000" contrast="-10000"/>
+                    </a14:imgEffect>
+                  </a14:imgLayer>
+                </a14:imgProps>
+              </a:ext>
+              <a:ext uri="{28A0092B-C50C-407E-A947-70E740481C1C}">
+                <a14:useLocalDpi xmlns:a14="http://schemas.microsoft.com/office/drawing/2010/main" val="0"/>
+              </a:ext>
+            </a:extLst>
+          </a:blip>
+          <a:srcRect/>
+          <a:stretch>
+            <a:fillRect/>
+          </a:stretch>
+        </p:blipFill>
+        <p:spPr bwMode="auto">
+          <a:xfrm>
+            <a:off x="0" y="0"/>
+            <a:ext cx="12192000" cy="6858000"/>
+          </a:xfrm>
+          <a:prstGeom prst="rect">
+            <a:avLst/>
+          </a:prstGeom>
+          <a:noFill/>
+          <a:extLst>
+            <a:ext uri="{909E8E84-426E-40DD-AFC4-6F175D3DCCD1}">
+              <a14:hiddenFill xmlns:a14="http://schemas.microsoft.com/office/drawing/2010/main">
+                <a:solidFill>
+                  <a:srgbClr val="FFFFFF"/>
+                </a:solidFill>
+              </a14:hiddenFill>
+            </a:ext>
+          </a:extLst>
+        </p:spPr>
+      </p:pic>
+      <p:pic>
+        <p:nvPicPr>
+          <p:cNvPr id="1026" name="Picture 2" descr="Imagem relacionada">
+            <a:hlinkClick r:id="rId4" action="ppaction://hlinksldjump"/>
+            <a:extLst>
+              <a:ext uri="{FF2B5EF4-FFF2-40B4-BE49-F238E27FC236}">
+                <a16:creationId xmlns:a16="http://schemas.microsoft.com/office/drawing/2014/main" id="{61257A6D-A367-4522-B0E0-E055D6493DEB}"/>
+              </a:ext>
+            </a:extLst>
+          </p:cNvPr>
+          <p:cNvPicPr>
+            <a:picLocks noChangeAspect="1" noChangeArrowheads="1"/>
+          </p:cNvPicPr>
+          <p:nvPr/>
+        </p:nvPicPr>
+        <p:blipFill>
+          <a:blip r:embed="rId5">
+            <a:duotone>
+              <a:prstClr val="black"/>
+              <a:schemeClr val="accent4">
+                <a:tint val="45000"/>
+                <a:satMod val="400000"/>
+              </a:schemeClr>
+            </a:duotone>
+            <a:extLst>
+              <a:ext uri="{28A0092B-C50C-407E-A947-70E740481C1C}">
+                <a14:useLocalDpi xmlns:a14="http://schemas.microsoft.com/office/drawing/2010/main" val="0"/>
+              </a:ext>
+            </a:extLst>
+          </a:blip>
+          <a:srcRect/>
+          <a:stretch>
+            <a:fillRect/>
+          </a:stretch>
+        </p:blipFill>
+        <p:spPr bwMode="auto">
+          <a:xfrm>
+            <a:off x="11222603" y="5974418"/>
+            <a:ext cx="634034" cy="634034"/>
+          </a:xfrm>
+          <a:prstGeom prst="ellipse">
+            <a:avLst/>
+          </a:prstGeom>
+          <a:ln w="28575" cap="rnd">
+            <a:noFill/>
+          </a:ln>
+          <a:effectLst>
+            <a:outerShdw blurRad="107950" dist="12700" dir="5400000" algn="ctr">
+              <a:srgbClr val="000000"/>
+            </a:outerShdw>
+          </a:effectLst>
+          <a:scene3d>
+            <a:camera prst="orthographicFront">
+              <a:rot lat="0" lon="0" rev="0"/>
+            </a:camera>
+            <a:lightRig rig="soft" dir="t">
+              <a:rot lat="0" lon="0" rev="0"/>
+            </a:lightRig>
+          </a:scene3d>
+          <a:sp3d contourW="44450" prstMaterial="matte">
+            <a:bevelT w="63500" h="63500" prst="artDeco"/>
+            <a:contourClr>
+              <a:srgbClr val="FFFFFF"/>
+            </a:contourClr>
+          </a:sp3d>
+          <a:extLst>
+            <a:ext uri="{909E8E84-426E-40DD-AFC4-6F175D3DCCD1}">
+              <a14:hiddenFill xmlns:a14="http://schemas.microsoft.com/office/drawing/2010/main">
+                <a:solidFill>
+                  <a:srgbClr val="FFFFFF"/>
+                </a:solidFill>
+              </a14:hiddenFill>
+            </a:ext>
+          </a:extLst>
+        </p:spPr>
+      </p:pic>
+      <p:pic>
+        <p:nvPicPr>
+          <p:cNvPr id="7" name="Imagem 6">
+            <a:extLst>
+              <a:ext uri="{FF2B5EF4-FFF2-40B4-BE49-F238E27FC236}">
+                <a16:creationId xmlns:a16="http://schemas.microsoft.com/office/drawing/2014/main" id="{408F460B-FFD3-46B0-8EF8-0A9A92B16F77}"/>
               </a:ext>
             </a:extLst>
           </p:cNvPr>
@@ -4616,22 +6079,23 @@
         </p:blipFill>
         <p:spPr>
           <a:xfrm>
-            <a:off x="2683725" y="215744"/>
-            <a:ext cx="6824550" cy="6426511"/>
+            <a:off x="2675835" y="140977"/>
+            <a:ext cx="6840330" cy="6576045"/>
           </a:xfrm>
           <a:prstGeom prst="rect">
             <a:avLst/>
           </a:prstGeom>
           <a:ln w="38100" cap="sq">
             <a:solidFill>
-              <a:schemeClr val="tx1"/>
+              <a:srgbClr val="000000"/>
             </a:solidFill>
+            <a:prstDash val="solid"/>
             <a:miter lim="800000"/>
           </a:ln>
           <a:effectLst>
-            <a:outerShdw blurRad="57150" dist="50800" dir="2700000" algn="tl" rotWithShape="0">
+            <a:outerShdw blurRad="50800" dist="38100" dir="2700000" algn="tl" rotWithShape="0">
               <a:srgbClr val="000000">
-                <a:alpha val="40000"/>
+                <a:alpha val="43000"/>
               </a:srgbClr>
             </a:outerShdw>
           </a:effectLst>
@@ -5561,7 +7025,7 @@
         </p:nvCxnSpPr>
         <p:spPr>
           <a:xfrm>
-            <a:off x="7114227" y="2927150"/>
+            <a:off x="7185789" y="2936560"/>
             <a:ext cx="0" cy="501850"/>
           </a:xfrm>
           <a:prstGeom prst="line">
@@ -5591,6 +7055,7 @@
       <p:sp>
         <p:nvSpPr>
           <p:cNvPr id="27" name="Fluxograma: Processo Alternativo 26">
+            <a:hlinkClick r:id="rId4" action="ppaction://hlinksldjump"/>
             <a:extLst>
               <a:ext uri="{FF2B5EF4-FFF2-40B4-BE49-F238E27FC236}">
                 <a16:creationId xmlns:a16="http://schemas.microsoft.com/office/drawing/2014/main" id="{F545E5AE-4FE9-49D6-9F73-07C1DDF1D362}"/>
@@ -5602,8 +7067,8 @@
         </p:nvSpPr>
         <p:spPr>
           <a:xfrm>
-            <a:off x="3962776" y="3428999"/>
-            <a:ext cx="1808355" cy="412669"/>
+            <a:off x="4019418" y="3428999"/>
+            <a:ext cx="1751713" cy="412669"/>
           </a:xfrm>
           <a:prstGeom prst="flowChartAlternateProcess">
             <a:avLst/>
@@ -5676,7 +7141,7 @@
       <p:sp>
         <p:nvSpPr>
           <p:cNvPr id="28" name="Fluxograma: Processo Alternativo 27">
-            <a:hlinkClick r:id="rId4" action="ppaction://hlinksldjump"/>
+            <a:hlinkClick r:id="rId5" action="ppaction://hlinksldjump"/>
             <a:extLst>
               <a:ext uri="{FF2B5EF4-FFF2-40B4-BE49-F238E27FC236}">
                 <a16:creationId xmlns:a16="http://schemas.microsoft.com/office/drawing/2014/main" id="{DAA31134-AD1F-476B-BF31-E4199CB1938D}"/>
@@ -5762,6 +7227,7 @@
       <p:sp>
         <p:nvSpPr>
           <p:cNvPr id="29" name="Fluxograma: Processo Alternativo 28">
+            <a:hlinkClick r:id="rId6" action="ppaction://hlinksldjump"/>
             <a:extLst>
               <a:ext uri="{FF2B5EF4-FFF2-40B4-BE49-F238E27FC236}">
                 <a16:creationId xmlns:a16="http://schemas.microsoft.com/office/drawing/2014/main" id="{0B1291CA-CD98-46A5-BD99-5139A8F52FB6}"/>
@@ -5773,7 +7239,7 @@
         </p:nvSpPr>
         <p:spPr>
           <a:xfrm>
-            <a:off x="6501738" y="3428999"/>
+            <a:off x="6337503" y="3438410"/>
             <a:ext cx="1751713" cy="412669"/>
           </a:xfrm>
           <a:prstGeom prst="flowChartAlternateProcess">
@@ -5847,6 +7313,7 @@
       <p:sp>
         <p:nvSpPr>
           <p:cNvPr id="30" name="Fluxograma: Processo Alternativo 29">
+            <a:hlinkClick r:id="rId7" action="ppaction://hlinksldjump"/>
             <a:extLst>
               <a:ext uri="{FF2B5EF4-FFF2-40B4-BE49-F238E27FC236}">
                 <a16:creationId xmlns:a16="http://schemas.microsoft.com/office/drawing/2014/main" id="{F72D817B-48CE-4086-BAC0-09617DE982C0}"/>
@@ -5945,7 +7412,7 @@
         </p:nvCxnSpPr>
         <p:spPr>
           <a:xfrm>
-            <a:off x="4835847" y="2927150"/>
+            <a:off x="4867652" y="2927149"/>
             <a:ext cx="0" cy="501850"/>
           </a:xfrm>
           <a:prstGeom prst="line">
@@ -5975,7 +7442,7 @@
       <p:pic>
         <p:nvPicPr>
           <p:cNvPr id="37" name="Picture 2" descr="Imagem relacionada">
-            <a:hlinkClick r:id="rId5" action="ppaction://hlinksldjump"/>
+            <a:hlinkClick r:id="rId8" action="ppaction://hlinksldjump"/>
             <a:extLst>
               <a:ext uri="{FF2B5EF4-FFF2-40B4-BE49-F238E27FC236}">
                 <a16:creationId xmlns:a16="http://schemas.microsoft.com/office/drawing/2014/main" id="{54C82F13-CA69-4380-BB80-C80478AF3B50}"/>
@@ -5988,7 +7455,7 @@
           <p:nvPr/>
         </p:nvPicPr>
         <p:blipFill>
-          <a:blip r:embed="rId6">
+          <a:blip r:embed="rId9">
             <a:duotone>
               <a:prstClr val="black"/>
               <a:schemeClr val="accent4">
@@ -6415,7 +7882,7 @@
             <a:avLst/>
           </a:prstGeom>
           <a:solidFill>
-            <a:srgbClr val="FAE180"/>
+            <a:srgbClr val="F2DA7C"/>
           </a:solidFill>
           <a:ln w="9525">
             <a:solidFill>
@@ -6904,7 +8371,7 @@
         </p:nvSpPr>
         <p:spPr>
           <a:xfrm>
-            <a:off x="5038732" y="5448732"/>
+            <a:off x="5038728" y="5448732"/>
             <a:ext cx="2356595" cy="728223"/>
           </a:xfrm>
           <a:prstGeom prst="flowChartAlternateProcess">
@@ -7099,7 +8566,7 @@
           <p:cNvPr id="2" name="Título 1">
             <a:extLst>
               <a:ext uri="{FF2B5EF4-FFF2-40B4-BE49-F238E27FC236}">
-                <a16:creationId xmlns:a16="http://schemas.microsoft.com/office/drawing/2014/main" id="{4F05F5BE-7D4D-42B7-804E-AC34012D6CBC}"/>
+                <a16:creationId xmlns:a16="http://schemas.microsoft.com/office/drawing/2014/main" id="{D5DBE04F-21F2-4286-A3F4-7884CE4EACD0}"/>
               </a:ext>
             </a:extLst>
           </p:cNvPr>
@@ -7124,7 +8591,7 @@
           <p:cNvPr id="3" name="Espaço Reservado para Conteúdo 2">
             <a:extLst>
               <a:ext uri="{FF2B5EF4-FFF2-40B4-BE49-F238E27FC236}">
-                <a16:creationId xmlns:a16="http://schemas.microsoft.com/office/drawing/2014/main" id="{DC4AD8FB-D80C-4682-A847-A9F6B3080C02}"/>
+                <a16:creationId xmlns:a16="http://schemas.microsoft.com/office/drawing/2014/main" id="{FD3F10E0-6A93-4C13-80B8-632AFDB720A4}"/>
               </a:ext>
             </a:extLst>
           </p:cNvPr>
@@ -7149,7 +8616,7 @@
           <p:cNvPr id="4" name="Picture 2" descr="Imagem relacionada">
             <a:extLst>
               <a:ext uri="{FF2B5EF4-FFF2-40B4-BE49-F238E27FC236}">
-                <a16:creationId xmlns:a16="http://schemas.microsoft.com/office/drawing/2014/main" id="{D9FFC1EB-DAF9-4298-A2D6-87186544151F}"/>
+                <a16:creationId xmlns:a16="http://schemas.microsoft.com/office/drawing/2014/main" id="{2065F662-3010-4453-B4CE-371BDCD69EAE}"/>
               </a:ext>
             </a:extLst>
           </p:cNvPr>
@@ -7200,836 +8667,13 @@
           </a:extLst>
         </p:spPr>
       </p:pic>
-      <p:sp>
-        <p:nvSpPr>
-          <p:cNvPr id="5" name="Fluxograma: Processo Alternativo 4">
-            <a:extLst>
-              <a:ext uri="{FF2B5EF4-FFF2-40B4-BE49-F238E27FC236}">
-                <a16:creationId xmlns:a16="http://schemas.microsoft.com/office/drawing/2014/main" id="{6F559118-EE49-4F09-9F57-26D56DBF2B9E}"/>
-              </a:ext>
-            </a:extLst>
-          </p:cNvPr>
-          <p:cNvSpPr/>
-          <p:nvPr/>
-        </p:nvSpPr>
-        <p:spPr>
-          <a:xfrm>
-            <a:off x="1499482" y="476312"/>
-            <a:ext cx="2121529" cy="458836"/>
-          </a:xfrm>
-          <a:prstGeom prst="flowChartAlternateProcess">
-            <a:avLst/>
-          </a:prstGeom>
-          <a:solidFill>
-            <a:srgbClr val="8CD0F6"/>
-          </a:solidFill>
-          <a:ln w="9525">
-            <a:solidFill>
-              <a:schemeClr val="tx1">
-                <a:lumMod val="95000"/>
-                <a:lumOff val="5000"/>
-              </a:schemeClr>
-            </a:solidFill>
-          </a:ln>
-          <a:effectLst>
-            <a:outerShdw blurRad="107950" dist="12700" dir="5400000" algn="ctr">
-              <a:srgbClr val="000000"/>
-            </a:outerShdw>
-          </a:effectLst>
-          <a:scene3d>
-            <a:camera prst="orthographicFront">
-              <a:rot lat="0" lon="0" rev="0"/>
-            </a:camera>
-            <a:lightRig rig="soft" dir="t">
-              <a:rot lat="0" lon="0" rev="0"/>
-            </a:lightRig>
-          </a:scene3d>
-          <a:sp3d contourW="44450" prstMaterial="matte">
-            <a:bevelT w="63500" h="63500" prst="artDeco"/>
-            <a:contourClr>
-              <a:schemeClr val="tx1"/>
-            </a:contourClr>
-          </a:sp3d>
-        </p:spPr>
-        <p:style>
-          <a:lnRef idx="2">
-            <a:schemeClr val="accent1">
-              <a:shade val="50000"/>
-            </a:schemeClr>
-          </a:lnRef>
-          <a:fillRef idx="1">
-            <a:schemeClr val="accent1"/>
-          </a:fillRef>
-          <a:effectRef idx="0">
-            <a:schemeClr val="accent1"/>
-          </a:effectRef>
-          <a:fontRef idx="minor">
-            <a:schemeClr val="lt1"/>
-          </a:fontRef>
-        </p:style>
-        <p:txBody>
-          <a:bodyPr rtlCol="0" anchor="ctr"/>
-          <a:lstStyle/>
-          <a:p>
-            <a:pPr algn="ctr"/>
-            <a:r>
-              <a:rPr lang="pt-BR" sz="2600" dirty="0">
-                <a:solidFill>
-                  <a:schemeClr val="tx1"/>
-                </a:solidFill>
-                <a:latin typeface="Times New Roman" panose="02020603050405020304" pitchFamily="18" charset="0"/>
-                <a:cs typeface="Times New Roman" panose="02020603050405020304" pitchFamily="18" charset="0"/>
-              </a:rPr>
-              <a:t>Planejamento</a:t>
-            </a:r>
-          </a:p>
-        </p:txBody>
-      </p:sp>
-      <p:sp>
-        <p:nvSpPr>
-          <p:cNvPr id="7" name="Fluxograma: Processo Alternativo 6">
-            <a:extLst>
-              <a:ext uri="{FF2B5EF4-FFF2-40B4-BE49-F238E27FC236}">
-                <a16:creationId xmlns:a16="http://schemas.microsoft.com/office/drawing/2014/main" id="{B670E2F5-F5AD-4984-B55F-1ECD8F10F1BC}"/>
-              </a:ext>
-            </a:extLst>
-          </p:cNvPr>
-          <p:cNvSpPr/>
-          <p:nvPr/>
-        </p:nvSpPr>
-        <p:spPr>
-          <a:xfrm>
-            <a:off x="3621010" y="1631251"/>
-            <a:ext cx="2121529" cy="458836"/>
-          </a:xfrm>
-          <a:prstGeom prst="flowChartAlternateProcess">
-            <a:avLst/>
-          </a:prstGeom>
-          <a:solidFill>
-            <a:srgbClr val="8CD0F6"/>
-          </a:solidFill>
-          <a:ln w="9525">
-            <a:solidFill>
-              <a:schemeClr val="tx1">
-                <a:lumMod val="95000"/>
-                <a:lumOff val="5000"/>
-              </a:schemeClr>
-            </a:solidFill>
-          </a:ln>
-          <a:effectLst>
-            <a:outerShdw blurRad="107950" dist="12700" dir="5400000" algn="ctr">
-              <a:srgbClr val="000000"/>
-            </a:outerShdw>
-          </a:effectLst>
-          <a:scene3d>
-            <a:camera prst="orthographicFront">
-              <a:rot lat="0" lon="0" rev="0"/>
-            </a:camera>
-            <a:lightRig rig="soft" dir="t">
-              <a:rot lat="0" lon="0" rev="0"/>
-            </a:lightRig>
-          </a:scene3d>
-          <a:sp3d contourW="44450" prstMaterial="matte">
-            <a:bevelT w="63500" h="63500" prst="artDeco"/>
-            <a:contourClr>
-              <a:schemeClr val="tx1"/>
-            </a:contourClr>
-          </a:sp3d>
-        </p:spPr>
-        <p:style>
-          <a:lnRef idx="2">
-            <a:schemeClr val="accent1">
-              <a:shade val="50000"/>
-            </a:schemeClr>
-          </a:lnRef>
-          <a:fillRef idx="1">
-            <a:schemeClr val="accent1"/>
-          </a:fillRef>
-          <a:effectRef idx="0">
-            <a:schemeClr val="accent1"/>
-          </a:effectRef>
-          <a:fontRef idx="minor">
-            <a:schemeClr val="lt1"/>
-          </a:fontRef>
-        </p:style>
-        <p:txBody>
-          <a:bodyPr rtlCol="0" anchor="ctr"/>
-          <a:lstStyle/>
-          <a:p>
-            <a:pPr algn="ctr"/>
-            <a:r>
-              <a:rPr lang="pt-BR" sz="2600" dirty="0">
-                <a:solidFill>
-                  <a:schemeClr val="tx1"/>
-                </a:solidFill>
-                <a:latin typeface="Times New Roman" panose="02020603050405020304" pitchFamily="18" charset="0"/>
-                <a:cs typeface="Times New Roman" panose="02020603050405020304" pitchFamily="18" charset="0"/>
-              </a:rPr>
-              <a:t>Elaboração</a:t>
-            </a:r>
-          </a:p>
-        </p:txBody>
-      </p:sp>
-      <p:sp>
-        <p:nvSpPr>
-          <p:cNvPr id="8" name="Fluxograma: Processo Alternativo 7">
-            <a:extLst>
-              <a:ext uri="{FF2B5EF4-FFF2-40B4-BE49-F238E27FC236}">
-                <a16:creationId xmlns:a16="http://schemas.microsoft.com/office/drawing/2014/main" id="{F71AAEF8-2132-4A7D-AC65-BBA8F1A35306}"/>
-              </a:ext>
-            </a:extLst>
-          </p:cNvPr>
-          <p:cNvSpPr/>
-          <p:nvPr/>
-        </p:nvSpPr>
-        <p:spPr>
-          <a:xfrm>
-            <a:off x="5742541" y="2770614"/>
-            <a:ext cx="2121529" cy="458836"/>
-          </a:xfrm>
-          <a:prstGeom prst="flowChartAlternateProcess">
-            <a:avLst/>
-          </a:prstGeom>
-          <a:solidFill>
-            <a:srgbClr val="8CD0F6"/>
-          </a:solidFill>
-          <a:ln w="9525">
-            <a:solidFill>
-              <a:schemeClr val="tx1">
-                <a:lumMod val="95000"/>
-                <a:lumOff val="5000"/>
-              </a:schemeClr>
-            </a:solidFill>
-          </a:ln>
-          <a:effectLst>
-            <a:outerShdw blurRad="107950" dist="12700" dir="5400000" algn="ctr">
-              <a:srgbClr val="000000"/>
-            </a:outerShdw>
-          </a:effectLst>
-          <a:scene3d>
-            <a:camera prst="orthographicFront">
-              <a:rot lat="0" lon="0" rev="0"/>
-            </a:camera>
-            <a:lightRig rig="soft" dir="t">
-              <a:rot lat="0" lon="0" rev="0"/>
-            </a:lightRig>
-          </a:scene3d>
-          <a:sp3d contourW="44450" prstMaterial="matte">
-            <a:bevelT w="63500" h="63500" prst="artDeco"/>
-            <a:contourClr>
-              <a:schemeClr val="tx1"/>
-            </a:contourClr>
-          </a:sp3d>
-        </p:spPr>
-        <p:style>
-          <a:lnRef idx="2">
-            <a:schemeClr val="accent1">
-              <a:shade val="50000"/>
-            </a:schemeClr>
-          </a:lnRef>
-          <a:fillRef idx="1">
-            <a:schemeClr val="accent1"/>
-          </a:fillRef>
-          <a:effectRef idx="0">
-            <a:schemeClr val="accent1"/>
-          </a:effectRef>
-          <a:fontRef idx="minor">
-            <a:schemeClr val="lt1"/>
-          </a:fontRef>
-        </p:style>
-        <p:txBody>
-          <a:bodyPr rtlCol="0" anchor="ctr"/>
-          <a:lstStyle/>
-          <a:p>
-            <a:pPr algn="ctr"/>
-            <a:r>
-              <a:rPr lang="pt-BR" sz="2600" dirty="0">
-                <a:solidFill>
-                  <a:schemeClr val="tx1"/>
-                </a:solidFill>
-                <a:latin typeface="Times New Roman" panose="02020603050405020304" pitchFamily="18" charset="0"/>
-                <a:cs typeface="Times New Roman" panose="02020603050405020304" pitchFamily="18" charset="0"/>
-              </a:rPr>
-              <a:t>Construção</a:t>
-            </a:r>
-          </a:p>
-        </p:txBody>
-      </p:sp>
-      <p:sp>
-        <p:nvSpPr>
-          <p:cNvPr id="9" name="Fluxograma: Processo Alternativo 8">
-            <a:extLst>
-              <a:ext uri="{FF2B5EF4-FFF2-40B4-BE49-F238E27FC236}">
-                <a16:creationId xmlns:a16="http://schemas.microsoft.com/office/drawing/2014/main" id="{0836454F-52A1-4BA3-950E-3C024924D7D3}"/>
-              </a:ext>
-            </a:extLst>
-          </p:cNvPr>
-          <p:cNvSpPr/>
-          <p:nvPr/>
-        </p:nvSpPr>
-        <p:spPr>
-          <a:xfrm>
-            <a:off x="7864069" y="3792342"/>
-            <a:ext cx="2121529" cy="458836"/>
-          </a:xfrm>
-          <a:prstGeom prst="flowChartAlternateProcess">
-            <a:avLst/>
-          </a:prstGeom>
-          <a:solidFill>
-            <a:srgbClr val="8CD0F6"/>
-          </a:solidFill>
-          <a:ln w="9525">
-            <a:solidFill>
-              <a:schemeClr val="tx1">
-                <a:lumMod val="95000"/>
-                <a:lumOff val="5000"/>
-              </a:schemeClr>
-            </a:solidFill>
-          </a:ln>
-          <a:effectLst>
-            <a:outerShdw blurRad="107950" dist="12700" dir="5400000" algn="ctr">
-              <a:srgbClr val="000000"/>
-            </a:outerShdw>
-          </a:effectLst>
-          <a:scene3d>
-            <a:camera prst="orthographicFront">
-              <a:rot lat="0" lon="0" rev="0"/>
-            </a:camera>
-            <a:lightRig rig="soft" dir="t">
-              <a:rot lat="0" lon="0" rev="0"/>
-            </a:lightRig>
-          </a:scene3d>
-          <a:sp3d contourW="44450" prstMaterial="matte">
-            <a:bevelT w="63500" h="63500" prst="artDeco"/>
-            <a:contourClr>
-              <a:schemeClr val="tx1"/>
-            </a:contourClr>
-          </a:sp3d>
-        </p:spPr>
-        <p:style>
-          <a:lnRef idx="2">
-            <a:schemeClr val="accent1">
-              <a:shade val="50000"/>
-            </a:schemeClr>
-          </a:lnRef>
-          <a:fillRef idx="1">
-            <a:schemeClr val="accent1"/>
-          </a:fillRef>
-          <a:effectRef idx="0">
-            <a:schemeClr val="accent1"/>
-          </a:effectRef>
-          <a:fontRef idx="minor">
-            <a:schemeClr val="lt1"/>
-          </a:fontRef>
-        </p:style>
-        <p:txBody>
-          <a:bodyPr rtlCol="0" anchor="ctr"/>
-          <a:lstStyle/>
-          <a:p>
-            <a:pPr algn="ctr"/>
-            <a:r>
-              <a:rPr lang="pt-BR" sz="2600" dirty="0">
-                <a:solidFill>
-                  <a:schemeClr val="tx1"/>
-                </a:solidFill>
-                <a:latin typeface="Times New Roman" panose="02020603050405020304" pitchFamily="18" charset="0"/>
-                <a:cs typeface="Times New Roman" panose="02020603050405020304" pitchFamily="18" charset="0"/>
-              </a:rPr>
-              <a:t>Encerramento</a:t>
-            </a:r>
-          </a:p>
-        </p:txBody>
-      </p:sp>
-      <p:sp>
-        <p:nvSpPr>
-          <p:cNvPr id="10" name="Fluxograma: Processo Alternativo 9">
-            <a:extLst>
-              <a:ext uri="{FF2B5EF4-FFF2-40B4-BE49-F238E27FC236}">
-                <a16:creationId xmlns:a16="http://schemas.microsoft.com/office/drawing/2014/main" id="{9DAAE329-CFF1-45B1-85CB-C97230E61CC0}"/>
-              </a:ext>
-            </a:extLst>
-          </p:cNvPr>
-          <p:cNvSpPr/>
-          <p:nvPr/>
-        </p:nvSpPr>
-        <p:spPr>
-          <a:xfrm>
-            <a:off x="1499479" y="3792342"/>
-            <a:ext cx="2415292" cy="458836"/>
-          </a:xfrm>
-          <a:prstGeom prst="flowChartAlternateProcess">
-            <a:avLst/>
-          </a:prstGeom>
-          <a:solidFill>
-            <a:srgbClr val="8CD0F6"/>
-          </a:solidFill>
-          <a:ln w="9525">
-            <a:solidFill>
-              <a:schemeClr val="tx1">
-                <a:lumMod val="95000"/>
-                <a:lumOff val="5000"/>
-              </a:schemeClr>
-            </a:solidFill>
-          </a:ln>
-          <a:effectLst>
-            <a:outerShdw blurRad="107950" dist="12700" dir="5400000" algn="ctr">
-              <a:srgbClr val="000000"/>
-            </a:outerShdw>
-          </a:effectLst>
-          <a:scene3d>
-            <a:camera prst="orthographicFront">
-              <a:rot lat="0" lon="0" rev="0"/>
-            </a:camera>
-            <a:lightRig rig="soft" dir="t">
-              <a:rot lat="0" lon="0" rev="0"/>
-            </a:lightRig>
-          </a:scene3d>
-          <a:sp3d contourW="44450" prstMaterial="matte">
-            <a:bevelT w="63500" h="63500" prst="artDeco"/>
-            <a:contourClr>
-              <a:schemeClr val="tx1"/>
-            </a:contourClr>
-          </a:sp3d>
-        </p:spPr>
-        <p:style>
-          <a:lnRef idx="2">
-            <a:schemeClr val="accent1">
-              <a:shade val="50000"/>
-            </a:schemeClr>
-          </a:lnRef>
-          <a:fillRef idx="1">
-            <a:schemeClr val="accent1"/>
-          </a:fillRef>
-          <a:effectRef idx="0">
-            <a:schemeClr val="accent1"/>
-          </a:effectRef>
-          <a:fontRef idx="minor">
-            <a:schemeClr val="lt1"/>
-          </a:fontRef>
-        </p:style>
-        <p:txBody>
-          <a:bodyPr rtlCol="0" anchor="ctr"/>
-          <a:lstStyle/>
-          <a:p>
-            <a:pPr algn="ctr"/>
-            <a:r>
-              <a:rPr lang="pt-BR" sz="2600" dirty="0">
-                <a:solidFill>
-                  <a:schemeClr val="tx1"/>
-                </a:solidFill>
-                <a:latin typeface="Times New Roman" panose="02020603050405020304" pitchFamily="18" charset="0"/>
-                <a:cs typeface="Times New Roman" panose="02020603050405020304" pitchFamily="18" charset="0"/>
-              </a:rPr>
-              <a:t>Monitoramento</a:t>
-            </a:r>
-          </a:p>
-        </p:txBody>
-      </p:sp>
-      <p:cxnSp>
-        <p:nvCxnSpPr>
-          <p:cNvPr id="12" name="Conector: Angulado 11">
-            <a:extLst>
-              <a:ext uri="{FF2B5EF4-FFF2-40B4-BE49-F238E27FC236}">
-                <a16:creationId xmlns:a16="http://schemas.microsoft.com/office/drawing/2014/main" id="{E01E0FDB-E680-4460-A56B-92F4F14D3AAE}"/>
-              </a:ext>
-            </a:extLst>
-          </p:cNvPr>
-          <p:cNvCxnSpPr>
-            <a:cxnSpLocks/>
-          </p:cNvCxnSpPr>
-          <p:nvPr/>
-        </p:nvCxnSpPr>
-        <p:spPr>
-          <a:xfrm>
-            <a:off x="3621011" y="730699"/>
-            <a:ext cx="1060764" cy="764396"/>
-          </a:xfrm>
-          <a:prstGeom prst="bentConnector3">
-            <a:avLst>
-              <a:gd name="adj1" fmla="val 100285"/>
-            </a:avLst>
-          </a:prstGeom>
-          <a:ln w="28575">
-            <a:solidFill>
-              <a:schemeClr val="tx1"/>
-            </a:solidFill>
-            <a:tailEnd type="triangle"/>
-          </a:ln>
-        </p:spPr>
-        <p:style>
-          <a:lnRef idx="1">
-            <a:schemeClr val="dk1"/>
-          </a:lnRef>
-          <a:fillRef idx="0">
-            <a:schemeClr val="dk1"/>
-          </a:fillRef>
-          <a:effectRef idx="0">
-            <a:schemeClr val="dk1"/>
-          </a:effectRef>
-          <a:fontRef idx="minor">
-            <a:schemeClr val="tx1"/>
-          </a:fontRef>
-        </p:style>
-      </p:cxnSp>
-      <p:cxnSp>
-        <p:nvCxnSpPr>
-          <p:cNvPr id="18" name="Conector: Angulado 17">
-            <a:extLst>
-              <a:ext uri="{FF2B5EF4-FFF2-40B4-BE49-F238E27FC236}">
-                <a16:creationId xmlns:a16="http://schemas.microsoft.com/office/drawing/2014/main" id="{CEE39E13-F93E-4548-BB36-23DCA842DBAB}"/>
-              </a:ext>
-            </a:extLst>
-          </p:cNvPr>
-          <p:cNvCxnSpPr>
-            <a:cxnSpLocks/>
-          </p:cNvCxnSpPr>
-          <p:nvPr/>
-        </p:nvCxnSpPr>
-        <p:spPr>
-          <a:xfrm>
-            <a:off x="5742539" y="1868437"/>
-            <a:ext cx="1060764" cy="764396"/>
-          </a:xfrm>
-          <a:prstGeom prst="bentConnector3">
-            <a:avLst>
-              <a:gd name="adj1" fmla="val 100285"/>
-            </a:avLst>
-          </a:prstGeom>
-          <a:ln w="28575">
-            <a:solidFill>
-              <a:schemeClr val="tx1"/>
-            </a:solidFill>
-            <a:tailEnd type="triangle"/>
-          </a:ln>
-        </p:spPr>
-        <p:style>
-          <a:lnRef idx="1">
-            <a:schemeClr val="dk1"/>
-          </a:lnRef>
-          <a:fillRef idx="0">
-            <a:schemeClr val="dk1"/>
-          </a:fillRef>
-          <a:effectRef idx="0">
-            <a:schemeClr val="dk1"/>
-          </a:effectRef>
-          <a:fontRef idx="minor">
-            <a:schemeClr val="tx1"/>
-          </a:fontRef>
-        </p:style>
-      </p:cxnSp>
-      <p:cxnSp>
-        <p:nvCxnSpPr>
-          <p:cNvPr id="19" name="Conector: Angulado 18">
-            <a:extLst>
-              <a:ext uri="{FF2B5EF4-FFF2-40B4-BE49-F238E27FC236}">
-                <a16:creationId xmlns:a16="http://schemas.microsoft.com/office/drawing/2014/main" id="{F7A9D8C8-6F8A-47E7-848E-DDBD0EABBA44}"/>
-              </a:ext>
-            </a:extLst>
-          </p:cNvPr>
-          <p:cNvCxnSpPr>
-            <a:cxnSpLocks/>
-          </p:cNvCxnSpPr>
-          <p:nvPr/>
-        </p:nvCxnSpPr>
-        <p:spPr>
-          <a:xfrm>
-            <a:off x="7864070" y="2982189"/>
-            <a:ext cx="1060764" cy="764396"/>
-          </a:xfrm>
-          <a:prstGeom prst="bentConnector3">
-            <a:avLst>
-              <a:gd name="adj1" fmla="val 100285"/>
-            </a:avLst>
-          </a:prstGeom>
-          <a:ln w="28575">
-            <a:solidFill>
-              <a:schemeClr val="tx1"/>
-            </a:solidFill>
-            <a:tailEnd type="triangle"/>
-          </a:ln>
-        </p:spPr>
-        <p:style>
-          <a:lnRef idx="1">
-            <a:schemeClr val="dk1"/>
-          </a:lnRef>
-          <a:fillRef idx="0">
-            <a:schemeClr val="dk1"/>
-          </a:fillRef>
-          <a:effectRef idx="0">
-            <a:schemeClr val="dk1"/>
-          </a:effectRef>
-          <a:fontRef idx="minor">
-            <a:schemeClr val="tx1"/>
-          </a:fontRef>
-        </p:style>
-      </p:cxnSp>
-      <p:cxnSp>
-        <p:nvCxnSpPr>
-          <p:cNvPr id="21" name="Conector de Seta Reta 20">
-            <a:extLst>
-              <a:ext uri="{FF2B5EF4-FFF2-40B4-BE49-F238E27FC236}">
-                <a16:creationId xmlns:a16="http://schemas.microsoft.com/office/drawing/2014/main" id="{B764D1B7-02C3-47AB-AA28-9128829ADD13}"/>
-              </a:ext>
-            </a:extLst>
-          </p:cNvPr>
-          <p:cNvCxnSpPr>
-            <a:cxnSpLocks/>
-          </p:cNvCxnSpPr>
-          <p:nvPr/>
-        </p:nvCxnSpPr>
-        <p:spPr>
-          <a:xfrm flipH="1">
-            <a:off x="2560246" y="1027906"/>
-            <a:ext cx="7546" cy="2648744"/>
-          </a:xfrm>
-          <a:prstGeom prst="straightConnector1">
-            <a:avLst/>
-          </a:prstGeom>
-          <a:ln w="28575">
-            <a:headEnd type="triangle"/>
-            <a:tailEnd type="triangle"/>
-          </a:ln>
-        </p:spPr>
-        <p:style>
-          <a:lnRef idx="1">
-            <a:schemeClr val="dk1"/>
-          </a:lnRef>
-          <a:fillRef idx="0">
-            <a:schemeClr val="dk1"/>
-          </a:fillRef>
-          <a:effectRef idx="0">
-            <a:schemeClr val="dk1"/>
-          </a:effectRef>
-          <a:fontRef idx="minor">
-            <a:schemeClr val="tx1"/>
-          </a:fontRef>
-        </p:style>
-      </p:cxnSp>
-      <p:cxnSp>
-        <p:nvCxnSpPr>
-          <p:cNvPr id="25" name="Conector de Seta Reta 24">
-            <a:extLst>
-              <a:ext uri="{FF2B5EF4-FFF2-40B4-BE49-F238E27FC236}">
-                <a16:creationId xmlns:a16="http://schemas.microsoft.com/office/drawing/2014/main" id="{5D705DA7-BC52-46C9-9603-82C9BB6A6341}"/>
-              </a:ext>
-            </a:extLst>
-          </p:cNvPr>
-          <p:cNvCxnSpPr>
-            <a:cxnSpLocks/>
-          </p:cNvCxnSpPr>
-          <p:nvPr/>
-        </p:nvCxnSpPr>
-        <p:spPr>
-          <a:xfrm>
-            <a:off x="3990975" y="4001294"/>
-            <a:ext cx="3752850" cy="0"/>
-          </a:xfrm>
-          <a:prstGeom prst="straightConnector1">
-            <a:avLst/>
-          </a:prstGeom>
-          <a:ln w="28575">
-            <a:headEnd type="triangle"/>
-            <a:tailEnd type="triangle"/>
-          </a:ln>
-        </p:spPr>
-        <p:style>
-          <a:lnRef idx="1">
-            <a:schemeClr val="dk1"/>
-          </a:lnRef>
-          <a:fillRef idx="0">
-            <a:schemeClr val="dk1"/>
-          </a:fillRef>
-          <a:effectRef idx="0">
-            <a:schemeClr val="dk1"/>
-          </a:effectRef>
-          <a:fontRef idx="minor">
-            <a:schemeClr val="tx1"/>
-          </a:fontRef>
-        </p:style>
-      </p:cxnSp>
-      <p:cxnSp>
-        <p:nvCxnSpPr>
-          <p:cNvPr id="28" name="Conector de Seta Reta 27">
-            <a:extLst>
-              <a:ext uri="{FF2B5EF4-FFF2-40B4-BE49-F238E27FC236}">
-                <a16:creationId xmlns:a16="http://schemas.microsoft.com/office/drawing/2014/main" id="{CB383F12-0598-421C-9E30-1DCF3BF480F9}"/>
-              </a:ext>
-            </a:extLst>
-          </p:cNvPr>
-          <p:cNvCxnSpPr>
-            <a:cxnSpLocks/>
-          </p:cNvCxnSpPr>
-          <p:nvPr/>
-        </p:nvCxnSpPr>
-        <p:spPr>
-          <a:xfrm flipV="1">
-            <a:off x="6803303" y="3364387"/>
-            <a:ext cx="0" cy="652526"/>
-          </a:xfrm>
-          <a:prstGeom prst="straightConnector1">
-            <a:avLst/>
-          </a:prstGeom>
-          <a:ln w="28575">
-            <a:tailEnd type="triangle"/>
-          </a:ln>
-        </p:spPr>
-        <p:style>
-          <a:lnRef idx="1">
-            <a:schemeClr val="dk1"/>
-          </a:lnRef>
-          <a:fillRef idx="0">
-            <a:schemeClr val="dk1"/>
-          </a:fillRef>
-          <a:effectRef idx="0">
-            <a:schemeClr val="dk1"/>
-          </a:effectRef>
-          <a:fontRef idx="minor">
-            <a:schemeClr val="tx1"/>
-          </a:fontRef>
-        </p:style>
-      </p:cxnSp>
-      <p:cxnSp>
-        <p:nvCxnSpPr>
-          <p:cNvPr id="29" name="Conector de Seta Reta 28">
-            <a:extLst>
-              <a:ext uri="{FF2B5EF4-FFF2-40B4-BE49-F238E27FC236}">
-                <a16:creationId xmlns:a16="http://schemas.microsoft.com/office/drawing/2014/main" id="{7C0B8395-4682-43C1-81D2-5F5D0B9464F0}"/>
-              </a:ext>
-            </a:extLst>
-          </p:cNvPr>
-          <p:cNvCxnSpPr>
-            <a:cxnSpLocks/>
-          </p:cNvCxnSpPr>
-          <p:nvPr/>
-        </p:nvCxnSpPr>
-        <p:spPr>
-          <a:xfrm flipV="1">
-            <a:off x="4681774" y="2181226"/>
-            <a:ext cx="0" cy="1835687"/>
-          </a:xfrm>
-          <a:prstGeom prst="straightConnector1">
-            <a:avLst/>
-          </a:prstGeom>
-          <a:ln w="28575">
-            <a:tailEnd type="triangle"/>
-          </a:ln>
-        </p:spPr>
-        <p:style>
-          <a:lnRef idx="1">
-            <a:schemeClr val="dk1"/>
-          </a:lnRef>
-          <a:fillRef idx="0">
-            <a:schemeClr val="dk1"/>
-          </a:fillRef>
-          <a:effectRef idx="0">
-            <a:schemeClr val="dk1"/>
-          </a:effectRef>
-          <a:fontRef idx="minor">
-            <a:schemeClr val="tx1"/>
-          </a:fontRef>
-        </p:style>
-      </p:cxnSp>
-      <p:sp>
-        <p:nvSpPr>
-          <p:cNvPr id="34" name="Retângulo: Cantos Arredondados 33">
-            <a:extLst>
-              <a:ext uri="{FF2B5EF4-FFF2-40B4-BE49-F238E27FC236}">
-                <a16:creationId xmlns:a16="http://schemas.microsoft.com/office/drawing/2014/main" id="{630366FA-3833-409A-A12B-1E5A492F665C}"/>
-              </a:ext>
-            </a:extLst>
-          </p:cNvPr>
-          <p:cNvSpPr/>
-          <p:nvPr/>
-        </p:nvSpPr>
-        <p:spPr>
-          <a:xfrm>
-            <a:off x="619126" y="4931705"/>
-            <a:ext cx="10201274" cy="1726585"/>
-          </a:xfrm>
-          <a:prstGeom prst="roundRect">
-            <a:avLst/>
-          </a:prstGeom>
-          <a:solidFill>
-            <a:schemeClr val="bg1">
-              <a:alpha val="44000"/>
-            </a:schemeClr>
-          </a:solidFill>
-          <a:ln w="25400">
-            <a:solidFill>
-              <a:schemeClr val="tx1"/>
-            </a:solidFill>
-          </a:ln>
-        </p:spPr>
-        <p:style>
-          <a:lnRef idx="2">
-            <a:schemeClr val="accent1">
-              <a:shade val="50000"/>
-            </a:schemeClr>
-          </a:lnRef>
-          <a:fillRef idx="1">
-            <a:schemeClr val="accent1"/>
-          </a:fillRef>
-          <a:effectRef idx="0">
-            <a:schemeClr val="accent1"/>
-          </a:effectRef>
-          <a:fontRef idx="minor">
-            <a:schemeClr val="lt1"/>
-          </a:fontRef>
-        </p:style>
-        <p:txBody>
-          <a:bodyPr rtlCol="0" anchor="t"/>
-          <a:lstStyle/>
-          <a:p>
-            <a:pPr algn="just"/>
-            <a:r>
-              <a:rPr lang="pt-BR" dirty="0">
-                <a:ln w="0"/>
-                <a:solidFill>
-                  <a:schemeClr val="tx1"/>
-                </a:solidFill>
-                <a:effectLst>
-                  <a:outerShdw blurRad="38100" dist="19050" dir="2700000" algn="tl" rotWithShape="0">
-                    <a:schemeClr val="dk1">
-                      <a:alpha val="40000"/>
-                    </a:schemeClr>
-                  </a:outerShdw>
-                </a:effectLst>
-                <a:latin typeface="Times New Roman" panose="02020603050405020304" pitchFamily="18" charset="0"/>
-                <a:cs typeface="Times New Roman" panose="02020603050405020304" pitchFamily="18" charset="0"/>
-              </a:rPr>
-              <a:t>Justificativa:</a:t>
-            </a:r>
-          </a:p>
-          <a:p>
-            <a:pPr algn="just"/>
-            <a:r>
-              <a:rPr lang="pt-BR" dirty="0">
-                <a:ln w="0"/>
-                <a:solidFill>
-                  <a:schemeClr val="tx1"/>
-                </a:solidFill>
-                <a:effectLst>
-                  <a:outerShdw blurRad="38100" dist="19050" dir="2700000" algn="tl" rotWithShape="0">
-                    <a:schemeClr val="dk1">
-                      <a:alpha val="40000"/>
-                    </a:schemeClr>
-                  </a:outerShdw>
-                </a:effectLst>
-                <a:latin typeface="Times New Roman" panose="02020603050405020304" pitchFamily="18" charset="0"/>
-                <a:cs typeface="Times New Roman" panose="02020603050405020304" pitchFamily="18" charset="0"/>
-              </a:rPr>
-              <a:t>Escolhemos um ciclo de vida que lembra o Cascata, no entanto, a mudança feita neste modelo, foi o controle de cada fase e a modificação das mesmas, por meio de uma etapa paralela às demais, a Fase de Monitoramento. Uma vez que, o projeto será realizado em um curto período de tempo. Além disso, a equipe domina a tecnologia e o escopo é bem definido, isto é, possui metas bem estabelecidas.</a:t>
-            </a:r>
-          </a:p>
-        </p:txBody>
-      </p:sp>
       <p:pic>
         <p:nvPicPr>
-          <p:cNvPr id="35" name="Picture 2" descr="Imagem relacionada">
+          <p:cNvPr id="5" name="Picture 2" descr="Imagem relacionada">
             <a:hlinkClick r:id="rId4" action="ppaction://hlinksldjump"/>
             <a:extLst>
               <a:ext uri="{FF2B5EF4-FFF2-40B4-BE49-F238E27FC236}">
-                <a16:creationId xmlns:a16="http://schemas.microsoft.com/office/drawing/2014/main" id="{E6FC42F8-6BCC-4BCE-BEBC-3A4D1D11EED4}"/>
+                <a16:creationId xmlns:a16="http://schemas.microsoft.com/office/drawing/2014/main" id="{2A248AE9-771B-48D0-AF1D-357E78DA54F1}"/>
               </a:ext>
             </a:extLst>
           </p:cNvPr>
@@ -8099,10 +8743,3747 @@
           </a:extLst>
         </p:spPr>
       </p:pic>
+      <p:cxnSp>
+        <p:nvCxnSpPr>
+          <p:cNvPr id="6" name="Conector reto 5">
+            <a:extLst>
+              <a:ext uri="{FF2B5EF4-FFF2-40B4-BE49-F238E27FC236}">
+                <a16:creationId xmlns:a16="http://schemas.microsoft.com/office/drawing/2014/main" id="{8BCF50A9-AE4F-491A-BBA4-DC1598AB48BD}"/>
+              </a:ext>
+            </a:extLst>
+          </p:cNvPr>
+          <p:cNvCxnSpPr>
+            <a:cxnSpLocks/>
+          </p:cNvCxnSpPr>
+          <p:nvPr/>
+        </p:nvCxnSpPr>
+        <p:spPr>
+          <a:xfrm>
+            <a:off x="5984939" y="-27148"/>
+            <a:ext cx="0" cy="501850"/>
+          </a:xfrm>
+          <a:prstGeom prst="line">
+            <a:avLst/>
+          </a:prstGeom>
+          <a:ln w="28575">
+            <a:solidFill>
+              <a:schemeClr val="tx1"/>
+            </a:solidFill>
+          </a:ln>
+        </p:spPr>
+        <p:style>
+          <a:lnRef idx="1">
+            <a:schemeClr val="accent1"/>
+          </a:lnRef>
+          <a:fillRef idx="0">
+            <a:schemeClr val="accent1"/>
+          </a:fillRef>
+          <a:effectRef idx="0">
+            <a:schemeClr val="accent1"/>
+          </a:effectRef>
+          <a:fontRef idx="minor">
+            <a:schemeClr val="tx1"/>
+          </a:fontRef>
+        </p:style>
+      </p:cxnSp>
+      <p:sp>
+        <p:nvSpPr>
+          <p:cNvPr id="7" name="Fluxograma: Processo Alternativo 6">
+            <a:extLst>
+              <a:ext uri="{FF2B5EF4-FFF2-40B4-BE49-F238E27FC236}">
+                <a16:creationId xmlns:a16="http://schemas.microsoft.com/office/drawing/2014/main" id="{DEED4A1F-C68B-4B01-8F3C-54854645C13D}"/>
+              </a:ext>
+            </a:extLst>
+          </p:cNvPr>
+          <p:cNvSpPr/>
+          <p:nvPr/>
+        </p:nvSpPr>
+        <p:spPr>
+          <a:xfrm>
+            <a:off x="4184025" y="479825"/>
+            <a:ext cx="3601827" cy="669886"/>
+          </a:xfrm>
+          <a:prstGeom prst="flowChartAlternateProcess">
+            <a:avLst/>
+          </a:prstGeom>
+          <a:solidFill>
+            <a:srgbClr val="92E285"/>
+          </a:solidFill>
+          <a:ln w="9525">
+            <a:solidFill>
+              <a:schemeClr val="tx1">
+                <a:lumMod val="95000"/>
+                <a:lumOff val="5000"/>
+              </a:schemeClr>
+            </a:solidFill>
+          </a:ln>
+          <a:effectLst>
+            <a:outerShdw blurRad="107950" dist="12700" dir="5400000" algn="ctr">
+              <a:srgbClr val="000000"/>
+            </a:outerShdw>
+          </a:effectLst>
+          <a:scene3d>
+            <a:camera prst="orthographicFront">
+              <a:rot lat="0" lon="0" rev="0"/>
+            </a:camera>
+            <a:lightRig rig="soft" dir="t">
+              <a:rot lat="0" lon="0" rev="0"/>
+            </a:lightRig>
+          </a:scene3d>
+          <a:sp3d contourW="44450" prstMaterial="matte">
+            <a:bevelT w="63500" h="63500" prst="artDeco"/>
+            <a:contourClr>
+              <a:schemeClr val="tx1"/>
+            </a:contourClr>
+          </a:sp3d>
+        </p:spPr>
+        <p:style>
+          <a:lnRef idx="2">
+            <a:schemeClr val="accent1">
+              <a:shade val="50000"/>
+            </a:schemeClr>
+          </a:lnRef>
+          <a:fillRef idx="1">
+            <a:schemeClr val="accent1"/>
+          </a:fillRef>
+          <a:effectRef idx="0">
+            <a:schemeClr val="accent1"/>
+          </a:effectRef>
+          <a:fontRef idx="minor">
+            <a:schemeClr val="lt1"/>
+          </a:fontRef>
+        </p:style>
+        <p:txBody>
+          <a:bodyPr rtlCol="0" anchor="b"/>
+          <a:lstStyle/>
+          <a:p>
+            <a:pPr algn="ctr"/>
+            <a:r>
+              <a:rPr lang="pt-BR" sz="4000" dirty="0">
+                <a:solidFill>
+                  <a:schemeClr val="tx1"/>
+                </a:solidFill>
+                <a:latin typeface="Times New Roman" panose="02020603050405020304" pitchFamily="18" charset="0"/>
+                <a:cs typeface="Times New Roman" panose="02020603050405020304" pitchFamily="18" charset="0"/>
+              </a:rPr>
+              <a:t>Elaboração</a:t>
+            </a:r>
+          </a:p>
+        </p:txBody>
+      </p:sp>
+      <p:cxnSp>
+        <p:nvCxnSpPr>
+          <p:cNvPr id="11" name="Conector reto 10">
+            <a:extLst>
+              <a:ext uri="{FF2B5EF4-FFF2-40B4-BE49-F238E27FC236}">
+                <a16:creationId xmlns:a16="http://schemas.microsoft.com/office/drawing/2014/main" id="{1FF4E8D7-EADF-4173-B62B-6EBE833100F1}"/>
+              </a:ext>
+            </a:extLst>
+          </p:cNvPr>
+          <p:cNvCxnSpPr>
+            <a:cxnSpLocks/>
+          </p:cNvCxnSpPr>
+          <p:nvPr/>
+        </p:nvCxnSpPr>
+        <p:spPr>
+          <a:xfrm>
+            <a:off x="4384740" y="1188838"/>
+            <a:ext cx="0" cy="2923768"/>
+          </a:xfrm>
+          <a:prstGeom prst="line">
+            <a:avLst/>
+          </a:prstGeom>
+          <a:ln w="28575">
+            <a:solidFill>
+              <a:schemeClr val="tx1"/>
+            </a:solidFill>
+          </a:ln>
+        </p:spPr>
+        <p:style>
+          <a:lnRef idx="1">
+            <a:schemeClr val="accent1"/>
+          </a:lnRef>
+          <a:fillRef idx="0">
+            <a:schemeClr val="accent1"/>
+          </a:fillRef>
+          <a:effectRef idx="0">
+            <a:schemeClr val="accent1"/>
+          </a:effectRef>
+          <a:fontRef idx="minor">
+            <a:schemeClr val="tx1"/>
+          </a:fontRef>
+        </p:style>
+      </p:cxnSp>
+      <p:cxnSp>
+        <p:nvCxnSpPr>
+          <p:cNvPr id="12" name="Conector reto 11">
+            <a:extLst>
+              <a:ext uri="{FF2B5EF4-FFF2-40B4-BE49-F238E27FC236}">
+                <a16:creationId xmlns:a16="http://schemas.microsoft.com/office/drawing/2014/main" id="{75DE2958-8A85-4498-ACA4-7CD61E927AD0}"/>
+              </a:ext>
+            </a:extLst>
+          </p:cNvPr>
+          <p:cNvCxnSpPr>
+            <a:cxnSpLocks/>
+          </p:cNvCxnSpPr>
+          <p:nvPr/>
+        </p:nvCxnSpPr>
+        <p:spPr>
+          <a:xfrm>
+            <a:off x="4384739" y="1907975"/>
+            <a:ext cx="771525" cy="0"/>
+          </a:xfrm>
+          <a:prstGeom prst="line">
+            <a:avLst/>
+          </a:prstGeom>
+          <a:ln w="28575"/>
+        </p:spPr>
+        <p:style>
+          <a:lnRef idx="1">
+            <a:schemeClr val="dk1"/>
+          </a:lnRef>
+          <a:fillRef idx="0">
+            <a:schemeClr val="dk1"/>
+          </a:fillRef>
+          <a:effectRef idx="0">
+            <a:schemeClr val="dk1"/>
+          </a:effectRef>
+          <a:fontRef idx="minor">
+            <a:schemeClr val="tx1"/>
+          </a:fontRef>
+        </p:style>
+      </p:cxnSp>
+      <p:sp>
+        <p:nvSpPr>
+          <p:cNvPr id="10" name="Fluxograma: Processo Alternativo 9">
+            <a:extLst>
+              <a:ext uri="{FF2B5EF4-FFF2-40B4-BE49-F238E27FC236}">
+                <a16:creationId xmlns:a16="http://schemas.microsoft.com/office/drawing/2014/main" id="{92A45360-CCBE-42A7-92A2-FAB8816E3641}"/>
+              </a:ext>
+            </a:extLst>
+          </p:cNvPr>
+          <p:cNvSpPr/>
+          <p:nvPr/>
+        </p:nvSpPr>
+        <p:spPr>
+          <a:xfrm>
+            <a:off x="5038732" y="1564471"/>
+            <a:ext cx="2379829" cy="728223"/>
+          </a:xfrm>
+          <a:prstGeom prst="flowChartAlternateProcess">
+            <a:avLst/>
+          </a:prstGeom>
+          <a:solidFill>
+            <a:srgbClr val="FAE180"/>
+          </a:solidFill>
+          <a:ln w="9525">
+            <a:solidFill>
+              <a:schemeClr val="tx1">
+                <a:lumMod val="95000"/>
+                <a:lumOff val="5000"/>
+              </a:schemeClr>
+            </a:solidFill>
+          </a:ln>
+          <a:effectLst>
+            <a:outerShdw blurRad="107950" dist="12700" dir="5400000" algn="ctr">
+              <a:srgbClr val="000000"/>
+            </a:outerShdw>
+          </a:effectLst>
+          <a:scene3d>
+            <a:camera prst="orthographicFront">
+              <a:rot lat="0" lon="0" rev="0"/>
+            </a:camera>
+            <a:lightRig rig="soft" dir="t">
+              <a:rot lat="0" lon="0" rev="0"/>
+            </a:lightRig>
+          </a:scene3d>
+          <a:sp3d contourW="44450" prstMaterial="matte">
+            <a:bevelT w="63500" h="63500" prst="artDeco"/>
+            <a:contourClr>
+              <a:schemeClr val="tx1"/>
+            </a:contourClr>
+          </a:sp3d>
+        </p:spPr>
+        <p:style>
+          <a:lnRef idx="2">
+            <a:schemeClr val="accent1">
+              <a:shade val="50000"/>
+            </a:schemeClr>
+          </a:lnRef>
+          <a:fillRef idx="1">
+            <a:schemeClr val="accent1"/>
+          </a:fillRef>
+          <a:effectRef idx="0">
+            <a:schemeClr val="accent1"/>
+          </a:effectRef>
+          <a:fontRef idx="minor">
+            <a:schemeClr val="lt1"/>
+          </a:fontRef>
+        </p:style>
+        <p:txBody>
+          <a:bodyPr rtlCol="0" anchor="ctr"/>
+          <a:lstStyle/>
+          <a:p>
+            <a:pPr algn="ctr"/>
+            <a:r>
+              <a:rPr lang="pt-BR" sz="2000" dirty="0">
+                <a:solidFill>
+                  <a:schemeClr val="tx1"/>
+                </a:solidFill>
+                <a:latin typeface="Times New Roman" panose="02020603050405020304" pitchFamily="18" charset="0"/>
+                <a:cs typeface="Times New Roman" panose="02020603050405020304" pitchFamily="18" charset="0"/>
+              </a:rPr>
+              <a:t>1. Análise </a:t>
+            </a:r>
+          </a:p>
+          <a:p>
+            <a:pPr algn="ctr"/>
+            <a:r>
+              <a:rPr lang="pt-BR" sz="2000" dirty="0">
+                <a:solidFill>
+                  <a:schemeClr val="tx1"/>
+                </a:solidFill>
+                <a:latin typeface="Times New Roman" panose="02020603050405020304" pitchFamily="18" charset="0"/>
+                <a:cs typeface="Times New Roman" panose="02020603050405020304" pitchFamily="18" charset="0"/>
+              </a:rPr>
+              <a:t>de Requisitos</a:t>
+            </a:r>
+          </a:p>
+        </p:txBody>
+      </p:sp>
+      <p:cxnSp>
+        <p:nvCxnSpPr>
+          <p:cNvPr id="14" name="Conector reto 13">
+            <a:extLst>
+              <a:ext uri="{FF2B5EF4-FFF2-40B4-BE49-F238E27FC236}">
+                <a16:creationId xmlns:a16="http://schemas.microsoft.com/office/drawing/2014/main" id="{DE02E24C-56CA-4445-A8B3-CE2C8AF1BE5A}"/>
+              </a:ext>
+            </a:extLst>
+          </p:cNvPr>
+          <p:cNvCxnSpPr>
+            <a:cxnSpLocks/>
+          </p:cNvCxnSpPr>
+          <p:nvPr/>
+        </p:nvCxnSpPr>
+        <p:spPr>
+          <a:xfrm>
+            <a:off x="4384739" y="3020594"/>
+            <a:ext cx="771525" cy="0"/>
+          </a:xfrm>
+          <a:prstGeom prst="line">
+            <a:avLst/>
+          </a:prstGeom>
+          <a:ln w="28575"/>
+        </p:spPr>
+        <p:style>
+          <a:lnRef idx="1">
+            <a:schemeClr val="dk1"/>
+          </a:lnRef>
+          <a:fillRef idx="0">
+            <a:schemeClr val="dk1"/>
+          </a:fillRef>
+          <a:effectRef idx="0">
+            <a:schemeClr val="dk1"/>
+          </a:effectRef>
+          <a:fontRef idx="minor">
+            <a:schemeClr val="tx1"/>
+          </a:fontRef>
+        </p:style>
+      </p:cxnSp>
+      <p:sp>
+        <p:nvSpPr>
+          <p:cNvPr id="9" name="Fluxograma: Processo Alternativo 8">
+            <a:extLst>
+              <a:ext uri="{FF2B5EF4-FFF2-40B4-BE49-F238E27FC236}">
+                <a16:creationId xmlns:a16="http://schemas.microsoft.com/office/drawing/2014/main" id="{3F928EBA-64C9-4D41-AB73-9E6E325B6C8C}"/>
+              </a:ext>
+            </a:extLst>
+          </p:cNvPr>
+          <p:cNvSpPr/>
+          <p:nvPr/>
+        </p:nvSpPr>
+        <p:spPr>
+          <a:xfrm>
+            <a:off x="5038732" y="2656483"/>
+            <a:ext cx="2379829" cy="728223"/>
+          </a:xfrm>
+          <a:prstGeom prst="flowChartAlternateProcess">
+            <a:avLst/>
+          </a:prstGeom>
+          <a:solidFill>
+            <a:srgbClr val="FAE180"/>
+          </a:solidFill>
+          <a:ln w="9525">
+            <a:solidFill>
+              <a:schemeClr val="tx1">
+                <a:lumMod val="95000"/>
+                <a:lumOff val="5000"/>
+              </a:schemeClr>
+            </a:solidFill>
+          </a:ln>
+          <a:effectLst>
+            <a:outerShdw blurRad="107950" dist="12700" dir="5400000" algn="ctr">
+              <a:srgbClr val="000000"/>
+            </a:outerShdw>
+          </a:effectLst>
+          <a:scene3d>
+            <a:camera prst="orthographicFront">
+              <a:rot lat="0" lon="0" rev="0"/>
+            </a:camera>
+            <a:lightRig rig="soft" dir="t">
+              <a:rot lat="0" lon="0" rev="0"/>
+            </a:lightRig>
+          </a:scene3d>
+          <a:sp3d contourW="44450" prstMaterial="matte">
+            <a:bevelT w="63500" h="63500" prst="artDeco"/>
+            <a:contourClr>
+              <a:schemeClr val="tx1"/>
+            </a:contourClr>
+          </a:sp3d>
+        </p:spPr>
+        <p:style>
+          <a:lnRef idx="2">
+            <a:schemeClr val="accent1">
+              <a:shade val="50000"/>
+            </a:schemeClr>
+          </a:lnRef>
+          <a:fillRef idx="1">
+            <a:schemeClr val="accent1"/>
+          </a:fillRef>
+          <a:effectRef idx="0">
+            <a:schemeClr val="accent1"/>
+          </a:effectRef>
+          <a:fontRef idx="minor">
+            <a:schemeClr val="lt1"/>
+          </a:fontRef>
+        </p:style>
+        <p:txBody>
+          <a:bodyPr rtlCol="0" anchor="ctr"/>
+          <a:lstStyle/>
+          <a:p>
+            <a:pPr algn="ctr"/>
+            <a:r>
+              <a:rPr lang="pt-BR" sz="2000" dirty="0">
+                <a:solidFill>
+                  <a:schemeClr val="tx1"/>
+                </a:solidFill>
+                <a:latin typeface="Times New Roman" panose="02020603050405020304" pitchFamily="18" charset="0"/>
+                <a:cs typeface="Times New Roman" panose="02020603050405020304" pitchFamily="18" charset="0"/>
+              </a:rPr>
+              <a:t>2. Documentação</a:t>
+            </a:r>
+          </a:p>
+          <a:p>
+            <a:pPr algn="ctr"/>
+            <a:r>
+              <a:rPr lang="pt-BR" sz="2000" dirty="0">
+                <a:solidFill>
+                  <a:schemeClr val="tx1"/>
+                </a:solidFill>
+                <a:latin typeface="Times New Roman" panose="02020603050405020304" pitchFamily="18" charset="0"/>
+                <a:cs typeface="Times New Roman" panose="02020603050405020304" pitchFamily="18" charset="0"/>
+              </a:rPr>
+              <a:t>de Requisitos</a:t>
+            </a:r>
+          </a:p>
+        </p:txBody>
+      </p:sp>
+      <p:cxnSp>
+        <p:nvCxnSpPr>
+          <p:cNvPr id="15" name="Conector reto 14">
+            <a:extLst>
+              <a:ext uri="{FF2B5EF4-FFF2-40B4-BE49-F238E27FC236}">
+                <a16:creationId xmlns:a16="http://schemas.microsoft.com/office/drawing/2014/main" id="{5DF6CEAA-698E-421D-BE0A-38721A98DE22}"/>
+              </a:ext>
+            </a:extLst>
+          </p:cNvPr>
+          <p:cNvCxnSpPr>
+            <a:cxnSpLocks/>
+          </p:cNvCxnSpPr>
+          <p:nvPr/>
+        </p:nvCxnSpPr>
+        <p:spPr>
+          <a:xfrm>
+            <a:off x="4384738" y="4112606"/>
+            <a:ext cx="771525" cy="0"/>
+          </a:xfrm>
+          <a:prstGeom prst="line">
+            <a:avLst/>
+          </a:prstGeom>
+          <a:ln w="28575"/>
+        </p:spPr>
+        <p:style>
+          <a:lnRef idx="1">
+            <a:schemeClr val="dk1"/>
+          </a:lnRef>
+          <a:fillRef idx="0">
+            <a:schemeClr val="dk1"/>
+          </a:fillRef>
+          <a:effectRef idx="0">
+            <a:schemeClr val="dk1"/>
+          </a:effectRef>
+          <a:fontRef idx="minor">
+            <a:schemeClr val="tx1"/>
+          </a:fontRef>
+        </p:style>
+      </p:cxnSp>
+      <p:sp>
+        <p:nvSpPr>
+          <p:cNvPr id="8" name="Fluxograma: Processo Alternativo 7">
+            <a:extLst>
+              <a:ext uri="{FF2B5EF4-FFF2-40B4-BE49-F238E27FC236}">
+                <a16:creationId xmlns:a16="http://schemas.microsoft.com/office/drawing/2014/main" id="{C67C5DA9-C2A6-4CFB-882A-7F9214AB2F11}"/>
+              </a:ext>
+            </a:extLst>
+          </p:cNvPr>
+          <p:cNvSpPr/>
+          <p:nvPr/>
+        </p:nvSpPr>
+        <p:spPr>
+          <a:xfrm>
+            <a:off x="5038731" y="3748495"/>
+            <a:ext cx="2379829" cy="728223"/>
+          </a:xfrm>
+          <a:prstGeom prst="flowChartAlternateProcess">
+            <a:avLst/>
+          </a:prstGeom>
+          <a:solidFill>
+            <a:srgbClr val="FAE180"/>
+          </a:solidFill>
+          <a:ln w="9525">
+            <a:solidFill>
+              <a:schemeClr val="tx1">
+                <a:lumMod val="95000"/>
+                <a:lumOff val="5000"/>
+              </a:schemeClr>
+            </a:solidFill>
+          </a:ln>
+          <a:effectLst>
+            <a:outerShdw blurRad="107950" dist="12700" dir="5400000" algn="ctr">
+              <a:srgbClr val="000000"/>
+            </a:outerShdw>
+          </a:effectLst>
+          <a:scene3d>
+            <a:camera prst="orthographicFront">
+              <a:rot lat="0" lon="0" rev="0"/>
+            </a:camera>
+            <a:lightRig rig="soft" dir="t">
+              <a:rot lat="0" lon="0" rev="0"/>
+            </a:lightRig>
+          </a:scene3d>
+          <a:sp3d contourW="44450" prstMaterial="matte">
+            <a:bevelT w="63500" h="63500" prst="artDeco"/>
+            <a:contourClr>
+              <a:schemeClr val="tx1"/>
+            </a:contourClr>
+          </a:sp3d>
+        </p:spPr>
+        <p:style>
+          <a:lnRef idx="2">
+            <a:schemeClr val="accent1">
+              <a:shade val="50000"/>
+            </a:schemeClr>
+          </a:lnRef>
+          <a:fillRef idx="1">
+            <a:schemeClr val="accent1"/>
+          </a:fillRef>
+          <a:effectRef idx="0">
+            <a:schemeClr val="accent1"/>
+          </a:effectRef>
+          <a:fontRef idx="minor">
+            <a:schemeClr val="lt1"/>
+          </a:fontRef>
+        </p:style>
+        <p:txBody>
+          <a:bodyPr rtlCol="0" anchor="ctr"/>
+          <a:lstStyle/>
+          <a:p>
+            <a:pPr algn="ctr"/>
+            <a:r>
+              <a:rPr lang="pt-BR" dirty="0">
+                <a:solidFill>
+                  <a:schemeClr val="tx1"/>
+                </a:solidFill>
+                <a:latin typeface="Times New Roman" panose="02020603050405020304" pitchFamily="18" charset="0"/>
+                <a:cs typeface="Times New Roman" panose="02020603050405020304" pitchFamily="18" charset="0"/>
+              </a:rPr>
+              <a:t>3. Validação</a:t>
+            </a:r>
+          </a:p>
+          <a:p>
+            <a:pPr algn="ctr"/>
+            <a:r>
+              <a:rPr lang="pt-BR" dirty="0">
+                <a:solidFill>
+                  <a:schemeClr val="tx1"/>
+                </a:solidFill>
+                <a:latin typeface="Times New Roman" panose="02020603050405020304" pitchFamily="18" charset="0"/>
+                <a:cs typeface="Times New Roman" panose="02020603050405020304" pitchFamily="18" charset="0"/>
+              </a:rPr>
+              <a:t>de Requisitos</a:t>
+            </a:r>
+          </a:p>
+        </p:txBody>
+      </p:sp>
     </p:spTree>
     <p:extLst>
       <p:ext uri="{BB962C8B-B14F-4D97-AF65-F5344CB8AC3E}">
-        <p14:creationId xmlns:p14="http://schemas.microsoft.com/office/powerpoint/2010/main" val="2624816643"/>
+        <p14:creationId xmlns:p14="http://schemas.microsoft.com/office/powerpoint/2010/main" val="1747064550"/>
+      </p:ext>
+    </p:extLst>
+  </p:cSld>
+  <p:clrMapOvr>
+    <a:masterClrMapping/>
+  </p:clrMapOvr>
+</p:sld>
+</file>
+
+<file path=ppt/slides/slide8.xml><?xml version="1.0" encoding="utf-8"?>
+<p:sld xmlns:a="http://schemas.openxmlformats.org/drawingml/2006/main" xmlns:r="http://schemas.openxmlformats.org/officeDocument/2006/relationships" xmlns:p="http://schemas.openxmlformats.org/presentationml/2006/main">
+  <p:cSld>
+    <p:spTree>
+      <p:nvGrpSpPr>
+        <p:cNvPr id="1" name=""/>
+        <p:cNvGrpSpPr/>
+        <p:nvPr/>
+      </p:nvGrpSpPr>
+      <p:grpSpPr>
+        <a:xfrm>
+          <a:off x="0" y="0"/>
+          <a:ext cx="0" cy="0"/>
+          <a:chOff x="0" y="0"/>
+          <a:chExt cx="0" cy="0"/>
+        </a:xfrm>
+      </p:grpSpPr>
+      <p:sp>
+        <p:nvSpPr>
+          <p:cNvPr id="2" name="Título 1">
+            <a:extLst>
+              <a:ext uri="{FF2B5EF4-FFF2-40B4-BE49-F238E27FC236}">
+                <a16:creationId xmlns:a16="http://schemas.microsoft.com/office/drawing/2014/main" id="{F83F72C3-B864-44B6-93E0-E86C74641C8D}"/>
+              </a:ext>
+            </a:extLst>
+          </p:cNvPr>
+          <p:cNvSpPr>
+            <a:spLocks noGrp="1"/>
+          </p:cNvSpPr>
+          <p:nvPr>
+            <p:ph type="title"/>
+          </p:nvPr>
+        </p:nvSpPr>
+        <p:spPr/>
+        <p:txBody>
+          <a:bodyPr/>
+          <a:lstStyle/>
+          <a:p>
+            <a:endParaRPr lang="pt-BR"/>
+          </a:p>
+        </p:txBody>
+      </p:sp>
+      <p:sp>
+        <p:nvSpPr>
+          <p:cNvPr id="3" name="Espaço Reservado para Conteúdo 2">
+            <a:extLst>
+              <a:ext uri="{FF2B5EF4-FFF2-40B4-BE49-F238E27FC236}">
+                <a16:creationId xmlns:a16="http://schemas.microsoft.com/office/drawing/2014/main" id="{74A052EC-19AF-4F64-A21C-B71118302C56}"/>
+              </a:ext>
+            </a:extLst>
+          </p:cNvPr>
+          <p:cNvSpPr>
+            <a:spLocks noGrp="1"/>
+          </p:cNvSpPr>
+          <p:nvPr>
+            <p:ph idx="1"/>
+          </p:nvPr>
+        </p:nvSpPr>
+        <p:spPr/>
+        <p:txBody>
+          <a:bodyPr/>
+          <a:lstStyle/>
+          <a:p>
+            <a:endParaRPr lang="pt-BR"/>
+          </a:p>
+        </p:txBody>
+      </p:sp>
+      <p:pic>
+        <p:nvPicPr>
+          <p:cNvPr id="4" name="Picture 2" descr="Imagem relacionada">
+            <a:extLst>
+              <a:ext uri="{FF2B5EF4-FFF2-40B4-BE49-F238E27FC236}">
+                <a16:creationId xmlns:a16="http://schemas.microsoft.com/office/drawing/2014/main" id="{C0A1EE8C-4FE0-4560-9BD7-F90809E05919}"/>
+              </a:ext>
+            </a:extLst>
+          </p:cNvPr>
+          <p:cNvPicPr>
+            <a:picLocks noChangeAspect="1" noChangeArrowheads="1"/>
+          </p:cNvPicPr>
+          <p:nvPr/>
+        </p:nvPicPr>
+        <p:blipFill>
+          <a:blip r:embed="rId2">
+            <a:extLst>
+              <a:ext uri="{BEBA8EAE-BF5A-486C-A8C5-ECC9F3942E4B}">
+                <a14:imgProps xmlns:a14="http://schemas.microsoft.com/office/drawing/2010/main">
+                  <a14:imgLayer r:embed="rId3">
+                    <a14:imgEffect>
+                      <a14:brightnessContrast bright="-25000" contrast="-10000"/>
+                    </a14:imgEffect>
+                  </a14:imgLayer>
+                </a14:imgProps>
+              </a:ext>
+              <a:ext uri="{28A0092B-C50C-407E-A947-70E740481C1C}">
+                <a14:useLocalDpi xmlns:a14="http://schemas.microsoft.com/office/drawing/2010/main" val="0"/>
+              </a:ext>
+            </a:extLst>
+          </a:blip>
+          <a:srcRect/>
+          <a:stretch>
+            <a:fillRect/>
+          </a:stretch>
+        </p:blipFill>
+        <p:spPr bwMode="auto">
+          <a:xfrm>
+            <a:off x="0" y="0"/>
+            <a:ext cx="12192000" cy="6858000"/>
+          </a:xfrm>
+          <a:prstGeom prst="rect">
+            <a:avLst/>
+          </a:prstGeom>
+          <a:noFill/>
+          <a:extLst>
+            <a:ext uri="{909E8E84-426E-40DD-AFC4-6F175D3DCCD1}">
+              <a14:hiddenFill xmlns:a14="http://schemas.microsoft.com/office/drawing/2010/main">
+                <a:solidFill>
+                  <a:srgbClr val="FFFFFF"/>
+                </a:solidFill>
+              </a14:hiddenFill>
+            </a:ext>
+          </a:extLst>
+        </p:spPr>
+      </p:pic>
+      <p:pic>
+        <p:nvPicPr>
+          <p:cNvPr id="5" name="Picture 2" descr="Imagem relacionada">
+            <a:hlinkClick r:id="rId4" action="ppaction://hlinksldjump"/>
+            <a:extLst>
+              <a:ext uri="{FF2B5EF4-FFF2-40B4-BE49-F238E27FC236}">
+                <a16:creationId xmlns:a16="http://schemas.microsoft.com/office/drawing/2014/main" id="{474F092B-75A6-4216-9F49-39B0F45DDF29}"/>
+              </a:ext>
+            </a:extLst>
+          </p:cNvPr>
+          <p:cNvPicPr>
+            <a:picLocks noChangeAspect="1" noChangeArrowheads="1"/>
+          </p:cNvPicPr>
+          <p:nvPr/>
+        </p:nvPicPr>
+        <p:blipFill>
+          <a:blip r:embed="rId5">
+            <a:duotone>
+              <a:prstClr val="black"/>
+              <a:schemeClr val="accent4">
+                <a:tint val="45000"/>
+                <a:satMod val="400000"/>
+              </a:schemeClr>
+            </a:duotone>
+            <a:extLst>
+              <a:ext uri="{28A0092B-C50C-407E-A947-70E740481C1C}">
+                <a14:useLocalDpi xmlns:a14="http://schemas.microsoft.com/office/drawing/2010/main" val="0"/>
+              </a:ext>
+            </a:extLst>
+          </a:blip>
+          <a:srcRect/>
+          <a:stretch>
+            <a:fillRect/>
+          </a:stretch>
+        </p:blipFill>
+        <p:spPr bwMode="auto">
+          <a:xfrm>
+            <a:off x="11222603" y="5974418"/>
+            <a:ext cx="634034" cy="634034"/>
+          </a:xfrm>
+          <a:prstGeom prst="ellipse">
+            <a:avLst/>
+          </a:prstGeom>
+          <a:ln w="28575" cap="rnd">
+            <a:noFill/>
+          </a:ln>
+          <a:effectLst>
+            <a:outerShdw blurRad="107950" dist="12700" dir="5400000" algn="ctr">
+              <a:srgbClr val="000000"/>
+            </a:outerShdw>
+          </a:effectLst>
+          <a:scene3d>
+            <a:camera prst="orthographicFront">
+              <a:rot lat="0" lon="0" rev="0"/>
+            </a:camera>
+            <a:lightRig rig="soft" dir="t">
+              <a:rot lat="0" lon="0" rev="0"/>
+            </a:lightRig>
+          </a:scene3d>
+          <a:sp3d contourW="44450" prstMaterial="matte">
+            <a:bevelT w="63500" h="63500" prst="artDeco"/>
+            <a:contourClr>
+              <a:srgbClr val="FFFFFF"/>
+            </a:contourClr>
+          </a:sp3d>
+          <a:extLst>
+            <a:ext uri="{909E8E84-426E-40DD-AFC4-6F175D3DCCD1}">
+              <a14:hiddenFill xmlns:a14="http://schemas.microsoft.com/office/drawing/2010/main">
+                <a:solidFill>
+                  <a:srgbClr val="FFFFFF"/>
+                </a:solidFill>
+              </a14:hiddenFill>
+            </a:ext>
+          </a:extLst>
+        </p:spPr>
+      </p:pic>
+      <p:sp>
+        <p:nvSpPr>
+          <p:cNvPr id="6" name="Fluxograma: Processo Alternativo 5">
+            <a:extLst>
+              <a:ext uri="{FF2B5EF4-FFF2-40B4-BE49-F238E27FC236}">
+                <a16:creationId xmlns:a16="http://schemas.microsoft.com/office/drawing/2014/main" id="{3A21AFC0-9E53-46FE-A9A2-3C9D1CEA7E15}"/>
+              </a:ext>
+            </a:extLst>
+          </p:cNvPr>
+          <p:cNvSpPr/>
+          <p:nvPr/>
+        </p:nvSpPr>
+        <p:spPr>
+          <a:xfrm>
+            <a:off x="1515537" y="717765"/>
+            <a:ext cx="2881522" cy="610675"/>
+          </a:xfrm>
+          <a:prstGeom prst="flowChartAlternateProcess">
+            <a:avLst/>
+          </a:prstGeom>
+          <a:solidFill>
+            <a:srgbClr val="92E285"/>
+          </a:solidFill>
+          <a:ln w="9525">
+            <a:solidFill>
+              <a:schemeClr val="tx1">
+                <a:lumMod val="95000"/>
+                <a:lumOff val="5000"/>
+              </a:schemeClr>
+            </a:solidFill>
+          </a:ln>
+          <a:effectLst>
+            <a:outerShdw blurRad="107950" dist="12700" dir="5400000" algn="ctr">
+              <a:srgbClr val="000000"/>
+            </a:outerShdw>
+          </a:effectLst>
+          <a:scene3d>
+            <a:camera prst="orthographicFront">
+              <a:rot lat="0" lon="0" rev="0"/>
+            </a:camera>
+            <a:lightRig rig="soft" dir="t">
+              <a:rot lat="0" lon="0" rev="0"/>
+            </a:lightRig>
+          </a:scene3d>
+          <a:sp3d contourW="44450" prstMaterial="matte">
+            <a:bevelT w="63500" h="63500" prst="artDeco"/>
+            <a:contourClr>
+              <a:schemeClr val="tx1"/>
+            </a:contourClr>
+          </a:sp3d>
+        </p:spPr>
+        <p:style>
+          <a:lnRef idx="2">
+            <a:schemeClr val="accent1">
+              <a:shade val="50000"/>
+            </a:schemeClr>
+          </a:lnRef>
+          <a:fillRef idx="1">
+            <a:schemeClr val="accent1"/>
+          </a:fillRef>
+          <a:effectRef idx="0">
+            <a:schemeClr val="accent1"/>
+          </a:effectRef>
+          <a:fontRef idx="minor">
+            <a:schemeClr val="lt1"/>
+          </a:fontRef>
+        </p:style>
+        <p:txBody>
+          <a:bodyPr tIns="0" bIns="72000" rtlCol="0" anchor="ctr"/>
+          <a:lstStyle/>
+          <a:p>
+            <a:pPr algn="ctr"/>
+            <a:r>
+              <a:rPr lang="pt-BR" sz="4000" dirty="0">
+                <a:solidFill>
+                  <a:schemeClr val="tx1"/>
+                </a:solidFill>
+                <a:latin typeface="Times New Roman" panose="02020603050405020304" pitchFamily="18" charset="0"/>
+                <a:cs typeface="Times New Roman" panose="02020603050405020304" pitchFamily="18" charset="0"/>
+              </a:rPr>
+              <a:t>Construção</a:t>
+            </a:r>
+          </a:p>
+        </p:txBody>
+      </p:sp>
+      <p:cxnSp>
+        <p:nvCxnSpPr>
+          <p:cNvPr id="7" name="Conector reto 6">
+            <a:extLst>
+              <a:ext uri="{FF2B5EF4-FFF2-40B4-BE49-F238E27FC236}">
+                <a16:creationId xmlns:a16="http://schemas.microsoft.com/office/drawing/2014/main" id="{30039CA1-F0DE-483D-ADEC-7399208EED67}"/>
+              </a:ext>
+            </a:extLst>
+          </p:cNvPr>
+          <p:cNvCxnSpPr>
+            <a:cxnSpLocks/>
+          </p:cNvCxnSpPr>
+          <p:nvPr/>
+        </p:nvCxnSpPr>
+        <p:spPr>
+          <a:xfrm>
+            <a:off x="2945946" y="0"/>
+            <a:ext cx="0" cy="707949"/>
+          </a:xfrm>
+          <a:prstGeom prst="line">
+            <a:avLst/>
+          </a:prstGeom>
+          <a:ln w="28575">
+            <a:solidFill>
+              <a:schemeClr val="tx1"/>
+            </a:solidFill>
+          </a:ln>
+        </p:spPr>
+        <p:style>
+          <a:lnRef idx="1">
+            <a:schemeClr val="accent1"/>
+          </a:lnRef>
+          <a:fillRef idx="0">
+            <a:schemeClr val="accent1"/>
+          </a:fillRef>
+          <a:effectRef idx="0">
+            <a:schemeClr val="accent1"/>
+          </a:effectRef>
+          <a:fontRef idx="minor">
+            <a:schemeClr val="tx1"/>
+          </a:fontRef>
+        </p:style>
+      </p:cxnSp>
+      <p:cxnSp>
+        <p:nvCxnSpPr>
+          <p:cNvPr id="8" name="Conector reto 7">
+            <a:extLst>
+              <a:ext uri="{FF2B5EF4-FFF2-40B4-BE49-F238E27FC236}">
+                <a16:creationId xmlns:a16="http://schemas.microsoft.com/office/drawing/2014/main" id="{EBAEC388-4D12-4E71-B3BF-CAAAB31686E0}"/>
+              </a:ext>
+            </a:extLst>
+          </p:cNvPr>
+          <p:cNvCxnSpPr>
+            <a:cxnSpLocks/>
+          </p:cNvCxnSpPr>
+          <p:nvPr/>
+        </p:nvCxnSpPr>
+        <p:spPr>
+          <a:xfrm flipH="1">
+            <a:off x="1662118" y="1353606"/>
+            <a:ext cx="2" cy="4620812"/>
+          </a:xfrm>
+          <a:prstGeom prst="line">
+            <a:avLst/>
+          </a:prstGeom>
+          <a:ln w="28575">
+            <a:solidFill>
+              <a:schemeClr val="tx1"/>
+            </a:solidFill>
+          </a:ln>
+        </p:spPr>
+        <p:style>
+          <a:lnRef idx="1">
+            <a:schemeClr val="accent1"/>
+          </a:lnRef>
+          <a:fillRef idx="0">
+            <a:schemeClr val="accent1"/>
+          </a:fillRef>
+          <a:effectRef idx="0">
+            <a:schemeClr val="accent1"/>
+          </a:effectRef>
+          <a:fontRef idx="minor">
+            <a:schemeClr val="tx1"/>
+          </a:fontRef>
+        </p:style>
+      </p:cxnSp>
+      <p:cxnSp>
+        <p:nvCxnSpPr>
+          <p:cNvPr id="10" name="Conector reto 9">
+            <a:extLst>
+              <a:ext uri="{FF2B5EF4-FFF2-40B4-BE49-F238E27FC236}">
+                <a16:creationId xmlns:a16="http://schemas.microsoft.com/office/drawing/2014/main" id="{9C5D4FCD-61C8-4FF2-A06D-C84F079DBC23}"/>
+              </a:ext>
+            </a:extLst>
+          </p:cNvPr>
+          <p:cNvCxnSpPr>
+            <a:cxnSpLocks/>
+          </p:cNvCxnSpPr>
+          <p:nvPr/>
+        </p:nvCxnSpPr>
+        <p:spPr>
+          <a:xfrm>
+            <a:off x="1647462" y="1871288"/>
+            <a:ext cx="771525" cy="0"/>
+          </a:xfrm>
+          <a:prstGeom prst="line">
+            <a:avLst/>
+          </a:prstGeom>
+          <a:ln w="28575"/>
+        </p:spPr>
+        <p:style>
+          <a:lnRef idx="1">
+            <a:schemeClr val="dk1"/>
+          </a:lnRef>
+          <a:fillRef idx="0">
+            <a:schemeClr val="dk1"/>
+          </a:fillRef>
+          <a:effectRef idx="0">
+            <a:schemeClr val="dk1"/>
+          </a:effectRef>
+          <a:fontRef idx="minor">
+            <a:schemeClr val="tx1"/>
+          </a:fontRef>
+        </p:style>
+      </p:cxnSp>
+      <p:sp>
+        <p:nvSpPr>
+          <p:cNvPr id="9" name="Fluxograma: Processo Alternativo 8">
+            <a:extLst>
+              <a:ext uri="{FF2B5EF4-FFF2-40B4-BE49-F238E27FC236}">
+                <a16:creationId xmlns:a16="http://schemas.microsoft.com/office/drawing/2014/main" id="{E50B5254-ECFD-4AEA-97DC-2A0A0FD6D905}"/>
+              </a:ext>
+            </a:extLst>
+          </p:cNvPr>
+          <p:cNvSpPr/>
+          <p:nvPr/>
+        </p:nvSpPr>
+        <p:spPr>
+          <a:xfrm>
+            <a:off x="2047881" y="1628353"/>
+            <a:ext cx="2177535" cy="476420"/>
+          </a:xfrm>
+          <a:prstGeom prst="flowChartAlternateProcess">
+            <a:avLst/>
+          </a:prstGeom>
+          <a:solidFill>
+            <a:srgbClr val="FAE180"/>
+          </a:solidFill>
+          <a:ln w="9525">
+            <a:solidFill>
+              <a:schemeClr val="tx1">
+                <a:lumMod val="95000"/>
+                <a:lumOff val="5000"/>
+              </a:schemeClr>
+            </a:solidFill>
+          </a:ln>
+          <a:effectLst>
+            <a:outerShdw blurRad="107950" dist="12700" dir="5400000" algn="ctr">
+              <a:srgbClr val="000000"/>
+            </a:outerShdw>
+          </a:effectLst>
+          <a:scene3d>
+            <a:camera prst="orthographicFront">
+              <a:rot lat="0" lon="0" rev="0"/>
+            </a:camera>
+            <a:lightRig rig="soft" dir="t">
+              <a:rot lat="0" lon="0" rev="0"/>
+            </a:lightRig>
+          </a:scene3d>
+          <a:sp3d contourW="44450" prstMaterial="matte">
+            <a:bevelT w="63500" h="63500" prst="artDeco"/>
+            <a:contourClr>
+              <a:schemeClr val="tx1"/>
+            </a:contourClr>
+          </a:sp3d>
+        </p:spPr>
+        <p:style>
+          <a:lnRef idx="2">
+            <a:schemeClr val="accent1">
+              <a:shade val="50000"/>
+            </a:schemeClr>
+          </a:lnRef>
+          <a:fillRef idx="1">
+            <a:schemeClr val="accent1"/>
+          </a:fillRef>
+          <a:effectRef idx="0">
+            <a:schemeClr val="accent1"/>
+          </a:effectRef>
+          <a:fontRef idx="minor">
+            <a:schemeClr val="lt1"/>
+          </a:fontRef>
+        </p:style>
+        <p:txBody>
+          <a:bodyPr rtlCol="0" anchor="ctr"/>
+          <a:lstStyle/>
+          <a:p>
+            <a:pPr algn="ctr"/>
+            <a:r>
+              <a:rPr lang="pt-BR" sz="1600" dirty="0">
+                <a:solidFill>
+                  <a:schemeClr val="tx1"/>
+                </a:solidFill>
+                <a:latin typeface="Times New Roman" panose="02020603050405020304" pitchFamily="18" charset="0"/>
+                <a:cs typeface="Times New Roman" panose="02020603050405020304" pitchFamily="18" charset="0"/>
+              </a:rPr>
+              <a:t>1. Preparação do</a:t>
+            </a:r>
+          </a:p>
+          <a:p>
+            <a:pPr algn="ctr"/>
+            <a:r>
+              <a:rPr lang="pt-BR" sz="1600" dirty="0">
+                <a:solidFill>
+                  <a:schemeClr val="tx1"/>
+                </a:solidFill>
+                <a:latin typeface="Times New Roman" panose="02020603050405020304" pitchFamily="18" charset="0"/>
+                <a:cs typeface="Times New Roman" panose="02020603050405020304" pitchFamily="18" charset="0"/>
+              </a:rPr>
+              <a:t>Ambiente de Trabalho</a:t>
+            </a:r>
+          </a:p>
+        </p:txBody>
+      </p:sp>
+      <p:cxnSp>
+        <p:nvCxnSpPr>
+          <p:cNvPr id="12" name="Conector reto 11">
+            <a:extLst>
+              <a:ext uri="{FF2B5EF4-FFF2-40B4-BE49-F238E27FC236}">
+                <a16:creationId xmlns:a16="http://schemas.microsoft.com/office/drawing/2014/main" id="{737A4BF5-8484-40A9-98DC-4D9000ECE66A}"/>
+              </a:ext>
+            </a:extLst>
+          </p:cNvPr>
+          <p:cNvCxnSpPr>
+            <a:cxnSpLocks/>
+          </p:cNvCxnSpPr>
+          <p:nvPr/>
+        </p:nvCxnSpPr>
+        <p:spPr>
+          <a:xfrm>
+            <a:off x="1647463" y="2529591"/>
+            <a:ext cx="771525" cy="0"/>
+          </a:xfrm>
+          <a:prstGeom prst="line">
+            <a:avLst/>
+          </a:prstGeom>
+          <a:ln w="28575"/>
+        </p:spPr>
+        <p:style>
+          <a:lnRef idx="1">
+            <a:schemeClr val="dk1"/>
+          </a:lnRef>
+          <a:fillRef idx="0">
+            <a:schemeClr val="dk1"/>
+          </a:fillRef>
+          <a:effectRef idx="0">
+            <a:schemeClr val="dk1"/>
+          </a:effectRef>
+          <a:fontRef idx="minor">
+            <a:schemeClr val="tx1"/>
+          </a:fontRef>
+        </p:style>
+      </p:cxnSp>
+      <p:cxnSp>
+        <p:nvCxnSpPr>
+          <p:cNvPr id="15" name="Conector reto 14">
+            <a:extLst>
+              <a:ext uri="{FF2B5EF4-FFF2-40B4-BE49-F238E27FC236}">
+                <a16:creationId xmlns:a16="http://schemas.microsoft.com/office/drawing/2014/main" id="{EF41349C-17C3-4AA0-AC2C-ED603D61F25C}"/>
+              </a:ext>
+            </a:extLst>
+          </p:cNvPr>
+          <p:cNvCxnSpPr>
+            <a:cxnSpLocks/>
+          </p:cNvCxnSpPr>
+          <p:nvPr/>
+        </p:nvCxnSpPr>
+        <p:spPr>
+          <a:xfrm>
+            <a:off x="2228755" y="2654759"/>
+            <a:ext cx="0" cy="1948326"/>
+          </a:xfrm>
+          <a:prstGeom prst="line">
+            <a:avLst/>
+          </a:prstGeom>
+          <a:ln w="28575">
+            <a:solidFill>
+              <a:schemeClr val="tx1"/>
+            </a:solidFill>
+          </a:ln>
+        </p:spPr>
+        <p:style>
+          <a:lnRef idx="1">
+            <a:schemeClr val="accent1"/>
+          </a:lnRef>
+          <a:fillRef idx="0">
+            <a:schemeClr val="accent1"/>
+          </a:fillRef>
+          <a:effectRef idx="0">
+            <a:schemeClr val="accent1"/>
+          </a:effectRef>
+          <a:fontRef idx="minor">
+            <a:schemeClr val="tx1"/>
+          </a:fontRef>
+        </p:style>
+      </p:cxnSp>
+      <p:cxnSp>
+        <p:nvCxnSpPr>
+          <p:cNvPr id="19" name="Conector reto 18">
+            <a:extLst>
+              <a:ext uri="{FF2B5EF4-FFF2-40B4-BE49-F238E27FC236}">
+                <a16:creationId xmlns:a16="http://schemas.microsoft.com/office/drawing/2014/main" id="{DBD3688C-44FD-4B03-A8EF-6DE6A8FA850B}"/>
+              </a:ext>
+            </a:extLst>
+          </p:cNvPr>
+          <p:cNvCxnSpPr>
+            <a:cxnSpLocks/>
+          </p:cNvCxnSpPr>
+          <p:nvPr/>
+        </p:nvCxnSpPr>
+        <p:spPr>
+          <a:xfrm>
+            <a:off x="2243409" y="3263354"/>
+            <a:ext cx="380469" cy="0"/>
+          </a:xfrm>
+          <a:prstGeom prst="line">
+            <a:avLst/>
+          </a:prstGeom>
+          <a:ln w="28575"/>
+        </p:spPr>
+        <p:style>
+          <a:lnRef idx="1">
+            <a:schemeClr val="dk1"/>
+          </a:lnRef>
+          <a:fillRef idx="0">
+            <a:schemeClr val="dk1"/>
+          </a:fillRef>
+          <a:effectRef idx="0">
+            <a:schemeClr val="dk1"/>
+          </a:effectRef>
+          <a:fontRef idx="minor">
+            <a:schemeClr val="tx1"/>
+          </a:fontRef>
+        </p:style>
+      </p:cxnSp>
+      <p:sp>
+        <p:nvSpPr>
+          <p:cNvPr id="14" name="Fluxograma: Processo Alternativo 13">
+            <a:extLst>
+              <a:ext uri="{FF2B5EF4-FFF2-40B4-BE49-F238E27FC236}">
+                <a16:creationId xmlns:a16="http://schemas.microsoft.com/office/drawing/2014/main" id="{756AA8FC-85C8-4144-B7E9-3138F957B3AC}"/>
+              </a:ext>
+            </a:extLst>
+          </p:cNvPr>
+          <p:cNvSpPr/>
+          <p:nvPr/>
+        </p:nvSpPr>
+        <p:spPr>
+          <a:xfrm>
+            <a:off x="2642245" y="2996191"/>
+            <a:ext cx="1583176" cy="534326"/>
+          </a:xfrm>
+          <a:prstGeom prst="flowChartAlternateProcess">
+            <a:avLst/>
+          </a:prstGeom>
+          <a:solidFill>
+            <a:srgbClr val="FAEBAE"/>
+          </a:solidFill>
+          <a:ln w="9525">
+            <a:solidFill>
+              <a:schemeClr val="tx1">
+                <a:lumMod val="95000"/>
+                <a:lumOff val="5000"/>
+              </a:schemeClr>
+            </a:solidFill>
+          </a:ln>
+          <a:effectLst>
+            <a:outerShdw blurRad="107950" dist="12700" dir="5400000" algn="ctr">
+              <a:srgbClr val="000000"/>
+            </a:outerShdw>
+          </a:effectLst>
+          <a:scene3d>
+            <a:camera prst="orthographicFront">
+              <a:rot lat="0" lon="0" rev="0"/>
+            </a:camera>
+            <a:lightRig rig="soft" dir="t">
+              <a:rot lat="0" lon="0" rev="0"/>
+            </a:lightRig>
+          </a:scene3d>
+          <a:sp3d contourW="44450" prstMaterial="matte">
+            <a:bevelT w="63500" h="63500" prst="artDeco"/>
+            <a:contourClr>
+              <a:schemeClr val="tx1"/>
+            </a:contourClr>
+          </a:sp3d>
+        </p:spPr>
+        <p:style>
+          <a:lnRef idx="2">
+            <a:schemeClr val="accent1">
+              <a:shade val="50000"/>
+            </a:schemeClr>
+          </a:lnRef>
+          <a:fillRef idx="1">
+            <a:schemeClr val="accent1"/>
+          </a:fillRef>
+          <a:effectRef idx="0">
+            <a:schemeClr val="accent1"/>
+          </a:effectRef>
+          <a:fontRef idx="minor">
+            <a:schemeClr val="lt1"/>
+          </a:fontRef>
+        </p:style>
+        <p:txBody>
+          <a:bodyPr rtlCol="0" anchor="ctr"/>
+          <a:lstStyle/>
+          <a:p>
+            <a:pPr algn="ctr"/>
+            <a:r>
+              <a:rPr lang="pt-BR" sz="1400" dirty="0">
+                <a:solidFill>
+                  <a:schemeClr val="tx1"/>
+                </a:solidFill>
+                <a:latin typeface="Times New Roman" panose="02020603050405020304" pitchFamily="18" charset="0"/>
+                <a:cs typeface="Times New Roman" panose="02020603050405020304" pitchFamily="18" charset="0"/>
+              </a:rPr>
+              <a:t>2.1. Construção:</a:t>
+            </a:r>
+          </a:p>
+          <a:p>
+            <a:pPr algn="ctr"/>
+            <a:r>
+              <a:rPr lang="pt-BR" sz="1400" dirty="0">
+                <a:solidFill>
+                  <a:schemeClr val="tx1"/>
+                </a:solidFill>
+                <a:latin typeface="Times New Roman" panose="02020603050405020304" pitchFamily="18" charset="0"/>
+                <a:cs typeface="Times New Roman" panose="02020603050405020304" pitchFamily="18" charset="0"/>
+              </a:rPr>
+              <a:t>Banco de Dados</a:t>
+            </a:r>
+          </a:p>
+        </p:txBody>
+      </p:sp>
+      <p:cxnSp>
+        <p:nvCxnSpPr>
+          <p:cNvPr id="21" name="Conector reto 20">
+            <a:extLst>
+              <a:ext uri="{FF2B5EF4-FFF2-40B4-BE49-F238E27FC236}">
+                <a16:creationId xmlns:a16="http://schemas.microsoft.com/office/drawing/2014/main" id="{21465948-A007-44ED-933C-0CEAC5230D72}"/>
+              </a:ext>
+            </a:extLst>
+          </p:cNvPr>
+          <p:cNvCxnSpPr>
+            <a:cxnSpLocks/>
+          </p:cNvCxnSpPr>
+          <p:nvPr/>
+        </p:nvCxnSpPr>
+        <p:spPr>
+          <a:xfrm>
+            <a:off x="2228754" y="3933822"/>
+            <a:ext cx="380469" cy="0"/>
+          </a:xfrm>
+          <a:prstGeom prst="line">
+            <a:avLst/>
+          </a:prstGeom>
+          <a:ln w="28575"/>
+        </p:spPr>
+        <p:style>
+          <a:lnRef idx="1">
+            <a:schemeClr val="dk1"/>
+          </a:lnRef>
+          <a:fillRef idx="0">
+            <a:schemeClr val="dk1"/>
+          </a:fillRef>
+          <a:effectRef idx="0">
+            <a:schemeClr val="dk1"/>
+          </a:effectRef>
+          <a:fontRef idx="minor">
+            <a:schemeClr val="tx1"/>
+          </a:fontRef>
+        </p:style>
+      </p:cxnSp>
+      <p:sp>
+        <p:nvSpPr>
+          <p:cNvPr id="22" name="Fluxograma: Processo Alternativo 21">
+            <a:extLst>
+              <a:ext uri="{FF2B5EF4-FFF2-40B4-BE49-F238E27FC236}">
+                <a16:creationId xmlns:a16="http://schemas.microsoft.com/office/drawing/2014/main" id="{C7B474E8-D4CB-4EB0-884D-6544DE74057C}"/>
+              </a:ext>
+            </a:extLst>
+          </p:cNvPr>
+          <p:cNvSpPr/>
+          <p:nvPr/>
+        </p:nvSpPr>
+        <p:spPr>
+          <a:xfrm>
+            <a:off x="2630999" y="3666659"/>
+            <a:ext cx="1591141" cy="534326"/>
+          </a:xfrm>
+          <a:prstGeom prst="flowChartAlternateProcess">
+            <a:avLst/>
+          </a:prstGeom>
+          <a:solidFill>
+            <a:srgbClr val="FAEBAE"/>
+          </a:solidFill>
+          <a:ln w="9525">
+            <a:solidFill>
+              <a:schemeClr val="tx1">
+                <a:lumMod val="95000"/>
+                <a:lumOff val="5000"/>
+              </a:schemeClr>
+            </a:solidFill>
+          </a:ln>
+          <a:effectLst>
+            <a:outerShdw blurRad="107950" dist="12700" dir="5400000" algn="ctr">
+              <a:srgbClr val="000000"/>
+            </a:outerShdw>
+          </a:effectLst>
+          <a:scene3d>
+            <a:camera prst="orthographicFront">
+              <a:rot lat="0" lon="0" rev="0"/>
+            </a:camera>
+            <a:lightRig rig="soft" dir="t">
+              <a:rot lat="0" lon="0" rev="0"/>
+            </a:lightRig>
+          </a:scene3d>
+          <a:sp3d contourW="44450" prstMaterial="matte">
+            <a:bevelT w="63500" h="63500" prst="artDeco"/>
+            <a:contourClr>
+              <a:schemeClr val="tx1"/>
+            </a:contourClr>
+          </a:sp3d>
+        </p:spPr>
+        <p:style>
+          <a:lnRef idx="2">
+            <a:schemeClr val="accent1">
+              <a:shade val="50000"/>
+            </a:schemeClr>
+          </a:lnRef>
+          <a:fillRef idx="1">
+            <a:schemeClr val="accent1"/>
+          </a:fillRef>
+          <a:effectRef idx="0">
+            <a:schemeClr val="accent1"/>
+          </a:effectRef>
+          <a:fontRef idx="minor">
+            <a:schemeClr val="lt1"/>
+          </a:fontRef>
+        </p:style>
+        <p:txBody>
+          <a:bodyPr rtlCol="0" anchor="ctr"/>
+          <a:lstStyle/>
+          <a:p>
+            <a:pPr algn="ctr"/>
+            <a:r>
+              <a:rPr lang="pt-BR" sz="1400" dirty="0">
+                <a:solidFill>
+                  <a:schemeClr val="tx1"/>
+                </a:solidFill>
+                <a:latin typeface="Times New Roman" panose="02020603050405020304" pitchFamily="18" charset="0"/>
+                <a:cs typeface="Times New Roman" panose="02020603050405020304" pitchFamily="18" charset="0"/>
+              </a:rPr>
+              <a:t>2.2. Construção:</a:t>
+            </a:r>
+          </a:p>
+          <a:p>
+            <a:pPr algn="ctr"/>
+            <a:r>
+              <a:rPr lang="pt-BR" sz="1400" dirty="0">
+                <a:solidFill>
+                  <a:schemeClr val="tx1"/>
+                </a:solidFill>
+                <a:latin typeface="Times New Roman" panose="02020603050405020304" pitchFamily="18" charset="0"/>
+                <a:cs typeface="Times New Roman" panose="02020603050405020304" pitchFamily="18" charset="0"/>
+              </a:rPr>
+              <a:t>Lado do Servidor</a:t>
+            </a:r>
+          </a:p>
+        </p:txBody>
+      </p:sp>
+      <p:cxnSp>
+        <p:nvCxnSpPr>
+          <p:cNvPr id="25" name="Conector reto 24">
+            <a:extLst>
+              <a:ext uri="{FF2B5EF4-FFF2-40B4-BE49-F238E27FC236}">
+                <a16:creationId xmlns:a16="http://schemas.microsoft.com/office/drawing/2014/main" id="{EFC625B8-FDB7-4759-A881-FD02F689B2D1}"/>
+              </a:ext>
+            </a:extLst>
+          </p:cNvPr>
+          <p:cNvCxnSpPr>
+            <a:cxnSpLocks/>
+          </p:cNvCxnSpPr>
+          <p:nvPr/>
+        </p:nvCxnSpPr>
+        <p:spPr>
+          <a:xfrm>
+            <a:off x="2228755" y="4603085"/>
+            <a:ext cx="380469" cy="0"/>
+          </a:xfrm>
+          <a:prstGeom prst="line">
+            <a:avLst/>
+          </a:prstGeom>
+          <a:ln w="28575"/>
+        </p:spPr>
+        <p:style>
+          <a:lnRef idx="1">
+            <a:schemeClr val="dk1"/>
+          </a:lnRef>
+          <a:fillRef idx="0">
+            <a:schemeClr val="dk1"/>
+          </a:fillRef>
+          <a:effectRef idx="0">
+            <a:schemeClr val="dk1"/>
+          </a:effectRef>
+          <a:fontRef idx="minor">
+            <a:schemeClr val="tx1"/>
+          </a:fontRef>
+        </p:style>
+      </p:cxnSp>
+      <p:sp>
+        <p:nvSpPr>
+          <p:cNvPr id="24" name="Fluxograma: Processo Alternativo 23">
+            <a:extLst>
+              <a:ext uri="{FF2B5EF4-FFF2-40B4-BE49-F238E27FC236}">
+                <a16:creationId xmlns:a16="http://schemas.microsoft.com/office/drawing/2014/main" id="{BE07F815-1F62-4D68-A748-2819645E9121}"/>
+              </a:ext>
+            </a:extLst>
+          </p:cNvPr>
+          <p:cNvSpPr/>
+          <p:nvPr/>
+        </p:nvSpPr>
+        <p:spPr>
+          <a:xfrm>
+            <a:off x="2630998" y="4335922"/>
+            <a:ext cx="1591141" cy="534326"/>
+          </a:xfrm>
+          <a:prstGeom prst="flowChartAlternateProcess">
+            <a:avLst/>
+          </a:prstGeom>
+          <a:solidFill>
+            <a:srgbClr val="FAEBAE"/>
+          </a:solidFill>
+          <a:ln w="9525">
+            <a:solidFill>
+              <a:schemeClr val="tx1">
+                <a:lumMod val="95000"/>
+                <a:lumOff val="5000"/>
+              </a:schemeClr>
+            </a:solidFill>
+          </a:ln>
+          <a:effectLst>
+            <a:outerShdw blurRad="107950" dist="12700" dir="5400000" algn="ctr">
+              <a:srgbClr val="000000"/>
+            </a:outerShdw>
+          </a:effectLst>
+          <a:scene3d>
+            <a:camera prst="orthographicFront">
+              <a:rot lat="0" lon="0" rev="0"/>
+            </a:camera>
+            <a:lightRig rig="soft" dir="t">
+              <a:rot lat="0" lon="0" rev="0"/>
+            </a:lightRig>
+          </a:scene3d>
+          <a:sp3d contourW="44450" prstMaterial="matte">
+            <a:bevelT w="63500" h="63500" prst="artDeco"/>
+            <a:contourClr>
+              <a:schemeClr val="tx1"/>
+            </a:contourClr>
+          </a:sp3d>
+        </p:spPr>
+        <p:style>
+          <a:lnRef idx="2">
+            <a:schemeClr val="accent1">
+              <a:shade val="50000"/>
+            </a:schemeClr>
+          </a:lnRef>
+          <a:fillRef idx="1">
+            <a:schemeClr val="accent1"/>
+          </a:fillRef>
+          <a:effectRef idx="0">
+            <a:schemeClr val="accent1"/>
+          </a:effectRef>
+          <a:fontRef idx="minor">
+            <a:schemeClr val="lt1"/>
+          </a:fontRef>
+        </p:style>
+        <p:txBody>
+          <a:bodyPr rtlCol="0" anchor="ctr"/>
+          <a:lstStyle/>
+          <a:p>
+            <a:pPr algn="ctr"/>
+            <a:r>
+              <a:rPr lang="pt-BR" sz="1400" dirty="0">
+                <a:solidFill>
+                  <a:schemeClr val="tx1"/>
+                </a:solidFill>
+                <a:latin typeface="Times New Roman" panose="02020603050405020304" pitchFamily="18" charset="0"/>
+                <a:cs typeface="Times New Roman" panose="02020603050405020304" pitchFamily="18" charset="0"/>
+              </a:rPr>
+              <a:t>2.3. Construção:</a:t>
+            </a:r>
+          </a:p>
+          <a:p>
+            <a:pPr algn="ctr"/>
+            <a:r>
+              <a:rPr lang="pt-BR" sz="1400" dirty="0">
+                <a:solidFill>
+                  <a:schemeClr val="tx1"/>
+                </a:solidFill>
+                <a:latin typeface="Times New Roman" panose="02020603050405020304" pitchFamily="18" charset="0"/>
+                <a:cs typeface="Times New Roman" panose="02020603050405020304" pitchFamily="18" charset="0"/>
+              </a:rPr>
+              <a:t>Lado do Cliente</a:t>
+            </a:r>
+          </a:p>
+        </p:txBody>
+      </p:sp>
+      <p:cxnSp>
+        <p:nvCxnSpPr>
+          <p:cNvPr id="28" name="Conector reto 27">
+            <a:extLst>
+              <a:ext uri="{FF2B5EF4-FFF2-40B4-BE49-F238E27FC236}">
+                <a16:creationId xmlns:a16="http://schemas.microsoft.com/office/drawing/2014/main" id="{41FA2301-32B1-41B2-88A8-14879DEF9872}"/>
+              </a:ext>
+            </a:extLst>
+          </p:cNvPr>
+          <p:cNvCxnSpPr>
+            <a:cxnSpLocks/>
+            <a:endCxn id="4" idx="2"/>
+          </p:cNvCxnSpPr>
+          <p:nvPr/>
+        </p:nvCxnSpPr>
+        <p:spPr>
+          <a:xfrm>
+            <a:off x="6096000" y="5358"/>
+            <a:ext cx="0" cy="6852642"/>
+          </a:xfrm>
+          <a:prstGeom prst="line">
+            <a:avLst/>
+          </a:prstGeom>
+          <a:ln w="28575">
+            <a:solidFill>
+              <a:schemeClr val="tx1"/>
+            </a:solidFill>
+          </a:ln>
+        </p:spPr>
+        <p:style>
+          <a:lnRef idx="1">
+            <a:schemeClr val="accent1"/>
+          </a:lnRef>
+          <a:fillRef idx="0">
+            <a:schemeClr val="accent1"/>
+          </a:fillRef>
+          <a:effectRef idx="0">
+            <a:schemeClr val="accent1"/>
+          </a:effectRef>
+          <a:fontRef idx="minor">
+            <a:schemeClr val="tx1"/>
+          </a:fontRef>
+        </p:style>
+      </p:cxnSp>
+      <p:cxnSp>
+        <p:nvCxnSpPr>
+          <p:cNvPr id="30" name="Conector reto 29">
+            <a:extLst>
+              <a:ext uri="{FF2B5EF4-FFF2-40B4-BE49-F238E27FC236}">
+                <a16:creationId xmlns:a16="http://schemas.microsoft.com/office/drawing/2014/main" id="{4CB4E81C-2DCF-481E-A3A7-B5FA05CC5D8D}"/>
+              </a:ext>
+            </a:extLst>
+          </p:cNvPr>
+          <p:cNvCxnSpPr>
+            <a:cxnSpLocks/>
+          </p:cNvCxnSpPr>
+          <p:nvPr/>
+        </p:nvCxnSpPr>
+        <p:spPr>
+          <a:xfrm>
+            <a:off x="1647465" y="5319510"/>
+            <a:ext cx="771525" cy="0"/>
+          </a:xfrm>
+          <a:prstGeom prst="line">
+            <a:avLst/>
+          </a:prstGeom>
+          <a:ln w="28575"/>
+        </p:spPr>
+        <p:style>
+          <a:lnRef idx="1">
+            <a:schemeClr val="dk1"/>
+          </a:lnRef>
+          <a:fillRef idx="0">
+            <a:schemeClr val="dk1"/>
+          </a:fillRef>
+          <a:effectRef idx="0">
+            <a:schemeClr val="dk1"/>
+          </a:effectRef>
+          <a:fontRef idx="minor">
+            <a:schemeClr val="tx1"/>
+          </a:fontRef>
+        </p:style>
+      </p:cxnSp>
+      <p:sp>
+        <p:nvSpPr>
+          <p:cNvPr id="31" name="Fluxograma: Processo Alternativo 30">
+            <a:extLst>
+              <a:ext uri="{FF2B5EF4-FFF2-40B4-BE49-F238E27FC236}">
+                <a16:creationId xmlns:a16="http://schemas.microsoft.com/office/drawing/2014/main" id="{D09E3BA5-02D4-466B-B726-E2E98E5B9C92}"/>
+              </a:ext>
+            </a:extLst>
+          </p:cNvPr>
+          <p:cNvSpPr/>
+          <p:nvPr/>
+        </p:nvSpPr>
+        <p:spPr>
+          <a:xfrm>
+            <a:off x="2047881" y="5074002"/>
+            <a:ext cx="2174256" cy="462284"/>
+          </a:xfrm>
+          <a:prstGeom prst="flowChartAlternateProcess">
+            <a:avLst/>
+          </a:prstGeom>
+          <a:solidFill>
+            <a:srgbClr val="FAE180"/>
+          </a:solidFill>
+          <a:ln w="9525">
+            <a:solidFill>
+              <a:schemeClr val="tx1">
+                <a:lumMod val="95000"/>
+                <a:lumOff val="5000"/>
+              </a:schemeClr>
+            </a:solidFill>
+          </a:ln>
+          <a:effectLst>
+            <a:outerShdw blurRad="107950" dist="12700" dir="5400000" algn="ctr">
+              <a:srgbClr val="000000"/>
+            </a:outerShdw>
+          </a:effectLst>
+          <a:scene3d>
+            <a:camera prst="orthographicFront">
+              <a:rot lat="0" lon="0" rev="0"/>
+            </a:camera>
+            <a:lightRig rig="soft" dir="t">
+              <a:rot lat="0" lon="0" rev="0"/>
+            </a:lightRig>
+          </a:scene3d>
+          <a:sp3d contourW="44450" prstMaterial="matte">
+            <a:bevelT w="63500" h="63500" prst="artDeco"/>
+            <a:contourClr>
+              <a:schemeClr val="tx1"/>
+            </a:contourClr>
+          </a:sp3d>
+        </p:spPr>
+        <p:style>
+          <a:lnRef idx="2">
+            <a:schemeClr val="accent1">
+              <a:shade val="50000"/>
+            </a:schemeClr>
+          </a:lnRef>
+          <a:fillRef idx="1">
+            <a:schemeClr val="accent1"/>
+          </a:fillRef>
+          <a:effectRef idx="0">
+            <a:schemeClr val="accent1"/>
+          </a:effectRef>
+          <a:fontRef idx="minor">
+            <a:schemeClr val="lt1"/>
+          </a:fontRef>
+        </p:style>
+        <p:txBody>
+          <a:bodyPr rtlCol="0" anchor="ctr"/>
+          <a:lstStyle/>
+          <a:p>
+            <a:pPr algn="ctr"/>
+            <a:r>
+              <a:rPr lang="pt-BR" sz="1600" dirty="0">
+                <a:solidFill>
+                  <a:schemeClr val="tx1"/>
+                </a:solidFill>
+                <a:latin typeface="Times New Roman" panose="02020603050405020304" pitchFamily="18" charset="0"/>
+                <a:cs typeface="Times New Roman" panose="02020603050405020304" pitchFamily="18" charset="0"/>
+              </a:rPr>
+              <a:t>3. Relatório: Reunião 2</a:t>
+            </a:r>
+          </a:p>
+        </p:txBody>
+      </p:sp>
+      <p:cxnSp>
+        <p:nvCxnSpPr>
+          <p:cNvPr id="32" name="Conector reto 31">
+            <a:extLst>
+              <a:ext uri="{FF2B5EF4-FFF2-40B4-BE49-F238E27FC236}">
+                <a16:creationId xmlns:a16="http://schemas.microsoft.com/office/drawing/2014/main" id="{A1B5B678-4734-4DA5-809F-B7C41756A317}"/>
+              </a:ext>
+            </a:extLst>
+          </p:cNvPr>
+          <p:cNvCxnSpPr>
+            <a:cxnSpLocks/>
+          </p:cNvCxnSpPr>
+          <p:nvPr/>
+        </p:nvCxnSpPr>
+        <p:spPr>
+          <a:xfrm>
+            <a:off x="1647466" y="5974418"/>
+            <a:ext cx="771525" cy="0"/>
+          </a:xfrm>
+          <a:prstGeom prst="line">
+            <a:avLst/>
+          </a:prstGeom>
+          <a:ln w="28575"/>
+        </p:spPr>
+        <p:style>
+          <a:lnRef idx="1">
+            <a:schemeClr val="dk1"/>
+          </a:lnRef>
+          <a:fillRef idx="0">
+            <a:schemeClr val="dk1"/>
+          </a:fillRef>
+          <a:effectRef idx="0">
+            <a:schemeClr val="dk1"/>
+          </a:effectRef>
+          <a:fontRef idx="minor">
+            <a:schemeClr val="tx1"/>
+          </a:fontRef>
+        </p:style>
+      </p:cxnSp>
+      <p:sp>
+        <p:nvSpPr>
+          <p:cNvPr id="33" name="Fluxograma: Processo Alternativo 32">
+            <a:extLst>
+              <a:ext uri="{FF2B5EF4-FFF2-40B4-BE49-F238E27FC236}">
+                <a16:creationId xmlns:a16="http://schemas.microsoft.com/office/drawing/2014/main" id="{658E36CD-6EE7-4DCF-8CBD-2499463C3682}"/>
+              </a:ext>
+            </a:extLst>
+          </p:cNvPr>
+          <p:cNvSpPr/>
+          <p:nvPr/>
+        </p:nvSpPr>
+        <p:spPr>
+          <a:xfrm>
+            <a:off x="2047881" y="5729962"/>
+            <a:ext cx="2174254" cy="462284"/>
+          </a:xfrm>
+          <a:prstGeom prst="flowChartAlternateProcess">
+            <a:avLst/>
+          </a:prstGeom>
+          <a:solidFill>
+            <a:srgbClr val="FAE180"/>
+          </a:solidFill>
+          <a:ln w="9525">
+            <a:solidFill>
+              <a:schemeClr val="tx1">
+                <a:lumMod val="95000"/>
+                <a:lumOff val="5000"/>
+              </a:schemeClr>
+            </a:solidFill>
+          </a:ln>
+          <a:effectLst>
+            <a:outerShdw blurRad="107950" dist="12700" dir="5400000" algn="ctr">
+              <a:srgbClr val="000000"/>
+            </a:outerShdw>
+          </a:effectLst>
+          <a:scene3d>
+            <a:camera prst="orthographicFront">
+              <a:rot lat="0" lon="0" rev="0"/>
+            </a:camera>
+            <a:lightRig rig="soft" dir="t">
+              <a:rot lat="0" lon="0" rev="0"/>
+            </a:lightRig>
+          </a:scene3d>
+          <a:sp3d contourW="44450" prstMaterial="matte">
+            <a:bevelT w="63500" h="63500" prst="artDeco"/>
+            <a:contourClr>
+              <a:schemeClr val="tx1"/>
+            </a:contourClr>
+          </a:sp3d>
+        </p:spPr>
+        <p:style>
+          <a:lnRef idx="2">
+            <a:schemeClr val="accent1">
+              <a:shade val="50000"/>
+            </a:schemeClr>
+          </a:lnRef>
+          <a:fillRef idx="1">
+            <a:schemeClr val="accent1"/>
+          </a:fillRef>
+          <a:effectRef idx="0">
+            <a:schemeClr val="accent1"/>
+          </a:effectRef>
+          <a:fontRef idx="minor">
+            <a:schemeClr val="lt1"/>
+          </a:fontRef>
+        </p:style>
+        <p:txBody>
+          <a:bodyPr rtlCol="0" anchor="ctr"/>
+          <a:lstStyle/>
+          <a:p>
+            <a:pPr algn="ctr"/>
+            <a:r>
+              <a:rPr lang="pt-BR" sz="1600" dirty="0">
+                <a:solidFill>
+                  <a:schemeClr val="tx1"/>
+                </a:solidFill>
+                <a:latin typeface="Times New Roman" panose="02020603050405020304" pitchFamily="18" charset="0"/>
+                <a:cs typeface="Times New Roman" panose="02020603050405020304" pitchFamily="18" charset="0"/>
+              </a:rPr>
+              <a:t>4. Relatório: Reunião 3</a:t>
+            </a:r>
+          </a:p>
+        </p:txBody>
+      </p:sp>
+      <p:sp>
+        <p:nvSpPr>
+          <p:cNvPr id="11" name="Fluxograma: Processo Alternativo 10">
+            <a:extLst>
+              <a:ext uri="{FF2B5EF4-FFF2-40B4-BE49-F238E27FC236}">
+                <a16:creationId xmlns:a16="http://schemas.microsoft.com/office/drawing/2014/main" id="{09E225C0-2D95-43E1-8C02-E46925D4B51A}"/>
+              </a:ext>
+            </a:extLst>
+          </p:cNvPr>
+          <p:cNvSpPr/>
+          <p:nvPr/>
+        </p:nvSpPr>
+        <p:spPr>
+          <a:xfrm>
+            <a:off x="2082821" y="2298449"/>
+            <a:ext cx="2142600" cy="462284"/>
+          </a:xfrm>
+          <a:prstGeom prst="flowChartAlternateProcess">
+            <a:avLst/>
+          </a:prstGeom>
+          <a:solidFill>
+            <a:srgbClr val="FAE180"/>
+          </a:solidFill>
+          <a:ln w="9525">
+            <a:solidFill>
+              <a:schemeClr val="tx1">
+                <a:lumMod val="95000"/>
+                <a:lumOff val="5000"/>
+              </a:schemeClr>
+            </a:solidFill>
+          </a:ln>
+          <a:effectLst>
+            <a:outerShdw blurRad="107950" dist="12700" dir="5400000" algn="ctr">
+              <a:srgbClr val="000000"/>
+            </a:outerShdw>
+          </a:effectLst>
+          <a:scene3d>
+            <a:camera prst="orthographicFront">
+              <a:rot lat="0" lon="0" rev="0"/>
+            </a:camera>
+            <a:lightRig rig="soft" dir="t">
+              <a:rot lat="0" lon="0" rev="0"/>
+            </a:lightRig>
+          </a:scene3d>
+          <a:sp3d contourW="44450" prstMaterial="matte">
+            <a:bevelT w="63500" h="63500" prst="artDeco"/>
+            <a:contourClr>
+              <a:schemeClr val="tx1"/>
+            </a:contourClr>
+          </a:sp3d>
+        </p:spPr>
+        <p:style>
+          <a:lnRef idx="2">
+            <a:schemeClr val="accent1">
+              <a:shade val="50000"/>
+            </a:schemeClr>
+          </a:lnRef>
+          <a:fillRef idx="1">
+            <a:schemeClr val="accent1"/>
+          </a:fillRef>
+          <a:effectRef idx="0">
+            <a:schemeClr val="accent1"/>
+          </a:effectRef>
+          <a:fontRef idx="minor">
+            <a:schemeClr val="lt1"/>
+          </a:fontRef>
+        </p:style>
+        <p:txBody>
+          <a:bodyPr rtlCol="0" anchor="ctr"/>
+          <a:lstStyle/>
+          <a:p>
+            <a:pPr algn="ctr"/>
+            <a:r>
+              <a:rPr lang="pt-BR" sz="1600" dirty="0">
+                <a:solidFill>
+                  <a:schemeClr val="tx1"/>
+                </a:solidFill>
+                <a:latin typeface="Times New Roman" panose="02020603050405020304" pitchFamily="18" charset="0"/>
+                <a:cs typeface="Times New Roman" panose="02020603050405020304" pitchFamily="18" charset="0"/>
+              </a:rPr>
+              <a:t>2. Desenvolvimento </a:t>
+            </a:r>
+          </a:p>
+        </p:txBody>
+      </p:sp>
+      <p:cxnSp>
+        <p:nvCxnSpPr>
+          <p:cNvPr id="35" name="Conector reto 34">
+            <a:extLst>
+              <a:ext uri="{FF2B5EF4-FFF2-40B4-BE49-F238E27FC236}">
+                <a16:creationId xmlns:a16="http://schemas.microsoft.com/office/drawing/2014/main" id="{1CA22EE4-894E-44F2-A238-7BBF71ED58CD}"/>
+              </a:ext>
+            </a:extLst>
+          </p:cNvPr>
+          <p:cNvCxnSpPr>
+            <a:cxnSpLocks/>
+          </p:cNvCxnSpPr>
+          <p:nvPr/>
+        </p:nvCxnSpPr>
+        <p:spPr>
+          <a:xfrm>
+            <a:off x="9085678" y="11150"/>
+            <a:ext cx="0" cy="707949"/>
+          </a:xfrm>
+          <a:prstGeom prst="line">
+            <a:avLst/>
+          </a:prstGeom>
+          <a:ln w="28575">
+            <a:solidFill>
+              <a:schemeClr val="tx1"/>
+            </a:solidFill>
+          </a:ln>
+        </p:spPr>
+        <p:style>
+          <a:lnRef idx="1">
+            <a:schemeClr val="accent1"/>
+          </a:lnRef>
+          <a:fillRef idx="0">
+            <a:schemeClr val="accent1"/>
+          </a:fillRef>
+          <a:effectRef idx="0">
+            <a:schemeClr val="accent1"/>
+          </a:effectRef>
+          <a:fontRef idx="minor">
+            <a:schemeClr val="tx1"/>
+          </a:fontRef>
+        </p:style>
+      </p:cxnSp>
+      <p:sp>
+        <p:nvSpPr>
+          <p:cNvPr id="36" name="Fluxograma: Processo Alternativo 35">
+            <a:extLst>
+              <a:ext uri="{FF2B5EF4-FFF2-40B4-BE49-F238E27FC236}">
+                <a16:creationId xmlns:a16="http://schemas.microsoft.com/office/drawing/2014/main" id="{4F87C7C7-59BA-4146-BF1F-7853A8270C45}"/>
+              </a:ext>
+            </a:extLst>
+          </p:cNvPr>
+          <p:cNvSpPr/>
+          <p:nvPr/>
+        </p:nvSpPr>
+        <p:spPr>
+          <a:xfrm>
+            <a:off x="7703239" y="711422"/>
+            <a:ext cx="2881522" cy="610675"/>
+          </a:xfrm>
+          <a:prstGeom prst="flowChartAlternateProcess">
+            <a:avLst/>
+          </a:prstGeom>
+          <a:solidFill>
+            <a:srgbClr val="92E285"/>
+          </a:solidFill>
+          <a:ln w="9525">
+            <a:solidFill>
+              <a:schemeClr val="tx1">
+                <a:lumMod val="95000"/>
+                <a:lumOff val="5000"/>
+              </a:schemeClr>
+            </a:solidFill>
+          </a:ln>
+          <a:effectLst>
+            <a:outerShdw blurRad="107950" dist="12700" dir="5400000" algn="ctr">
+              <a:srgbClr val="000000"/>
+            </a:outerShdw>
+          </a:effectLst>
+          <a:scene3d>
+            <a:camera prst="orthographicFront">
+              <a:rot lat="0" lon="0" rev="0"/>
+            </a:camera>
+            <a:lightRig rig="soft" dir="t">
+              <a:rot lat="0" lon="0" rev="0"/>
+            </a:lightRig>
+          </a:scene3d>
+          <a:sp3d contourW="44450" prstMaterial="matte">
+            <a:bevelT w="63500" h="63500" prst="artDeco"/>
+            <a:contourClr>
+              <a:schemeClr val="tx1"/>
+            </a:contourClr>
+          </a:sp3d>
+        </p:spPr>
+        <p:style>
+          <a:lnRef idx="2">
+            <a:schemeClr val="accent1">
+              <a:shade val="50000"/>
+            </a:schemeClr>
+          </a:lnRef>
+          <a:fillRef idx="1">
+            <a:schemeClr val="accent1"/>
+          </a:fillRef>
+          <a:effectRef idx="0">
+            <a:schemeClr val="accent1"/>
+          </a:effectRef>
+          <a:fontRef idx="minor">
+            <a:schemeClr val="lt1"/>
+          </a:fontRef>
+        </p:style>
+        <p:txBody>
+          <a:bodyPr tIns="0" bIns="72000" rtlCol="0" anchor="ctr"/>
+          <a:lstStyle/>
+          <a:p>
+            <a:pPr algn="ctr"/>
+            <a:r>
+              <a:rPr lang="pt-BR" sz="4000" dirty="0">
+                <a:solidFill>
+                  <a:schemeClr val="tx1"/>
+                </a:solidFill>
+                <a:latin typeface="Times New Roman" panose="02020603050405020304" pitchFamily="18" charset="0"/>
+                <a:cs typeface="Times New Roman" panose="02020603050405020304" pitchFamily="18" charset="0"/>
+              </a:rPr>
+              <a:t>Construção</a:t>
+            </a:r>
+          </a:p>
+        </p:txBody>
+      </p:sp>
+      <p:cxnSp>
+        <p:nvCxnSpPr>
+          <p:cNvPr id="37" name="Conector reto 36">
+            <a:extLst>
+              <a:ext uri="{FF2B5EF4-FFF2-40B4-BE49-F238E27FC236}">
+                <a16:creationId xmlns:a16="http://schemas.microsoft.com/office/drawing/2014/main" id="{EA74D60C-F3CE-4E1E-B790-0766E60F6443}"/>
+              </a:ext>
+            </a:extLst>
+          </p:cNvPr>
+          <p:cNvCxnSpPr>
+            <a:cxnSpLocks/>
+          </p:cNvCxnSpPr>
+          <p:nvPr/>
+        </p:nvCxnSpPr>
+        <p:spPr>
+          <a:xfrm>
+            <a:off x="7884786" y="1866563"/>
+            <a:ext cx="771525" cy="0"/>
+          </a:xfrm>
+          <a:prstGeom prst="line">
+            <a:avLst/>
+          </a:prstGeom>
+          <a:ln w="28575"/>
+        </p:spPr>
+        <p:style>
+          <a:lnRef idx="1">
+            <a:schemeClr val="dk1"/>
+          </a:lnRef>
+          <a:fillRef idx="0">
+            <a:schemeClr val="dk1"/>
+          </a:fillRef>
+          <a:effectRef idx="0">
+            <a:schemeClr val="dk1"/>
+          </a:effectRef>
+          <a:fontRef idx="minor">
+            <a:schemeClr val="tx1"/>
+          </a:fontRef>
+        </p:style>
+      </p:cxnSp>
+      <p:sp>
+        <p:nvSpPr>
+          <p:cNvPr id="38" name="Fluxograma: Processo Alternativo 37">
+            <a:extLst>
+              <a:ext uri="{FF2B5EF4-FFF2-40B4-BE49-F238E27FC236}">
+                <a16:creationId xmlns:a16="http://schemas.microsoft.com/office/drawing/2014/main" id="{807017B5-68F0-42D7-8B34-7E9A70455955}"/>
+              </a:ext>
+            </a:extLst>
+          </p:cNvPr>
+          <p:cNvSpPr/>
+          <p:nvPr/>
+        </p:nvSpPr>
+        <p:spPr>
+          <a:xfrm>
+            <a:off x="8270548" y="1628353"/>
+            <a:ext cx="2177535" cy="476420"/>
+          </a:xfrm>
+          <a:prstGeom prst="flowChartAlternateProcess">
+            <a:avLst/>
+          </a:prstGeom>
+          <a:solidFill>
+            <a:srgbClr val="FAE180"/>
+          </a:solidFill>
+          <a:ln w="9525">
+            <a:solidFill>
+              <a:schemeClr val="tx1">
+                <a:lumMod val="95000"/>
+                <a:lumOff val="5000"/>
+              </a:schemeClr>
+            </a:solidFill>
+          </a:ln>
+          <a:effectLst>
+            <a:outerShdw blurRad="107950" dist="12700" dir="5400000" algn="ctr">
+              <a:srgbClr val="000000"/>
+            </a:outerShdw>
+          </a:effectLst>
+          <a:scene3d>
+            <a:camera prst="orthographicFront">
+              <a:rot lat="0" lon="0" rev="0"/>
+            </a:camera>
+            <a:lightRig rig="soft" dir="t">
+              <a:rot lat="0" lon="0" rev="0"/>
+            </a:lightRig>
+          </a:scene3d>
+          <a:sp3d contourW="44450" prstMaterial="matte">
+            <a:bevelT w="63500" h="63500" prst="artDeco"/>
+            <a:contourClr>
+              <a:schemeClr val="tx1"/>
+            </a:contourClr>
+          </a:sp3d>
+        </p:spPr>
+        <p:style>
+          <a:lnRef idx="2">
+            <a:schemeClr val="accent1">
+              <a:shade val="50000"/>
+            </a:schemeClr>
+          </a:lnRef>
+          <a:fillRef idx="1">
+            <a:schemeClr val="accent1"/>
+          </a:fillRef>
+          <a:effectRef idx="0">
+            <a:schemeClr val="accent1"/>
+          </a:effectRef>
+          <a:fontRef idx="minor">
+            <a:schemeClr val="lt1"/>
+          </a:fontRef>
+        </p:style>
+        <p:txBody>
+          <a:bodyPr rtlCol="0" anchor="ctr"/>
+          <a:lstStyle/>
+          <a:p>
+            <a:pPr algn="ctr"/>
+            <a:r>
+              <a:rPr lang="pt-BR" sz="1600" dirty="0">
+                <a:solidFill>
+                  <a:schemeClr val="tx1"/>
+                </a:solidFill>
+                <a:latin typeface="Times New Roman" panose="02020603050405020304" pitchFamily="18" charset="0"/>
+                <a:cs typeface="Times New Roman" panose="02020603050405020304" pitchFamily="18" charset="0"/>
+              </a:rPr>
+              <a:t>5. Teste</a:t>
+            </a:r>
+          </a:p>
+        </p:txBody>
+      </p:sp>
+      <p:cxnSp>
+        <p:nvCxnSpPr>
+          <p:cNvPr id="39" name="Conector reto 38">
+            <a:extLst>
+              <a:ext uri="{FF2B5EF4-FFF2-40B4-BE49-F238E27FC236}">
+                <a16:creationId xmlns:a16="http://schemas.microsoft.com/office/drawing/2014/main" id="{49E310CD-A641-4537-8405-FE1388F1CD34}"/>
+              </a:ext>
+            </a:extLst>
+          </p:cNvPr>
+          <p:cNvCxnSpPr>
+            <a:cxnSpLocks/>
+          </p:cNvCxnSpPr>
+          <p:nvPr/>
+        </p:nvCxnSpPr>
+        <p:spPr>
+          <a:xfrm>
+            <a:off x="7884788" y="1353606"/>
+            <a:ext cx="14313" cy="4008926"/>
+          </a:xfrm>
+          <a:prstGeom prst="line">
+            <a:avLst/>
+          </a:prstGeom>
+          <a:ln w="28575">
+            <a:solidFill>
+              <a:schemeClr val="tx1"/>
+            </a:solidFill>
+          </a:ln>
+        </p:spPr>
+        <p:style>
+          <a:lnRef idx="1">
+            <a:schemeClr val="accent1"/>
+          </a:lnRef>
+          <a:fillRef idx="0">
+            <a:schemeClr val="accent1"/>
+          </a:fillRef>
+          <a:effectRef idx="0">
+            <a:schemeClr val="accent1"/>
+          </a:effectRef>
+          <a:fontRef idx="minor">
+            <a:schemeClr val="tx1"/>
+          </a:fontRef>
+        </p:style>
+      </p:cxnSp>
+      <p:cxnSp>
+        <p:nvCxnSpPr>
+          <p:cNvPr id="40" name="Conector reto 39">
+            <a:extLst>
+              <a:ext uri="{FF2B5EF4-FFF2-40B4-BE49-F238E27FC236}">
+                <a16:creationId xmlns:a16="http://schemas.microsoft.com/office/drawing/2014/main" id="{8FD13458-842D-4E0E-82EC-20BE4F90C54E}"/>
+              </a:ext>
+            </a:extLst>
+          </p:cNvPr>
+          <p:cNvCxnSpPr>
+            <a:cxnSpLocks/>
+          </p:cNvCxnSpPr>
+          <p:nvPr/>
+        </p:nvCxnSpPr>
+        <p:spPr>
+          <a:xfrm>
+            <a:off x="8471854" y="2104773"/>
+            <a:ext cx="0" cy="1094283"/>
+          </a:xfrm>
+          <a:prstGeom prst="line">
+            <a:avLst/>
+          </a:prstGeom>
+          <a:ln w="28575">
+            <a:solidFill>
+              <a:schemeClr val="tx1"/>
+            </a:solidFill>
+          </a:ln>
+        </p:spPr>
+        <p:style>
+          <a:lnRef idx="1">
+            <a:schemeClr val="accent1"/>
+          </a:lnRef>
+          <a:fillRef idx="0">
+            <a:schemeClr val="accent1"/>
+          </a:fillRef>
+          <a:effectRef idx="0">
+            <a:schemeClr val="accent1"/>
+          </a:effectRef>
+          <a:fontRef idx="minor">
+            <a:schemeClr val="tx1"/>
+          </a:fontRef>
+        </p:style>
+      </p:cxnSp>
+      <p:cxnSp>
+        <p:nvCxnSpPr>
+          <p:cNvPr id="42" name="Conector reto 41">
+            <a:extLst>
+              <a:ext uri="{FF2B5EF4-FFF2-40B4-BE49-F238E27FC236}">
+                <a16:creationId xmlns:a16="http://schemas.microsoft.com/office/drawing/2014/main" id="{6D9E3506-4E36-4E1B-AF33-CF58EDDA6534}"/>
+              </a:ext>
+            </a:extLst>
+          </p:cNvPr>
+          <p:cNvCxnSpPr>
+            <a:cxnSpLocks/>
+          </p:cNvCxnSpPr>
+          <p:nvPr/>
+        </p:nvCxnSpPr>
+        <p:spPr>
+          <a:xfrm>
+            <a:off x="8471854" y="2518333"/>
+            <a:ext cx="380469" cy="0"/>
+          </a:xfrm>
+          <a:prstGeom prst="line">
+            <a:avLst/>
+          </a:prstGeom>
+          <a:ln w="28575"/>
+        </p:spPr>
+        <p:style>
+          <a:lnRef idx="1">
+            <a:schemeClr val="dk1"/>
+          </a:lnRef>
+          <a:fillRef idx="0">
+            <a:schemeClr val="dk1"/>
+          </a:fillRef>
+          <a:effectRef idx="0">
+            <a:schemeClr val="dk1"/>
+          </a:effectRef>
+          <a:fontRef idx="minor">
+            <a:schemeClr val="tx1"/>
+          </a:fontRef>
+        </p:style>
+      </p:cxnSp>
+      <p:cxnSp>
+        <p:nvCxnSpPr>
+          <p:cNvPr id="43" name="Conector reto 42">
+            <a:extLst>
+              <a:ext uri="{FF2B5EF4-FFF2-40B4-BE49-F238E27FC236}">
+                <a16:creationId xmlns:a16="http://schemas.microsoft.com/office/drawing/2014/main" id="{4F62329E-5A3A-452F-A0BE-D7D61DB32D7A}"/>
+              </a:ext>
+            </a:extLst>
+          </p:cNvPr>
+          <p:cNvCxnSpPr>
+            <a:cxnSpLocks/>
+          </p:cNvCxnSpPr>
+          <p:nvPr/>
+        </p:nvCxnSpPr>
+        <p:spPr>
+          <a:xfrm>
+            <a:off x="8471854" y="3199056"/>
+            <a:ext cx="410131" cy="0"/>
+          </a:xfrm>
+          <a:prstGeom prst="line">
+            <a:avLst/>
+          </a:prstGeom>
+          <a:ln w="28575"/>
+        </p:spPr>
+        <p:style>
+          <a:lnRef idx="1">
+            <a:schemeClr val="dk1"/>
+          </a:lnRef>
+          <a:fillRef idx="0">
+            <a:schemeClr val="dk1"/>
+          </a:fillRef>
+          <a:effectRef idx="0">
+            <a:schemeClr val="dk1"/>
+          </a:effectRef>
+          <a:fontRef idx="minor">
+            <a:schemeClr val="tx1"/>
+          </a:fontRef>
+        </p:style>
+      </p:cxnSp>
+      <p:sp>
+        <p:nvSpPr>
+          <p:cNvPr id="44" name="Fluxograma: Processo Alternativo 43">
+            <a:extLst>
+              <a:ext uri="{FF2B5EF4-FFF2-40B4-BE49-F238E27FC236}">
+                <a16:creationId xmlns:a16="http://schemas.microsoft.com/office/drawing/2014/main" id="{4C898729-99A5-424D-A6CB-6E163AD43B25}"/>
+              </a:ext>
+            </a:extLst>
+          </p:cNvPr>
+          <p:cNvSpPr/>
+          <p:nvPr/>
+        </p:nvSpPr>
+        <p:spPr>
+          <a:xfrm>
+            <a:off x="8864907" y="2251170"/>
+            <a:ext cx="1583176" cy="534326"/>
+          </a:xfrm>
+          <a:prstGeom prst="flowChartAlternateProcess">
+            <a:avLst/>
+          </a:prstGeom>
+          <a:solidFill>
+            <a:srgbClr val="FAEBAE"/>
+          </a:solidFill>
+          <a:ln w="9525">
+            <a:solidFill>
+              <a:schemeClr val="tx1">
+                <a:lumMod val="95000"/>
+                <a:lumOff val="5000"/>
+              </a:schemeClr>
+            </a:solidFill>
+          </a:ln>
+          <a:effectLst>
+            <a:outerShdw blurRad="107950" dist="12700" dir="5400000" algn="ctr">
+              <a:srgbClr val="000000"/>
+            </a:outerShdw>
+          </a:effectLst>
+          <a:scene3d>
+            <a:camera prst="orthographicFront">
+              <a:rot lat="0" lon="0" rev="0"/>
+            </a:camera>
+            <a:lightRig rig="soft" dir="t">
+              <a:rot lat="0" lon="0" rev="0"/>
+            </a:lightRig>
+          </a:scene3d>
+          <a:sp3d contourW="44450" prstMaterial="matte">
+            <a:bevelT w="63500" h="63500" prst="artDeco"/>
+            <a:contourClr>
+              <a:schemeClr val="tx1"/>
+            </a:contourClr>
+          </a:sp3d>
+        </p:spPr>
+        <p:style>
+          <a:lnRef idx="2">
+            <a:schemeClr val="accent1">
+              <a:shade val="50000"/>
+            </a:schemeClr>
+          </a:lnRef>
+          <a:fillRef idx="1">
+            <a:schemeClr val="accent1"/>
+          </a:fillRef>
+          <a:effectRef idx="0">
+            <a:schemeClr val="accent1"/>
+          </a:effectRef>
+          <a:fontRef idx="minor">
+            <a:schemeClr val="lt1"/>
+          </a:fontRef>
+        </p:style>
+        <p:txBody>
+          <a:bodyPr rtlCol="0" anchor="ctr"/>
+          <a:lstStyle/>
+          <a:p>
+            <a:pPr algn="ctr"/>
+            <a:r>
+              <a:rPr lang="pt-BR" sz="1400" dirty="0">
+                <a:solidFill>
+                  <a:schemeClr val="tx1"/>
+                </a:solidFill>
+                <a:latin typeface="Times New Roman" panose="02020603050405020304" pitchFamily="18" charset="0"/>
+                <a:cs typeface="Times New Roman" panose="02020603050405020304" pitchFamily="18" charset="0"/>
+              </a:rPr>
+              <a:t>5.1. Testes</a:t>
+            </a:r>
+          </a:p>
+        </p:txBody>
+      </p:sp>
+      <p:sp>
+        <p:nvSpPr>
+          <p:cNvPr id="45" name="Fluxograma: Processo Alternativo 44">
+            <a:extLst>
+              <a:ext uri="{FF2B5EF4-FFF2-40B4-BE49-F238E27FC236}">
+                <a16:creationId xmlns:a16="http://schemas.microsoft.com/office/drawing/2014/main" id="{89555921-5773-44FC-82EA-FDA411D999F2}"/>
+              </a:ext>
+            </a:extLst>
+          </p:cNvPr>
+          <p:cNvSpPr/>
+          <p:nvPr/>
+        </p:nvSpPr>
+        <p:spPr>
+          <a:xfrm>
+            <a:off x="8881985" y="2931893"/>
+            <a:ext cx="1583176" cy="534326"/>
+          </a:xfrm>
+          <a:prstGeom prst="flowChartAlternateProcess">
+            <a:avLst/>
+          </a:prstGeom>
+          <a:solidFill>
+            <a:srgbClr val="FAEBAE"/>
+          </a:solidFill>
+          <a:ln w="9525">
+            <a:solidFill>
+              <a:schemeClr val="tx1">
+                <a:lumMod val="95000"/>
+                <a:lumOff val="5000"/>
+              </a:schemeClr>
+            </a:solidFill>
+          </a:ln>
+          <a:effectLst>
+            <a:outerShdw blurRad="107950" dist="12700" dir="5400000" algn="ctr">
+              <a:srgbClr val="000000"/>
+            </a:outerShdw>
+          </a:effectLst>
+          <a:scene3d>
+            <a:camera prst="orthographicFront">
+              <a:rot lat="0" lon="0" rev="0"/>
+            </a:camera>
+            <a:lightRig rig="soft" dir="t">
+              <a:rot lat="0" lon="0" rev="0"/>
+            </a:lightRig>
+          </a:scene3d>
+          <a:sp3d contourW="44450" prstMaterial="matte">
+            <a:bevelT w="63500" h="63500" prst="artDeco"/>
+            <a:contourClr>
+              <a:schemeClr val="tx1"/>
+            </a:contourClr>
+          </a:sp3d>
+        </p:spPr>
+        <p:style>
+          <a:lnRef idx="2">
+            <a:schemeClr val="accent1">
+              <a:shade val="50000"/>
+            </a:schemeClr>
+          </a:lnRef>
+          <a:fillRef idx="1">
+            <a:schemeClr val="accent1"/>
+          </a:fillRef>
+          <a:effectRef idx="0">
+            <a:schemeClr val="accent1"/>
+          </a:effectRef>
+          <a:fontRef idx="minor">
+            <a:schemeClr val="lt1"/>
+          </a:fontRef>
+        </p:style>
+        <p:txBody>
+          <a:bodyPr rtlCol="0" anchor="ctr"/>
+          <a:lstStyle/>
+          <a:p>
+            <a:pPr algn="ctr"/>
+            <a:r>
+              <a:rPr lang="pt-BR" sz="1400" dirty="0">
+                <a:solidFill>
+                  <a:schemeClr val="tx1"/>
+                </a:solidFill>
+                <a:latin typeface="Times New Roman" panose="02020603050405020304" pitchFamily="18" charset="0"/>
+                <a:cs typeface="Times New Roman" panose="02020603050405020304" pitchFamily="18" charset="0"/>
+              </a:rPr>
+              <a:t>5.2. Análise </a:t>
+            </a:r>
+          </a:p>
+          <a:p>
+            <a:pPr algn="ctr"/>
+            <a:r>
+              <a:rPr lang="pt-BR" sz="1400" dirty="0">
+                <a:solidFill>
+                  <a:schemeClr val="tx1"/>
+                </a:solidFill>
+                <a:latin typeface="Times New Roman" panose="02020603050405020304" pitchFamily="18" charset="0"/>
+                <a:cs typeface="Times New Roman" panose="02020603050405020304" pitchFamily="18" charset="0"/>
+              </a:rPr>
+              <a:t>dos Testes</a:t>
+            </a:r>
+          </a:p>
+        </p:txBody>
+      </p:sp>
+      <p:cxnSp>
+        <p:nvCxnSpPr>
+          <p:cNvPr id="50" name="Conector reto 49">
+            <a:extLst>
+              <a:ext uri="{FF2B5EF4-FFF2-40B4-BE49-F238E27FC236}">
+                <a16:creationId xmlns:a16="http://schemas.microsoft.com/office/drawing/2014/main" id="{DB130627-E294-4835-B48A-54144CCDE2EE}"/>
+              </a:ext>
+            </a:extLst>
+          </p:cNvPr>
+          <p:cNvCxnSpPr>
+            <a:cxnSpLocks/>
+          </p:cNvCxnSpPr>
+          <p:nvPr/>
+        </p:nvCxnSpPr>
+        <p:spPr>
+          <a:xfrm>
+            <a:off x="7884785" y="3933822"/>
+            <a:ext cx="771525" cy="0"/>
+          </a:xfrm>
+          <a:prstGeom prst="line">
+            <a:avLst/>
+          </a:prstGeom>
+          <a:ln w="28575"/>
+        </p:spPr>
+        <p:style>
+          <a:lnRef idx="1">
+            <a:schemeClr val="dk1"/>
+          </a:lnRef>
+          <a:fillRef idx="0">
+            <a:schemeClr val="dk1"/>
+          </a:fillRef>
+          <a:effectRef idx="0">
+            <a:schemeClr val="dk1"/>
+          </a:effectRef>
+          <a:fontRef idx="minor">
+            <a:schemeClr val="tx1"/>
+          </a:fontRef>
+        </p:style>
+      </p:cxnSp>
+      <p:sp>
+        <p:nvSpPr>
+          <p:cNvPr id="51" name="Fluxograma: Processo Alternativo 50">
+            <a:extLst>
+              <a:ext uri="{FF2B5EF4-FFF2-40B4-BE49-F238E27FC236}">
+                <a16:creationId xmlns:a16="http://schemas.microsoft.com/office/drawing/2014/main" id="{92D045E8-75BF-4F68-BE4B-72F2CD7AEC5D}"/>
+              </a:ext>
+            </a:extLst>
+          </p:cNvPr>
+          <p:cNvSpPr/>
+          <p:nvPr/>
+        </p:nvSpPr>
+        <p:spPr>
+          <a:xfrm>
+            <a:off x="8267560" y="3695612"/>
+            <a:ext cx="2197595" cy="476420"/>
+          </a:xfrm>
+          <a:prstGeom prst="flowChartAlternateProcess">
+            <a:avLst/>
+          </a:prstGeom>
+          <a:solidFill>
+            <a:srgbClr val="FAE180"/>
+          </a:solidFill>
+          <a:ln w="9525">
+            <a:solidFill>
+              <a:schemeClr val="tx1">
+                <a:lumMod val="95000"/>
+                <a:lumOff val="5000"/>
+              </a:schemeClr>
+            </a:solidFill>
+          </a:ln>
+          <a:effectLst>
+            <a:outerShdw blurRad="107950" dist="12700" dir="5400000" algn="ctr">
+              <a:srgbClr val="000000"/>
+            </a:outerShdw>
+          </a:effectLst>
+          <a:scene3d>
+            <a:camera prst="orthographicFront">
+              <a:rot lat="0" lon="0" rev="0"/>
+            </a:camera>
+            <a:lightRig rig="soft" dir="t">
+              <a:rot lat="0" lon="0" rev="0"/>
+            </a:lightRig>
+          </a:scene3d>
+          <a:sp3d contourW="44450" prstMaterial="matte">
+            <a:bevelT w="63500" h="63500" prst="artDeco"/>
+            <a:contourClr>
+              <a:schemeClr val="tx1"/>
+            </a:contourClr>
+          </a:sp3d>
+        </p:spPr>
+        <p:style>
+          <a:lnRef idx="2">
+            <a:schemeClr val="accent1">
+              <a:shade val="50000"/>
+            </a:schemeClr>
+          </a:lnRef>
+          <a:fillRef idx="1">
+            <a:schemeClr val="accent1"/>
+          </a:fillRef>
+          <a:effectRef idx="0">
+            <a:schemeClr val="accent1"/>
+          </a:effectRef>
+          <a:fontRef idx="minor">
+            <a:schemeClr val="lt1"/>
+          </a:fontRef>
+        </p:style>
+        <p:txBody>
+          <a:bodyPr rtlCol="0" anchor="ctr"/>
+          <a:lstStyle/>
+          <a:p>
+            <a:pPr algn="ctr"/>
+            <a:r>
+              <a:rPr lang="pt-BR" sz="1600" dirty="0">
+                <a:solidFill>
+                  <a:schemeClr val="tx1"/>
+                </a:solidFill>
+                <a:latin typeface="Times New Roman" panose="02020603050405020304" pitchFamily="18" charset="0"/>
+                <a:cs typeface="Times New Roman" panose="02020603050405020304" pitchFamily="18" charset="0"/>
+              </a:rPr>
+              <a:t>6. Relatório: Reunião 4</a:t>
+            </a:r>
+          </a:p>
+        </p:txBody>
+      </p:sp>
+      <p:cxnSp>
+        <p:nvCxnSpPr>
+          <p:cNvPr id="53" name="Conector reto 52">
+            <a:extLst>
+              <a:ext uri="{FF2B5EF4-FFF2-40B4-BE49-F238E27FC236}">
+                <a16:creationId xmlns:a16="http://schemas.microsoft.com/office/drawing/2014/main" id="{2A8AB04C-B623-47C4-8AC5-1D756EA3CBD2}"/>
+              </a:ext>
+            </a:extLst>
+          </p:cNvPr>
+          <p:cNvCxnSpPr>
+            <a:cxnSpLocks/>
+          </p:cNvCxnSpPr>
+          <p:nvPr/>
+        </p:nvCxnSpPr>
+        <p:spPr>
+          <a:xfrm>
+            <a:off x="7905394" y="4643497"/>
+            <a:ext cx="771525" cy="0"/>
+          </a:xfrm>
+          <a:prstGeom prst="line">
+            <a:avLst/>
+          </a:prstGeom>
+          <a:ln w="28575"/>
+        </p:spPr>
+        <p:style>
+          <a:lnRef idx="1">
+            <a:schemeClr val="dk1"/>
+          </a:lnRef>
+          <a:fillRef idx="0">
+            <a:schemeClr val="dk1"/>
+          </a:fillRef>
+          <a:effectRef idx="0">
+            <a:schemeClr val="dk1"/>
+          </a:effectRef>
+          <a:fontRef idx="minor">
+            <a:schemeClr val="tx1"/>
+          </a:fontRef>
+        </p:style>
+      </p:cxnSp>
+      <p:sp>
+        <p:nvSpPr>
+          <p:cNvPr id="52" name="Fluxograma: Processo Alternativo 51">
+            <a:extLst>
+              <a:ext uri="{FF2B5EF4-FFF2-40B4-BE49-F238E27FC236}">
+                <a16:creationId xmlns:a16="http://schemas.microsoft.com/office/drawing/2014/main" id="{5EB91306-3B7A-4960-A972-5BA5F2960BC4}"/>
+              </a:ext>
+            </a:extLst>
+          </p:cNvPr>
+          <p:cNvSpPr/>
+          <p:nvPr/>
+        </p:nvSpPr>
+        <p:spPr>
+          <a:xfrm>
+            <a:off x="8273856" y="4405287"/>
+            <a:ext cx="2197595" cy="476420"/>
+          </a:xfrm>
+          <a:prstGeom prst="flowChartAlternateProcess">
+            <a:avLst/>
+          </a:prstGeom>
+          <a:solidFill>
+            <a:srgbClr val="FAE180"/>
+          </a:solidFill>
+          <a:ln w="9525">
+            <a:solidFill>
+              <a:schemeClr val="tx1">
+                <a:lumMod val="95000"/>
+                <a:lumOff val="5000"/>
+              </a:schemeClr>
+            </a:solidFill>
+          </a:ln>
+          <a:effectLst>
+            <a:outerShdw blurRad="107950" dist="12700" dir="5400000" algn="ctr">
+              <a:srgbClr val="000000"/>
+            </a:outerShdw>
+          </a:effectLst>
+          <a:scene3d>
+            <a:camera prst="orthographicFront">
+              <a:rot lat="0" lon="0" rev="0"/>
+            </a:camera>
+            <a:lightRig rig="soft" dir="t">
+              <a:rot lat="0" lon="0" rev="0"/>
+            </a:lightRig>
+          </a:scene3d>
+          <a:sp3d contourW="44450" prstMaterial="matte">
+            <a:bevelT w="63500" h="63500" prst="artDeco"/>
+            <a:contourClr>
+              <a:schemeClr val="tx1"/>
+            </a:contourClr>
+          </a:sp3d>
+        </p:spPr>
+        <p:style>
+          <a:lnRef idx="2">
+            <a:schemeClr val="accent1">
+              <a:shade val="50000"/>
+            </a:schemeClr>
+          </a:lnRef>
+          <a:fillRef idx="1">
+            <a:schemeClr val="accent1"/>
+          </a:fillRef>
+          <a:effectRef idx="0">
+            <a:schemeClr val="accent1"/>
+          </a:effectRef>
+          <a:fontRef idx="minor">
+            <a:schemeClr val="lt1"/>
+          </a:fontRef>
+        </p:style>
+        <p:txBody>
+          <a:bodyPr rtlCol="0" anchor="ctr"/>
+          <a:lstStyle/>
+          <a:p>
+            <a:pPr algn="ctr"/>
+            <a:r>
+              <a:rPr lang="pt-BR" sz="1600" dirty="0">
+                <a:solidFill>
+                  <a:schemeClr val="tx1"/>
+                </a:solidFill>
+                <a:latin typeface="Times New Roman" panose="02020603050405020304" pitchFamily="18" charset="0"/>
+                <a:cs typeface="Times New Roman" panose="02020603050405020304" pitchFamily="18" charset="0"/>
+              </a:rPr>
+              <a:t>7. Validação do</a:t>
+            </a:r>
+          </a:p>
+          <a:p>
+            <a:pPr algn="ctr"/>
+            <a:r>
+              <a:rPr lang="pt-BR" sz="1600" dirty="0">
+                <a:solidFill>
+                  <a:schemeClr val="tx1"/>
+                </a:solidFill>
+                <a:latin typeface="Times New Roman" panose="02020603050405020304" pitchFamily="18" charset="0"/>
+                <a:cs typeface="Times New Roman" panose="02020603050405020304" pitchFamily="18" charset="0"/>
+              </a:rPr>
+              <a:t>Desenvolvimento</a:t>
+            </a:r>
+          </a:p>
+        </p:txBody>
+      </p:sp>
+      <p:cxnSp>
+        <p:nvCxnSpPr>
+          <p:cNvPr id="56" name="Conector reto 55">
+            <a:extLst>
+              <a:ext uri="{FF2B5EF4-FFF2-40B4-BE49-F238E27FC236}">
+                <a16:creationId xmlns:a16="http://schemas.microsoft.com/office/drawing/2014/main" id="{609D8E29-52E6-437E-A88B-D4A27EF68618}"/>
+              </a:ext>
+            </a:extLst>
+          </p:cNvPr>
+          <p:cNvCxnSpPr>
+            <a:cxnSpLocks/>
+          </p:cNvCxnSpPr>
+          <p:nvPr/>
+        </p:nvCxnSpPr>
+        <p:spPr>
+          <a:xfrm>
+            <a:off x="7905394" y="5362532"/>
+            <a:ext cx="771525" cy="0"/>
+          </a:xfrm>
+          <a:prstGeom prst="line">
+            <a:avLst/>
+          </a:prstGeom>
+          <a:ln w="28575"/>
+        </p:spPr>
+        <p:style>
+          <a:lnRef idx="1">
+            <a:schemeClr val="dk1"/>
+          </a:lnRef>
+          <a:fillRef idx="0">
+            <a:schemeClr val="dk1"/>
+          </a:fillRef>
+          <a:effectRef idx="0">
+            <a:schemeClr val="dk1"/>
+          </a:effectRef>
+          <a:fontRef idx="minor">
+            <a:schemeClr val="tx1"/>
+          </a:fontRef>
+        </p:style>
+      </p:cxnSp>
+      <p:sp>
+        <p:nvSpPr>
+          <p:cNvPr id="54" name="Fluxograma: Processo Alternativo 53">
+            <a:extLst>
+              <a:ext uri="{FF2B5EF4-FFF2-40B4-BE49-F238E27FC236}">
+                <a16:creationId xmlns:a16="http://schemas.microsoft.com/office/drawing/2014/main" id="{4CC5B400-FE74-4B87-BE4C-BC177C3BD021}"/>
+              </a:ext>
+            </a:extLst>
+          </p:cNvPr>
+          <p:cNvSpPr/>
+          <p:nvPr/>
+        </p:nvSpPr>
+        <p:spPr>
+          <a:xfrm>
+            <a:off x="8267559" y="5124322"/>
+            <a:ext cx="2197595" cy="476420"/>
+          </a:xfrm>
+          <a:prstGeom prst="flowChartAlternateProcess">
+            <a:avLst/>
+          </a:prstGeom>
+          <a:solidFill>
+            <a:srgbClr val="FAE180"/>
+          </a:solidFill>
+          <a:ln w="9525">
+            <a:solidFill>
+              <a:schemeClr val="tx1">
+                <a:lumMod val="95000"/>
+                <a:lumOff val="5000"/>
+              </a:schemeClr>
+            </a:solidFill>
+          </a:ln>
+          <a:effectLst>
+            <a:outerShdw blurRad="107950" dist="12700" dir="5400000" algn="ctr">
+              <a:srgbClr val="000000"/>
+            </a:outerShdw>
+          </a:effectLst>
+          <a:scene3d>
+            <a:camera prst="orthographicFront">
+              <a:rot lat="0" lon="0" rev="0"/>
+            </a:camera>
+            <a:lightRig rig="soft" dir="t">
+              <a:rot lat="0" lon="0" rev="0"/>
+            </a:lightRig>
+          </a:scene3d>
+          <a:sp3d contourW="44450" prstMaterial="matte">
+            <a:bevelT w="63500" h="63500" prst="artDeco"/>
+            <a:contourClr>
+              <a:schemeClr val="tx1"/>
+            </a:contourClr>
+          </a:sp3d>
+        </p:spPr>
+        <p:style>
+          <a:lnRef idx="2">
+            <a:schemeClr val="accent1">
+              <a:shade val="50000"/>
+            </a:schemeClr>
+          </a:lnRef>
+          <a:fillRef idx="1">
+            <a:schemeClr val="accent1"/>
+          </a:fillRef>
+          <a:effectRef idx="0">
+            <a:schemeClr val="accent1"/>
+          </a:effectRef>
+          <a:fontRef idx="minor">
+            <a:schemeClr val="lt1"/>
+          </a:fontRef>
+        </p:style>
+        <p:txBody>
+          <a:bodyPr rtlCol="0" anchor="ctr"/>
+          <a:lstStyle/>
+          <a:p>
+            <a:pPr algn="ctr"/>
+            <a:r>
+              <a:rPr lang="pt-BR" sz="1600" dirty="0">
+                <a:solidFill>
+                  <a:schemeClr val="tx1"/>
+                </a:solidFill>
+                <a:latin typeface="Times New Roman" panose="02020603050405020304" pitchFamily="18" charset="0"/>
+                <a:cs typeface="Times New Roman" panose="02020603050405020304" pitchFamily="18" charset="0"/>
+              </a:rPr>
+              <a:t>8. Implementação</a:t>
+            </a:r>
+          </a:p>
+        </p:txBody>
+      </p:sp>
+    </p:spTree>
+    <p:extLst>
+      <p:ext uri="{BB962C8B-B14F-4D97-AF65-F5344CB8AC3E}">
+        <p14:creationId xmlns:p14="http://schemas.microsoft.com/office/powerpoint/2010/main" val="1309401555"/>
+      </p:ext>
+    </p:extLst>
+  </p:cSld>
+  <p:clrMapOvr>
+    <a:masterClrMapping/>
+  </p:clrMapOvr>
+</p:sld>
+</file>
+
+<file path=ppt/slides/slide9.xml><?xml version="1.0" encoding="utf-8"?>
+<p:sld xmlns:a="http://schemas.openxmlformats.org/drawingml/2006/main" xmlns:r="http://schemas.openxmlformats.org/officeDocument/2006/relationships" xmlns:p="http://schemas.openxmlformats.org/presentationml/2006/main">
+  <p:cSld>
+    <p:spTree>
+      <p:nvGrpSpPr>
+        <p:cNvPr id="1" name=""/>
+        <p:cNvGrpSpPr/>
+        <p:nvPr/>
+      </p:nvGrpSpPr>
+      <p:grpSpPr>
+        <a:xfrm>
+          <a:off x="0" y="0"/>
+          <a:ext cx="0" cy="0"/>
+          <a:chOff x="0" y="0"/>
+          <a:chExt cx="0" cy="0"/>
+        </a:xfrm>
+      </p:grpSpPr>
+      <p:sp>
+        <p:nvSpPr>
+          <p:cNvPr id="2" name="Título 1">
+            <a:extLst>
+              <a:ext uri="{FF2B5EF4-FFF2-40B4-BE49-F238E27FC236}">
+                <a16:creationId xmlns:a16="http://schemas.microsoft.com/office/drawing/2014/main" id="{B19B03E3-0402-483A-9544-DB831F5FFDB7}"/>
+              </a:ext>
+            </a:extLst>
+          </p:cNvPr>
+          <p:cNvSpPr>
+            <a:spLocks noGrp="1"/>
+          </p:cNvSpPr>
+          <p:nvPr>
+            <p:ph type="title"/>
+          </p:nvPr>
+        </p:nvSpPr>
+        <p:spPr/>
+        <p:txBody>
+          <a:bodyPr/>
+          <a:lstStyle/>
+          <a:p>
+            <a:endParaRPr lang="pt-BR"/>
+          </a:p>
+        </p:txBody>
+      </p:sp>
+      <p:sp>
+        <p:nvSpPr>
+          <p:cNvPr id="3" name="Espaço Reservado para Conteúdo 2">
+            <a:extLst>
+              <a:ext uri="{FF2B5EF4-FFF2-40B4-BE49-F238E27FC236}">
+                <a16:creationId xmlns:a16="http://schemas.microsoft.com/office/drawing/2014/main" id="{35337C7F-25E7-4951-BB6C-1EBF5C04B856}"/>
+              </a:ext>
+            </a:extLst>
+          </p:cNvPr>
+          <p:cNvSpPr>
+            <a:spLocks noGrp="1"/>
+          </p:cNvSpPr>
+          <p:nvPr>
+            <p:ph idx="1"/>
+          </p:nvPr>
+        </p:nvSpPr>
+        <p:spPr/>
+        <p:txBody>
+          <a:bodyPr/>
+          <a:lstStyle/>
+          <a:p>
+            <a:endParaRPr lang="pt-BR"/>
+          </a:p>
+        </p:txBody>
+      </p:sp>
+      <p:pic>
+        <p:nvPicPr>
+          <p:cNvPr id="4" name="Picture 2" descr="Imagem relacionada">
+            <a:extLst>
+              <a:ext uri="{FF2B5EF4-FFF2-40B4-BE49-F238E27FC236}">
+                <a16:creationId xmlns:a16="http://schemas.microsoft.com/office/drawing/2014/main" id="{4BEC7069-16DF-4790-A100-FAFE93F618A4}"/>
+              </a:ext>
+            </a:extLst>
+          </p:cNvPr>
+          <p:cNvPicPr>
+            <a:picLocks noChangeAspect="1" noChangeArrowheads="1"/>
+          </p:cNvPicPr>
+          <p:nvPr/>
+        </p:nvPicPr>
+        <p:blipFill>
+          <a:blip r:embed="rId2">
+            <a:extLst>
+              <a:ext uri="{BEBA8EAE-BF5A-486C-A8C5-ECC9F3942E4B}">
+                <a14:imgProps xmlns:a14="http://schemas.microsoft.com/office/drawing/2010/main">
+                  <a14:imgLayer r:embed="rId3">
+                    <a14:imgEffect>
+                      <a14:brightnessContrast bright="-25000" contrast="-10000"/>
+                    </a14:imgEffect>
+                  </a14:imgLayer>
+                </a14:imgProps>
+              </a:ext>
+              <a:ext uri="{28A0092B-C50C-407E-A947-70E740481C1C}">
+                <a14:useLocalDpi xmlns:a14="http://schemas.microsoft.com/office/drawing/2010/main" val="0"/>
+              </a:ext>
+            </a:extLst>
+          </a:blip>
+          <a:srcRect/>
+          <a:stretch>
+            <a:fillRect/>
+          </a:stretch>
+        </p:blipFill>
+        <p:spPr bwMode="auto">
+          <a:xfrm>
+            <a:off x="0" y="0"/>
+            <a:ext cx="12192000" cy="6858000"/>
+          </a:xfrm>
+          <a:prstGeom prst="rect">
+            <a:avLst/>
+          </a:prstGeom>
+          <a:noFill/>
+          <a:extLst>
+            <a:ext uri="{909E8E84-426E-40DD-AFC4-6F175D3DCCD1}">
+              <a14:hiddenFill xmlns:a14="http://schemas.microsoft.com/office/drawing/2010/main">
+                <a:solidFill>
+                  <a:srgbClr val="FFFFFF"/>
+                </a:solidFill>
+              </a14:hiddenFill>
+            </a:ext>
+          </a:extLst>
+        </p:spPr>
+      </p:pic>
+      <p:pic>
+        <p:nvPicPr>
+          <p:cNvPr id="5" name="Picture 2" descr="Imagem relacionada">
+            <a:hlinkClick r:id="rId4" action="ppaction://hlinksldjump"/>
+            <a:extLst>
+              <a:ext uri="{FF2B5EF4-FFF2-40B4-BE49-F238E27FC236}">
+                <a16:creationId xmlns:a16="http://schemas.microsoft.com/office/drawing/2014/main" id="{03B045DA-ADE2-4556-8B2C-9A2B3CC27BE7}"/>
+              </a:ext>
+            </a:extLst>
+          </p:cNvPr>
+          <p:cNvPicPr>
+            <a:picLocks noChangeAspect="1" noChangeArrowheads="1"/>
+          </p:cNvPicPr>
+          <p:nvPr/>
+        </p:nvPicPr>
+        <p:blipFill>
+          <a:blip r:embed="rId5">
+            <a:duotone>
+              <a:prstClr val="black"/>
+              <a:schemeClr val="accent4">
+                <a:tint val="45000"/>
+                <a:satMod val="400000"/>
+              </a:schemeClr>
+            </a:duotone>
+            <a:extLst>
+              <a:ext uri="{28A0092B-C50C-407E-A947-70E740481C1C}">
+                <a14:useLocalDpi xmlns:a14="http://schemas.microsoft.com/office/drawing/2010/main" val="0"/>
+              </a:ext>
+            </a:extLst>
+          </a:blip>
+          <a:srcRect/>
+          <a:stretch>
+            <a:fillRect/>
+          </a:stretch>
+        </p:blipFill>
+        <p:spPr bwMode="auto">
+          <a:xfrm>
+            <a:off x="11222603" y="5974418"/>
+            <a:ext cx="634034" cy="634034"/>
+          </a:xfrm>
+          <a:prstGeom prst="ellipse">
+            <a:avLst/>
+          </a:prstGeom>
+          <a:ln w="28575" cap="rnd">
+            <a:noFill/>
+          </a:ln>
+          <a:effectLst>
+            <a:outerShdw blurRad="107950" dist="12700" dir="5400000" algn="ctr">
+              <a:srgbClr val="000000"/>
+            </a:outerShdw>
+          </a:effectLst>
+          <a:scene3d>
+            <a:camera prst="orthographicFront">
+              <a:rot lat="0" lon="0" rev="0"/>
+            </a:camera>
+            <a:lightRig rig="soft" dir="t">
+              <a:rot lat="0" lon="0" rev="0"/>
+            </a:lightRig>
+          </a:scene3d>
+          <a:sp3d contourW="44450" prstMaterial="matte">
+            <a:bevelT w="63500" h="63500" prst="artDeco"/>
+            <a:contourClr>
+              <a:srgbClr val="FFFFFF"/>
+            </a:contourClr>
+          </a:sp3d>
+          <a:extLst>
+            <a:ext uri="{909E8E84-426E-40DD-AFC4-6F175D3DCCD1}">
+              <a14:hiddenFill xmlns:a14="http://schemas.microsoft.com/office/drawing/2010/main">
+                <a:solidFill>
+                  <a:srgbClr val="FFFFFF"/>
+                </a:solidFill>
+              </a14:hiddenFill>
+            </a:ext>
+          </a:extLst>
+        </p:spPr>
+      </p:pic>
+      <p:cxnSp>
+        <p:nvCxnSpPr>
+          <p:cNvPr id="6" name="Conector reto 5">
+            <a:extLst>
+              <a:ext uri="{FF2B5EF4-FFF2-40B4-BE49-F238E27FC236}">
+                <a16:creationId xmlns:a16="http://schemas.microsoft.com/office/drawing/2014/main" id="{C40280DD-7517-41EF-8AA0-33229321873A}"/>
+              </a:ext>
+            </a:extLst>
+          </p:cNvPr>
+          <p:cNvCxnSpPr>
+            <a:cxnSpLocks/>
+          </p:cNvCxnSpPr>
+          <p:nvPr/>
+        </p:nvCxnSpPr>
+        <p:spPr>
+          <a:xfrm>
+            <a:off x="5984939" y="-27148"/>
+            <a:ext cx="0" cy="501850"/>
+          </a:xfrm>
+          <a:prstGeom prst="line">
+            <a:avLst/>
+          </a:prstGeom>
+          <a:ln w="28575">
+            <a:solidFill>
+              <a:schemeClr val="tx1"/>
+            </a:solidFill>
+          </a:ln>
+        </p:spPr>
+        <p:style>
+          <a:lnRef idx="1">
+            <a:schemeClr val="accent1"/>
+          </a:lnRef>
+          <a:fillRef idx="0">
+            <a:schemeClr val="accent1"/>
+          </a:fillRef>
+          <a:effectRef idx="0">
+            <a:schemeClr val="accent1"/>
+          </a:effectRef>
+          <a:fontRef idx="minor">
+            <a:schemeClr val="tx1"/>
+          </a:fontRef>
+        </p:style>
+      </p:cxnSp>
+      <p:sp>
+        <p:nvSpPr>
+          <p:cNvPr id="7" name="Fluxograma: Processo Alternativo 6">
+            <a:extLst>
+              <a:ext uri="{FF2B5EF4-FFF2-40B4-BE49-F238E27FC236}">
+                <a16:creationId xmlns:a16="http://schemas.microsoft.com/office/drawing/2014/main" id="{DB46D7DB-49D2-40D7-8688-6777A9B5FA71}"/>
+              </a:ext>
+            </a:extLst>
+          </p:cNvPr>
+          <p:cNvSpPr/>
+          <p:nvPr/>
+        </p:nvSpPr>
+        <p:spPr>
+          <a:xfrm>
+            <a:off x="4184025" y="479825"/>
+            <a:ext cx="3601827" cy="669886"/>
+          </a:xfrm>
+          <a:prstGeom prst="flowChartAlternateProcess">
+            <a:avLst/>
+          </a:prstGeom>
+          <a:solidFill>
+            <a:srgbClr val="92E285"/>
+          </a:solidFill>
+          <a:ln w="9525">
+            <a:solidFill>
+              <a:schemeClr val="tx1">
+                <a:lumMod val="95000"/>
+                <a:lumOff val="5000"/>
+              </a:schemeClr>
+            </a:solidFill>
+          </a:ln>
+          <a:effectLst>
+            <a:outerShdw blurRad="107950" dist="12700" dir="5400000" algn="ctr">
+              <a:srgbClr val="000000"/>
+            </a:outerShdw>
+          </a:effectLst>
+          <a:scene3d>
+            <a:camera prst="orthographicFront">
+              <a:rot lat="0" lon="0" rev="0"/>
+            </a:camera>
+            <a:lightRig rig="soft" dir="t">
+              <a:rot lat="0" lon="0" rev="0"/>
+            </a:lightRig>
+          </a:scene3d>
+          <a:sp3d contourW="44450" prstMaterial="matte">
+            <a:bevelT w="63500" h="63500" prst="artDeco"/>
+            <a:contourClr>
+              <a:schemeClr val="tx1"/>
+            </a:contourClr>
+          </a:sp3d>
+        </p:spPr>
+        <p:style>
+          <a:lnRef idx="2">
+            <a:schemeClr val="accent1">
+              <a:shade val="50000"/>
+            </a:schemeClr>
+          </a:lnRef>
+          <a:fillRef idx="1">
+            <a:schemeClr val="accent1"/>
+          </a:fillRef>
+          <a:effectRef idx="0">
+            <a:schemeClr val="accent1"/>
+          </a:effectRef>
+          <a:fontRef idx="minor">
+            <a:schemeClr val="lt1"/>
+          </a:fontRef>
+        </p:style>
+        <p:txBody>
+          <a:bodyPr rtlCol="0" anchor="b"/>
+          <a:lstStyle/>
+          <a:p>
+            <a:pPr algn="ctr"/>
+            <a:r>
+              <a:rPr lang="pt-BR" sz="4000" dirty="0">
+                <a:solidFill>
+                  <a:schemeClr val="tx1"/>
+                </a:solidFill>
+                <a:latin typeface="Times New Roman" panose="02020603050405020304" pitchFamily="18" charset="0"/>
+                <a:cs typeface="Times New Roman" panose="02020603050405020304" pitchFamily="18" charset="0"/>
+              </a:rPr>
+              <a:t>Encerramento</a:t>
+            </a:r>
+          </a:p>
+        </p:txBody>
+      </p:sp>
+      <p:cxnSp>
+        <p:nvCxnSpPr>
+          <p:cNvPr id="8" name="Conector reto 7">
+            <a:extLst>
+              <a:ext uri="{FF2B5EF4-FFF2-40B4-BE49-F238E27FC236}">
+                <a16:creationId xmlns:a16="http://schemas.microsoft.com/office/drawing/2014/main" id="{956E0FFE-8073-41E4-9F7C-A7CD3796A324}"/>
+              </a:ext>
+            </a:extLst>
+          </p:cNvPr>
+          <p:cNvCxnSpPr>
+            <a:cxnSpLocks/>
+          </p:cNvCxnSpPr>
+          <p:nvPr/>
+        </p:nvCxnSpPr>
+        <p:spPr>
+          <a:xfrm>
+            <a:off x="4384740" y="1188838"/>
+            <a:ext cx="0" cy="2923768"/>
+          </a:xfrm>
+          <a:prstGeom prst="line">
+            <a:avLst/>
+          </a:prstGeom>
+          <a:ln w="28575">
+            <a:solidFill>
+              <a:schemeClr val="tx1"/>
+            </a:solidFill>
+          </a:ln>
+        </p:spPr>
+        <p:style>
+          <a:lnRef idx="1">
+            <a:schemeClr val="accent1"/>
+          </a:lnRef>
+          <a:fillRef idx="0">
+            <a:schemeClr val="accent1"/>
+          </a:fillRef>
+          <a:effectRef idx="0">
+            <a:schemeClr val="accent1"/>
+          </a:effectRef>
+          <a:fontRef idx="minor">
+            <a:schemeClr val="tx1"/>
+          </a:fontRef>
+        </p:style>
+      </p:cxnSp>
+      <p:cxnSp>
+        <p:nvCxnSpPr>
+          <p:cNvPr id="9" name="Conector reto 8">
+            <a:extLst>
+              <a:ext uri="{FF2B5EF4-FFF2-40B4-BE49-F238E27FC236}">
+                <a16:creationId xmlns:a16="http://schemas.microsoft.com/office/drawing/2014/main" id="{E539AAAE-FA17-48BC-B292-35C60EE4AE20}"/>
+              </a:ext>
+            </a:extLst>
+          </p:cNvPr>
+          <p:cNvCxnSpPr>
+            <a:cxnSpLocks/>
+          </p:cNvCxnSpPr>
+          <p:nvPr/>
+        </p:nvCxnSpPr>
+        <p:spPr>
+          <a:xfrm>
+            <a:off x="4384739" y="1907975"/>
+            <a:ext cx="771525" cy="0"/>
+          </a:xfrm>
+          <a:prstGeom prst="line">
+            <a:avLst/>
+          </a:prstGeom>
+          <a:ln w="28575"/>
+        </p:spPr>
+        <p:style>
+          <a:lnRef idx="1">
+            <a:schemeClr val="dk1"/>
+          </a:lnRef>
+          <a:fillRef idx="0">
+            <a:schemeClr val="dk1"/>
+          </a:fillRef>
+          <a:effectRef idx="0">
+            <a:schemeClr val="dk1"/>
+          </a:effectRef>
+          <a:fontRef idx="minor">
+            <a:schemeClr val="tx1"/>
+          </a:fontRef>
+        </p:style>
+      </p:cxnSp>
+      <p:cxnSp>
+        <p:nvCxnSpPr>
+          <p:cNvPr id="10" name="Conector reto 9">
+            <a:extLst>
+              <a:ext uri="{FF2B5EF4-FFF2-40B4-BE49-F238E27FC236}">
+                <a16:creationId xmlns:a16="http://schemas.microsoft.com/office/drawing/2014/main" id="{6277C4BB-F639-43A3-9136-F6A55EC9051A}"/>
+              </a:ext>
+            </a:extLst>
+          </p:cNvPr>
+          <p:cNvCxnSpPr>
+            <a:cxnSpLocks/>
+          </p:cNvCxnSpPr>
+          <p:nvPr/>
+        </p:nvCxnSpPr>
+        <p:spPr>
+          <a:xfrm>
+            <a:off x="4384739" y="3020594"/>
+            <a:ext cx="771525" cy="0"/>
+          </a:xfrm>
+          <a:prstGeom prst="line">
+            <a:avLst/>
+          </a:prstGeom>
+          <a:ln w="28575"/>
+        </p:spPr>
+        <p:style>
+          <a:lnRef idx="1">
+            <a:schemeClr val="dk1"/>
+          </a:lnRef>
+          <a:fillRef idx="0">
+            <a:schemeClr val="dk1"/>
+          </a:fillRef>
+          <a:effectRef idx="0">
+            <a:schemeClr val="dk1"/>
+          </a:effectRef>
+          <a:fontRef idx="minor">
+            <a:schemeClr val="tx1"/>
+          </a:fontRef>
+        </p:style>
+      </p:cxnSp>
+      <p:cxnSp>
+        <p:nvCxnSpPr>
+          <p:cNvPr id="11" name="Conector reto 10">
+            <a:extLst>
+              <a:ext uri="{FF2B5EF4-FFF2-40B4-BE49-F238E27FC236}">
+                <a16:creationId xmlns:a16="http://schemas.microsoft.com/office/drawing/2014/main" id="{96CC96F1-1E7F-4F82-B0A3-1ACDAA8B7ACC}"/>
+              </a:ext>
+            </a:extLst>
+          </p:cNvPr>
+          <p:cNvCxnSpPr>
+            <a:cxnSpLocks/>
+          </p:cNvCxnSpPr>
+          <p:nvPr/>
+        </p:nvCxnSpPr>
+        <p:spPr>
+          <a:xfrm>
+            <a:off x="4384738" y="4112606"/>
+            <a:ext cx="771525" cy="0"/>
+          </a:xfrm>
+          <a:prstGeom prst="line">
+            <a:avLst/>
+          </a:prstGeom>
+          <a:ln w="28575"/>
+        </p:spPr>
+        <p:style>
+          <a:lnRef idx="1">
+            <a:schemeClr val="dk1"/>
+          </a:lnRef>
+          <a:fillRef idx="0">
+            <a:schemeClr val="dk1"/>
+          </a:fillRef>
+          <a:effectRef idx="0">
+            <a:schemeClr val="dk1"/>
+          </a:effectRef>
+          <a:fontRef idx="minor">
+            <a:schemeClr val="tx1"/>
+          </a:fontRef>
+        </p:style>
+      </p:cxnSp>
+      <p:sp>
+        <p:nvSpPr>
+          <p:cNvPr id="12" name="Fluxograma: Processo Alternativo 11">
+            <a:extLst>
+              <a:ext uri="{FF2B5EF4-FFF2-40B4-BE49-F238E27FC236}">
+                <a16:creationId xmlns:a16="http://schemas.microsoft.com/office/drawing/2014/main" id="{BFC06EAC-34AB-4E1D-B76A-C6A6374E4C39}"/>
+              </a:ext>
+            </a:extLst>
+          </p:cNvPr>
+          <p:cNvSpPr/>
+          <p:nvPr/>
+        </p:nvSpPr>
+        <p:spPr>
+          <a:xfrm>
+            <a:off x="5038732" y="1564471"/>
+            <a:ext cx="2379829" cy="728223"/>
+          </a:xfrm>
+          <a:prstGeom prst="flowChartAlternateProcess">
+            <a:avLst/>
+          </a:prstGeom>
+          <a:solidFill>
+            <a:srgbClr val="FAE180"/>
+          </a:solidFill>
+          <a:ln w="9525">
+            <a:solidFill>
+              <a:schemeClr val="tx1">
+                <a:lumMod val="95000"/>
+                <a:lumOff val="5000"/>
+              </a:schemeClr>
+            </a:solidFill>
+          </a:ln>
+          <a:effectLst>
+            <a:outerShdw blurRad="107950" dist="12700" dir="5400000" algn="ctr">
+              <a:srgbClr val="000000"/>
+            </a:outerShdw>
+          </a:effectLst>
+          <a:scene3d>
+            <a:camera prst="orthographicFront">
+              <a:rot lat="0" lon="0" rev="0"/>
+            </a:camera>
+            <a:lightRig rig="soft" dir="t">
+              <a:rot lat="0" lon="0" rev="0"/>
+            </a:lightRig>
+          </a:scene3d>
+          <a:sp3d contourW="44450" prstMaterial="matte">
+            <a:bevelT w="63500" h="63500" prst="artDeco"/>
+            <a:contourClr>
+              <a:schemeClr val="tx1"/>
+            </a:contourClr>
+          </a:sp3d>
+        </p:spPr>
+        <p:style>
+          <a:lnRef idx="2">
+            <a:schemeClr val="accent1">
+              <a:shade val="50000"/>
+            </a:schemeClr>
+          </a:lnRef>
+          <a:fillRef idx="1">
+            <a:schemeClr val="accent1"/>
+          </a:fillRef>
+          <a:effectRef idx="0">
+            <a:schemeClr val="accent1"/>
+          </a:effectRef>
+          <a:fontRef idx="minor">
+            <a:schemeClr val="lt1"/>
+          </a:fontRef>
+        </p:style>
+        <p:txBody>
+          <a:bodyPr rtlCol="0" anchor="ctr"/>
+          <a:lstStyle/>
+          <a:p>
+            <a:pPr algn="ctr"/>
+            <a:r>
+              <a:rPr lang="pt-BR" sz="2000" dirty="0">
+                <a:solidFill>
+                  <a:schemeClr val="tx1"/>
+                </a:solidFill>
+                <a:latin typeface="Times New Roman" panose="02020603050405020304" pitchFamily="18" charset="0"/>
+                <a:cs typeface="Times New Roman" panose="02020603050405020304" pitchFamily="18" charset="0"/>
+              </a:rPr>
+              <a:t>1. Feedback do          </a:t>
+            </a:r>
+          </a:p>
+          <a:p>
+            <a:pPr algn="ctr"/>
+            <a:r>
+              <a:rPr lang="pt-BR" sz="2000" dirty="0">
+                <a:solidFill>
+                  <a:schemeClr val="tx1"/>
+                </a:solidFill>
+                <a:latin typeface="Times New Roman" panose="02020603050405020304" pitchFamily="18" charset="0"/>
+                <a:cs typeface="Times New Roman" panose="02020603050405020304" pitchFamily="18" charset="0"/>
+              </a:rPr>
+              <a:t>Público Alvo</a:t>
+            </a:r>
+          </a:p>
+        </p:txBody>
+      </p:sp>
+      <p:sp>
+        <p:nvSpPr>
+          <p:cNvPr id="13" name="Fluxograma: Processo Alternativo 12">
+            <a:extLst>
+              <a:ext uri="{FF2B5EF4-FFF2-40B4-BE49-F238E27FC236}">
+                <a16:creationId xmlns:a16="http://schemas.microsoft.com/office/drawing/2014/main" id="{21AB3358-E745-4C5E-ADA2-23281332718F}"/>
+              </a:ext>
+            </a:extLst>
+          </p:cNvPr>
+          <p:cNvSpPr/>
+          <p:nvPr/>
+        </p:nvSpPr>
+        <p:spPr>
+          <a:xfrm>
+            <a:off x="5038731" y="2656483"/>
+            <a:ext cx="2379828" cy="728223"/>
+          </a:xfrm>
+          <a:prstGeom prst="flowChartAlternateProcess">
+            <a:avLst/>
+          </a:prstGeom>
+          <a:solidFill>
+            <a:srgbClr val="FAE180"/>
+          </a:solidFill>
+          <a:ln w="9525">
+            <a:solidFill>
+              <a:schemeClr val="tx1">
+                <a:lumMod val="95000"/>
+                <a:lumOff val="5000"/>
+              </a:schemeClr>
+            </a:solidFill>
+          </a:ln>
+          <a:effectLst>
+            <a:outerShdw blurRad="107950" dist="12700" dir="5400000" algn="ctr">
+              <a:srgbClr val="000000"/>
+            </a:outerShdw>
+          </a:effectLst>
+          <a:scene3d>
+            <a:camera prst="orthographicFront">
+              <a:rot lat="0" lon="0" rev="0"/>
+            </a:camera>
+            <a:lightRig rig="soft" dir="t">
+              <a:rot lat="0" lon="0" rev="0"/>
+            </a:lightRig>
+          </a:scene3d>
+          <a:sp3d contourW="44450" prstMaterial="matte">
+            <a:bevelT w="63500" h="63500" prst="artDeco"/>
+            <a:contourClr>
+              <a:schemeClr val="tx1"/>
+            </a:contourClr>
+          </a:sp3d>
+        </p:spPr>
+        <p:style>
+          <a:lnRef idx="2">
+            <a:schemeClr val="accent1">
+              <a:shade val="50000"/>
+            </a:schemeClr>
+          </a:lnRef>
+          <a:fillRef idx="1">
+            <a:schemeClr val="accent1"/>
+          </a:fillRef>
+          <a:effectRef idx="0">
+            <a:schemeClr val="accent1"/>
+          </a:effectRef>
+          <a:fontRef idx="minor">
+            <a:schemeClr val="lt1"/>
+          </a:fontRef>
+        </p:style>
+        <p:txBody>
+          <a:bodyPr rtlCol="0" anchor="ctr"/>
+          <a:lstStyle/>
+          <a:p>
+            <a:pPr algn="ctr"/>
+            <a:r>
+              <a:rPr lang="pt-BR" sz="2000" dirty="0">
+                <a:solidFill>
+                  <a:schemeClr val="tx1"/>
+                </a:solidFill>
+                <a:latin typeface="Times New Roman" panose="02020603050405020304" pitchFamily="18" charset="0"/>
+                <a:cs typeface="Times New Roman" panose="02020603050405020304" pitchFamily="18" charset="0"/>
+              </a:rPr>
+              <a:t>2. Validação do</a:t>
+            </a:r>
+          </a:p>
+          <a:p>
+            <a:pPr algn="ctr"/>
+            <a:r>
+              <a:rPr lang="pt-BR" sz="2000" dirty="0">
+                <a:solidFill>
+                  <a:schemeClr val="tx1"/>
+                </a:solidFill>
+                <a:latin typeface="Times New Roman" panose="02020603050405020304" pitchFamily="18" charset="0"/>
+                <a:cs typeface="Times New Roman" panose="02020603050405020304" pitchFamily="18" charset="0"/>
+              </a:rPr>
+              <a:t>Produto Final</a:t>
+            </a:r>
+          </a:p>
+        </p:txBody>
+      </p:sp>
+      <p:sp>
+        <p:nvSpPr>
+          <p:cNvPr id="14" name="Fluxograma: Processo Alternativo 13">
+            <a:extLst>
+              <a:ext uri="{FF2B5EF4-FFF2-40B4-BE49-F238E27FC236}">
+                <a16:creationId xmlns:a16="http://schemas.microsoft.com/office/drawing/2014/main" id="{4262714E-FBFC-49AE-ACA3-A9DC9EFAE6B8}"/>
+              </a:ext>
+            </a:extLst>
+          </p:cNvPr>
+          <p:cNvSpPr/>
+          <p:nvPr/>
+        </p:nvSpPr>
+        <p:spPr>
+          <a:xfrm>
+            <a:off x="5038731" y="3748495"/>
+            <a:ext cx="2379829" cy="728223"/>
+          </a:xfrm>
+          <a:prstGeom prst="flowChartAlternateProcess">
+            <a:avLst/>
+          </a:prstGeom>
+          <a:solidFill>
+            <a:srgbClr val="FAE180"/>
+          </a:solidFill>
+          <a:ln w="9525">
+            <a:solidFill>
+              <a:schemeClr val="tx1">
+                <a:lumMod val="95000"/>
+                <a:lumOff val="5000"/>
+              </a:schemeClr>
+            </a:solidFill>
+          </a:ln>
+          <a:effectLst>
+            <a:outerShdw blurRad="107950" dist="12700" dir="5400000" algn="ctr">
+              <a:srgbClr val="000000"/>
+            </a:outerShdw>
+          </a:effectLst>
+          <a:scene3d>
+            <a:camera prst="orthographicFront">
+              <a:rot lat="0" lon="0" rev="0"/>
+            </a:camera>
+            <a:lightRig rig="soft" dir="t">
+              <a:rot lat="0" lon="0" rev="0"/>
+            </a:lightRig>
+          </a:scene3d>
+          <a:sp3d contourW="44450" prstMaterial="matte">
+            <a:bevelT w="63500" h="63500" prst="artDeco"/>
+            <a:contourClr>
+              <a:schemeClr val="tx1"/>
+            </a:contourClr>
+          </a:sp3d>
+        </p:spPr>
+        <p:style>
+          <a:lnRef idx="2">
+            <a:schemeClr val="accent1">
+              <a:shade val="50000"/>
+            </a:schemeClr>
+          </a:lnRef>
+          <a:fillRef idx="1">
+            <a:schemeClr val="accent1"/>
+          </a:fillRef>
+          <a:effectRef idx="0">
+            <a:schemeClr val="accent1"/>
+          </a:effectRef>
+          <a:fontRef idx="minor">
+            <a:schemeClr val="lt1"/>
+          </a:fontRef>
+        </p:style>
+        <p:txBody>
+          <a:bodyPr rtlCol="0" anchor="ctr"/>
+          <a:lstStyle/>
+          <a:p>
+            <a:pPr algn="ctr"/>
+            <a:r>
+              <a:rPr lang="pt-BR" sz="2000" dirty="0">
+                <a:solidFill>
+                  <a:schemeClr val="tx1"/>
+                </a:solidFill>
+                <a:latin typeface="Times New Roman" panose="02020603050405020304" pitchFamily="18" charset="0"/>
+                <a:cs typeface="Times New Roman" panose="02020603050405020304" pitchFamily="18" charset="0"/>
+              </a:rPr>
+              <a:t>3. Relatório Final</a:t>
+            </a:r>
+          </a:p>
+        </p:txBody>
+      </p:sp>
+    </p:spTree>
+    <p:extLst>
+      <p:ext uri="{BB962C8B-B14F-4D97-AF65-F5344CB8AC3E}">
+        <p14:creationId xmlns:p14="http://schemas.microsoft.com/office/powerpoint/2010/main" val="3655900425"/>
       </p:ext>
     </p:extLst>
   </p:cSld>
